--- a/Anglais/english tedtalk.pptx
+++ b/Anglais/english tedtalk.pptx
@@ -1,127 +1,19 @@
 
 <file path=ppt/presentation.xml><?xml version="1.0" encoding="utf-8"?>
-<p:presentation xmlns:a="http://schemas.openxmlformats.org/drawingml/2006/main" xmlns:r="http://schemas.openxmlformats.org/officeDocument/2006/relationships" xmlns:p="http://schemas.openxmlformats.org/presentationml/2006/main" saveSubsetFonts="1" autoCompressPictures="0">
+<p:presentation xmlns:a="http://schemas.openxmlformats.org/drawingml/2006/main" xmlns:p="http://schemas.openxmlformats.org/presentationml/2006/main" xmlns:r="http://schemas.openxmlformats.org/officeDocument/2006/relationships" xmlns:p14="http://schemas.microsoft.com/office/powerpoint/2010/main" xmlns:p15="http://schemas.microsoft.com/office/powerpoint/2012/main" xmlns:mc="http://schemas.openxmlformats.org/markup-compatibility/2006">
   <p:sldMasterIdLst>
-    <p:sldMasterId id="2147483763" r:id="rId4"/>
+    <p:sldMasterId id="2147483648" r:id="rId2"/>
   </p:sldMasterIdLst>
   <p:sldIdLst>
-    <p:sldId id="259" r:id="rId5"/>
-    <p:sldId id="261" r:id="rId6"/>
-    <p:sldId id="263" r:id="rId7"/>
-    <p:sldId id="264" r:id="rId8"/>
-    <p:sldId id="265" r:id="rId9"/>
+    <p:sldId id="256" r:id="rId3"/>
+    <p:sldId id="257" r:id="rId4"/>
+    <p:sldId id="258" r:id="rId5"/>
+    <p:sldId id="259" r:id="rId6"/>
+    <p:sldId id="260" r:id="rId7"/>
   </p:sldIdLst>
   <p:sldSz cx="12192000" cy="6858000"/>
-  <p:notesSz cx="6858000" cy="9144000"/>
-  <p:defaultTextStyle>
-    <a:defPPr>
-      <a:defRPr lang="en-US"/>
-    </a:defPPr>
-    <a:lvl1pPr marL="0" algn="l" defTabSz="914400" rtl="0" eaLnBrk="1" latinLnBrk="0" hangingPunct="1">
-      <a:defRPr sz="1800" kern="1200">
-        <a:solidFill>
-          <a:schemeClr val="tx1"/>
-        </a:solidFill>
-        <a:latin typeface="+mn-lt"/>
-        <a:ea typeface="+mn-ea"/>
-        <a:cs typeface="+mn-cs"/>
-      </a:defRPr>
-    </a:lvl1pPr>
-    <a:lvl2pPr marL="457200" algn="l" defTabSz="914400" rtl="0" eaLnBrk="1" latinLnBrk="0" hangingPunct="1">
-      <a:defRPr sz="1800" kern="1200">
-        <a:solidFill>
-          <a:schemeClr val="tx1"/>
-        </a:solidFill>
-        <a:latin typeface="+mn-lt"/>
-        <a:ea typeface="+mn-ea"/>
-        <a:cs typeface="+mn-cs"/>
-      </a:defRPr>
-    </a:lvl2pPr>
-    <a:lvl3pPr marL="914400" algn="l" defTabSz="914400" rtl="0" eaLnBrk="1" latinLnBrk="0" hangingPunct="1">
-      <a:defRPr sz="1800" kern="1200">
-        <a:solidFill>
-          <a:schemeClr val="tx1"/>
-        </a:solidFill>
-        <a:latin typeface="+mn-lt"/>
-        <a:ea typeface="+mn-ea"/>
-        <a:cs typeface="+mn-cs"/>
-      </a:defRPr>
-    </a:lvl3pPr>
-    <a:lvl4pPr marL="1371600" algn="l" defTabSz="914400" rtl="0" eaLnBrk="1" latinLnBrk="0" hangingPunct="1">
-      <a:defRPr sz="1800" kern="1200">
-        <a:solidFill>
-          <a:schemeClr val="tx1"/>
-        </a:solidFill>
-        <a:latin typeface="+mn-lt"/>
-        <a:ea typeface="+mn-ea"/>
-        <a:cs typeface="+mn-cs"/>
-      </a:defRPr>
-    </a:lvl4pPr>
-    <a:lvl5pPr marL="1828800" algn="l" defTabSz="914400" rtl="0" eaLnBrk="1" latinLnBrk="0" hangingPunct="1">
-      <a:defRPr sz="1800" kern="1200">
-        <a:solidFill>
-          <a:schemeClr val="tx1"/>
-        </a:solidFill>
-        <a:latin typeface="+mn-lt"/>
-        <a:ea typeface="+mn-ea"/>
-        <a:cs typeface="+mn-cs"/>
-      </a:defRPr>
-    </a:lvl5pPr>
-    <a:lvl6pPr marL="2286000" algn="l" defTabSz="914400" rtl="0" eaLnBrk="1" latinLnBrk="0" hangingPunct="1">
-      <a:defRPr sz="1800" kern="1200">
-        <a:solidFill>
-          <a:schemeClr val="tx1"/>
-        </a:solidFill>
-        <a:latin typeface="+mn-lt"/>
-        <a:ea typeface="+mn-ea"/>
-        <a:cs typeface="+mn-cs"/>
-      </a:defRPr>
-    </a:lvl6pPr>
-    <a:lvl7pPr marL="2743200" algn="l" defTabSz="914400" rtl="0" eaLnBrk="1" latinLnBrk="0" hangingPunct="1">
-      <a:defRPr sz="1800" kern="1200">
-        <a:solidFill>
-          <a:schemeClr val="tx1"/>
-        </a:solidFill>
-        <a:latin typeface="+mn-lt"/>
-        <a:ea typeface="+mn-ea"/>
-        <a:cs typeface="+mn-cs"/>
-      </a:defRPr>
-    </a:lvl7pPr>
-    <a:lvl8pPr marL="3200400" algn="l" defTabSz="914400" rtl="0" eaLnBrk="1" latinLnBrk="0" hangingPunct="1">
-      <a:defRPr sz="1800" kern="1200">
-        <a:solidFill>
-          <a:schemeClr val="tx1"/>
-        </a:solidFill>
-        <a:latin typeface="+mn-lt"/>
-        <a:ea typeface="+mn-ea"/>
-        <a:cs typeface="+mn-cs"/>
-      </a:defRPr>
-    </a:lvl8pPr>
-    <a:lvl9pPr marL="3657600" algn="l" defTabSz="914400" rtl="0" eaLnBrk="1" latinLnBrk="0" hangingPunct="1">
-      <a:defRPr sz="1800" kern="1200">
-        <a:solidFill>
-          <a:schemeClr val="tx1"/>
-        </a:solidFill>
-        <a:latin typeface="+mn-lt"/>
-        <a:ea typeface="+mn-ea"/>
-        <a:cs typeface="+mn-cs"/>
-      </a:defRPr>
-    </a:lvl9pPr>
-  </p:defaultTextStyle>
-  <p:extLst>
-    <p:ext uri="{EFAFB233-063F-42B5-8137-9DF3F51BA10A}">
-      <p15:sldGuideLst xmlns:p15="http://schemas.microsoft.com/office/powerpoint/2012/main"/>
-    </p:ext>
-  </p:extLst>
+  <p:notesSz cx="7559675" cy="10691813"/>
 </p:presentation>
-</file>
-
-<file path=ppt/revisionInfo.xml><?xml version="1.0" encoding="utf-8"?>
-<p1510:revInfo xmlns:a="http://schemas.openxmlformats.org/drawingml/2006/main" xmlns:r="http://schemas.openxmlformats.org/officeDocument/2006/relationships" xmlns:p1510="http://schemas.microsoft.com/office/powerpoint/2015/10/main">
-  <p1510:revLst>
-    <p1510:client id="{C67598D2-5D29-48EA-92DE-C327FF742F5E}" v="192" dt="2022-01-06T22:06:02.904"/>
-  </p1510:revLst>
-</p1510:revInfo>
 </file>
 
 <file path=ppt/diagrams/colors1.xml><?xml version="1.0" encoding="utf-8"?>
@@ -1170,7 +1062,7 @@
   <dgm:whole/>
   <dgm:extLst>
     <a:ext uri="http://schemas.microsoft.com/office/drawing/2008/diagram">
-      <dsp:dataModelExt xmlns:dsp="http://schemas.microsoft.com/office/drawing/2008/diagram" relId="rId6" minVer="http://schemas.openxmlformats.org/drawingml/2006/diagram"/>
+      <dsp:dataModelExt xmlns:dsp="http://schemas.microsoft.com/office/drawing/2008/diagram" relId="rId5" minVer="http://schemas.openxmlformats.org/drawingml/2006/diagram"/>
     </a:ext>
   </dgm:extLst>
 </dgm:dataModel>
@@ -3129,7 +3021,650 @@
 </file>
 
 <file path=ppt/slideLayouts/slideLayout1.xml><?xml version="1.0" encoding="utf-8"?>
-<p:sldLayout xmlns:a="http://schemas.openxmlformats.org/drawingml/2006/main" xmlns:r="http://schemas.openxmlformats.org/officeDocument/2006/relationships" xmlns:p="http://schemas.openxmlformats.org/presentationml/2006/main" type="title" preserve="1">
+<p:sldLayout xmlns:a="http://schemas.openxmlformats.org/drawingml/2006/main" xmlns:p="http://schemas.openxmlformats.org/presentationml/2006/main" xmlns:r="http://schemas.openxmlformats.org/officeDocument/2006/relationships" xmlns:p14="http://schemas.microsoft.com/office/powerpoint/2010/main" xmlns:p15="http://schemas.microsoft.com/office/powerpoint/2012/main" xmlns:mc="http://schemas.openxmlformats.org/markup-compatibility/2006" type="blank" preserve="1">
+  <p:cSld name="Blank Slide">
+    <p:spTree>
+      <p:nvGrpSpPr>
+        <p:cNvPr id="1" name=""/>
+        <p:cNvGrpSpPr/>
+        <p:nvPr/>
+      </p:nvGrpSpPr>
+      <p:grpSpPr>
+        <a:xfrm>
+          <a:off x="0" y="0"/>
+          <a:ext cx="0" cy="0"/>
+          <a:chOff x="0" y="0"/>
+          <a:chExt cx="0" cy="0"/>
+        </a:xfrm>
+      </p:grpSpPr>
+    </p:spTree>
+  </p:cSld>
+</p:sldLayout>
+</file>
+
+<file path=ppt/slideLayouts/slideLayout10.xml><?xml version="1.0" encoding="utf-8"?>
+<p:sldLayout xmlns:a="http://schemas.openxmlformats.org/drawingml/2006/main" xmlns:p="http://schemas.openxmlformats.org/presentationml/2006/main" xmlns:r="http://schemas.openxmlformats.org/officeDocument/2006/relationships" xmlns:p14="http://schemas.microsoft.com/office/powerpoint/2010/main" xmlns:p15="http://schemas.microsoft.com/office/powerpoint/2012/main" xmlns:mc="http://schemas.openxmlformats.org/markup-compatibility/2006" type="objOverTx" preserve="1">
+  <p:cSld name="Title, Content over Content">
+    <p:spTree>
+      <p:nvGrpSpPr>
+        <p:cNvPr id="1" name=""/>
+        <p:cNvGrpSpPr/>
+        <p:nvPr/>
+      </p:nvGrpSpPr>
+      <p:grpSpPr>
+        <a:xfrm>
+          <a:off x="0" y="0"/>
+          <a:ext cx="0" cy="0"/>
+          <a:chOff x="0" y="0"/>
+          <a:chExt cx="0" cy="0"/>
+        </a:xfrm>
+      </p:grpSpPr>
+      <p:sp>
+        <p:nvSpPr>
+          <p:cNvPr id="26" name="PlaceHolder 1"/>
+          <p:cNvSpPr>
+            <a:spLocks noGrp="1"/>
+          </p:cNvSpPr>
+          <p:nvPr>
+            <p:ph type="title"/>
+          </p:nvPr>
+        </p:nvSpPr>
+        <p:spPr>
+          <a:xfrm>
+            <a:off x="838080" y="365040"/>
+            <a:ext cx="10515240" cy="1325160"/>
+          </a:xfrm>
+          <a:prstGeom prst="rect">
+            <a:avLst/>
+          </a:prstGeom>
+          <a:noFill/>
+          <a:ln w="0">
+            <a:noFill/>
+          </a:ln>
+        </p:spPr>
+        <p:txBody>
+          <a:bodyPr lIns="0" rIns="0" tIns="0" bIns="0" anchor="ctr">
+            <a:noAutofit/>
+          </a:bodyPr>
+          <a:p>
+            <a:endParaRPr b="0" lang="en-US" sz="1800" spc="-1" strike="noStrike">
+              <a:solidFill>
+                <a:srgbClr val="000000"/>
+              </a:solidFill>
+              <a:latin typeface="Calibri"/>
+            </a:endParaRPr>
+          </a:p>
+        </p:txBody>
+      </p:sp>
+      <p:sp>
+        <p:nvSpPr>
+          <p:cNvPr id="27" name="PlaceHolder 2"/>
+          <p:cNvSpPr>
+            <a:spLocks noGrp="1"/>
+          </p:cNvSpPr>
+          <p:nvPr>
+            <p:ph/>
+          </p:nvPr>
+        </p:nvSpPr>
+        <p:spPr>
+          <a:xfrm>
+            <a:off x="838080" y="1825560"/>
+            <a:ext cx="10515240" cy="2075040"/>
+          </a:xfrm>
+          <a:prstGeom prst="rect">
+            <a:avLst/>
+          </a:prstGeom>
+          <a:noFill/>
+          <a:ln w="0">
+            <a:noFill/>
+          </a:ln>
+        </p:spPr>
+        <p:txBody>
+          <a:bodyPr lIns="0" rIns="0" tIns="0" bIns="0" anchor="t">
+            <a:normAutofit/>
+          </a:bodyPr>
+          <a:p>
+            <a:endParaRPr b="0" lang="en-US" sz="2800" spc="-1" strike="noStrike">
+              <a:solidFill>
+                <a:srgbClr val="000000"/>
+              </a:solidFill>
+              <a:latin typeface="Calibri"/>
+            </a:endParaRPr>
+          </a:p>
+        </p:txBody>
+      </p:sp>
+      <p:sp>
+        <p:nvSpPr>
+          <p:cNvPr id="28" name="PlaceHolder 3"/>
+          <p:cNvSpPr>
+            <a:spLocks noGrp="1"/>
+          </p:cNvSpPr>
+          <p:nvPr>
+            <p:ph/>
+          </p:nvPr>
+        </p:nvSpPr>
+        <p:spPr>
+          <a:xfrm>
+            <a:off x="838080" y="4098240"/>
+            <a:ext cx="10515240" cy="2075040"/>
+          </a:xfrm>
+          <a:prstGeom prst="rect">
+            <a:avLst/>
+          </a:prstGeom>
+          <a:noFill/>
+          <a:ln w="0">
+            <a:noFill/>
+          </a:ln>
+        </p:spPr>
+        <p:txBody>
+          <a:bodyPr lIns="0" rIns="0" tIns="0" bIns="0" anchor="t">
+            <a:normAutofit/>
+          </a:bodyPr>
+          <a:p>
+            <a:endParaRPr b="0" lang="en-US" sz="2800" spc="-1" strike="noStrike">
+              <a:solidFill>
+                <a:srgbClr val="000000"/>
+              </a:solidFill>
+              <a:latin typeface="Calibri"/>
+            </a:endParaRPr>
+          </a:p>
+        </p:txBody>
+      </p:sp>
+    </p:spTree>
+  </p:cSld>
+</p:sldLayout>
+</file>
+
+<file path=ppt/slideLayouts/slideLayout11.xml><?xml version="1.0" encoding="utf-8"?>
+<p:sldLayout xmlns:a="http://schemas.openxmlformats.org/drawingml/2006/main" xmlns:p="http://schemas.openxmlformats.org/presentationml/2006/main" xmlns:r="http://schemas.openxmlformats.org/officeDocument/2006/relationships" xmlns:p14="http://schemas.microsoft.com/office/powerpoint/2010/main" xmlns:p15="http://schemas.microsoft.com/office/powerpoint/2012/main" xmlns:mc="http://schemas.openxmlformats.org/markup-compatibility/2006" type="fourObj" preserve="1">
+  <p:cSld name="Title, 4 Content">
+    <p:spTree>
+      <p:nvGrpSpPr>
+        <p:cNvPr id="1" name=""/>
+        <p:cNvGrpSpPr/>
+        <p:nvPr/>
+      </p:nvGrpSpPr>
+      <p:grpSpPr>
+        <a:xfrm>
+          <a:off x="0" y="0"/>
+          <a:ext cx="0" cy="0"/>
+          <a:chOff x="0" y="0"/>
+          <a:chExt cx="0" cy="0"/>
+        </a:xfrm>
+      </p:grpSpPr>
+      <p:sp>
+        <p:nvSpPr>
+          <p:cNvPr id="29" name="PlaceHolder 1"/>
+          <p:cNvSpPr>
+            <a:spLocks noGrp="1"/>
+          </p:cNvSpPr>
+          <p:nvPr>
+            <p:ph type="title"/>
+          </p:nvPr>
+        </p:nvSpPr>
+        <p:spPr>
+          <a:xfrm>
+            <a:off x="838080" y="365040"/>
+            <a:ext cx="10515240" cy="1325160"/>
+          </a:xfrm>
+          <a:prstGeom prst="rect">
+            <a:avLst/>
+          </a:prstGeom>
+          <a:noFill/>
+          <a:ln w="0">
+            <a:noFill/>
+          </a:ln>
+        </p:spPr>
+        <p:txBody>
+          <a:bodyPr lIns="0" rIns="0" tIns="0" bIns="0" anchor="ctr">
+            <a:noAutofit/>
+          </a:bodyPr>
+          <a:p>
+            <a:endParaRPr b="0" lang="en-US" sz="1800" spc="-1" strike="noStrike">
+              <a:solidFill>
+                <a:srgbClr val="000000"/>
+              </a:solidFill>
+              <a:latin typeface="Calibri"/>
+            </a:endParaRPr>
+          </a:p>
+        </p:txBody>
+      </p:sp>
+      <p:sp>
+        <p:nvSpPr>
+          <p:cNvPr id="30" name="PlaceHolder 2"/>
+          <p:cNvSpPr>
+            <a:spLocks noGrp="1"/>
+          </p:cNvSpPr>
+          <p:nvPr>
+            <p:ph/>
+          </p:nvPr>
+        </p:nvSpPr>
+        <p:spPr>
+          <a:xfrm>
+            <a:off x="838080" y="1825560"/>
+            <a:ext cx="5131080" cy="2075040"/>
+          </a:xfrm>
+          <a:prstGeom prst="rect">
+            <a:avLst/>
+          </a:prstGeom>
+          <a:noFill/>
+          <a:ln w="0">
+            <a:noFill/>
+          </a:ln>
+        </p:spPr>
+        <p:txBody>
+          <a:bodyPr lIns="0" rIns="0" tIns="0" bIns="0" anchor="t">
+            <a:normAutofit/>
+          </a:bodyPr>
+          <a:p>
+            <a:endParaRPr b="0" lang="en-US" sz="2800" spc="-1" strike="noStrike">
+              <a:solidFill>
+                <a:srgbClr val="000000"/>
+              </a:solidFill>
+              <a:latin typeface="Calibri"/>
+            </a:endParaRPr>
+          </a:p>
+        </p:txBody>
+      </p:sp>
+      <p:sp>
+        <p:nvSpPr>
+          <p:cNvPr id="31" name="PlaceHolder 3"/>
+          <p:cNvSpPr>
+            <a:spLocks noGrp="1"/>
+          </p:cNvSpPr>
+          <p:nvPr>
+            <p:ph/>
+          </p:nvPr>
+        </p:nvSpPr>
+        <p:spPr>
+          <a:xfrm>
+            <a:off x="6226200" y="1825560"/>
+            <a:ext cx="5131080" cy="2075040"/>
+          </a:xfrm>
+          <a:prstGeom prst="rect">
+            <a:avLst/>
+          </a:prstGeom>
+          <a:noFill/>
+          <a:ln w="0">
+            <a:noFill/>
+          </a:ln>
+        </p:spPr>
+        <p:txBody>
+          <a:bodyPr lIns="0" rIns="0" tIns="0" bIns="0" anchor="t">
+            <a:normAutofit/>
+          </a:bodyPr>
+          <a:p>
+            <a:endParaRPr b="0" lang="en-US" sz="2800" spc="-1" strike="noStrike">
+              <a:solidFill>
+                <a:srgbClr val="000000"/>
+              </a:solidFill>
+              <a:latin typeface="Calibri"/>
+            </a:endParaRPr>
+          </a:p>
+        </p:txBody>
+      </p:sp>
+      <p:sp>
+        <p:nvSpPr>
+          <p:cNvPr id="32" name="PlaceHolder 4"/>
+          <p:cNvSpPr>
+            <a:spLocks noGrp="1"/>
+          </p:cNvSpPr>
+          <p:nvPr>
+            <p:ph/>
+          </p:nvPr>
+        </p:nvSpPr>
+        <p:spPr>
+          <a:xfrm>
+            <a:off x="838080" y="4098240"/>
+            <a:ext cx="5131080" cy="2075040"/>
+          </a:xfrm>
+          <a:prstGeom prst="rect">
+            <a:avLst/>
+          </a:prstGeom>
+          <a:noFill/>
+          <a:ln w="0">
+            <a:noFill/>
+          </a:ln>
+        </p:spPr>
+        <p:txBody>
+          <a:bodyPr lIns="0" rIns="0" tIns="0" bIns="0" anchor="t">
+            <a:normAutofit/>
+          </a:bodyPr>
+          <a:p>
+            <a:endParaRPr b="0" lang="en-US" sz="2800" spc="-1" strike="noStrike">
+              <a:solidFill>
+                <a:srgbClr val="000000"/>
+              </a:solidFill>
+              <a:latin typeface="Calibri"/>
+            </a:endParaRPr>
+          </a:p>
+        </p:txBody>
+      </p:sp>
+      <p:sp>
+        <p:nvSpPr>
+          <p:cNvPr id="33" name="PlaceHolder 5"/>
+          <p:cNvSpPr>
+            <a:spLocks noGrp="1"/>
+          </p:cNvSpPr>
+          <p:nvPr>
+            <p:ph/>
+          </p:nvPr>
+        </p:nvSpPr>
+        <p:spPr>
+          <a:xfrm>
+            <a:off x="6226200" y="4098240"/>
+            <a:ext cx="5131080" cy="2075040"/>
+          </a:xfrm>
+          <a:prstGeom prst="rect">
+            <a:avLst/>
+          </a:prstGeom>
+          <a:noFill/>
+          <a:ln w="0">
+            <a:noFill/>
+          </a:ln>
+        </p:spPr>
+        <p:txBody>
+          <a:bodyPr lIns="0" rIns="0" tIns="0" bIns="0" anchor="t">
+            <a:normAutofit/>
+          </a:bodyPr>
+          <a:p>
+            <a:endParaRPr b="0" lang="en-US" sz="2800" spc="-1" strike="noStrike">
+              <a:solidFill>
+                <a:srgbClr val="000000"/>
+              </a:solidFill>
+              <a:latin typeface="Calibri"/>
+            </a:endParaRPr>
+          </a:p>
+        </p:txBody>
+      </p:sp>
+    </p:spTree>
+  </p:cSld>
+</p:sldLayout>
+</file>
+
+<file path=ppt/slideLayouts/slideLayout12.xml><?xml version="1.0" encoding="utf-8"?>
+<p:sldLayout xmlns:a="http://schemas.openxmlformats.org/drawingml/2006/main" xmlns:p="http://schemas.openxmlformats.org/presentationml/2006/main" xmlns:r="http://schemas.openxmlformats.org/officeDocument/2006/relationships" xmlns:p14="http://schemas.microsoft.com/office/powerpoint/2010/main" xmlns:p15="http://schemas.microsoft.com/office/powerpoint/2012/main" xmlns:mc="http://schemas.openxmlformats.org/markup-compatibility/2006" type="blank" preserve="1">
+  <p:cSld name="Title, 6 Content">
+    <p:spTree>
+      <p:nvGrpSpPr>
+        <p:cNvPr id="1" name=""/>
+        <p:cNvGrpSpPr/>
+        <p:nvPr/>
+      </p:nvGrpSpPr>
+      <p:grpSpPr>
+        <a:xfrm>
+          <a:off x="0" y="0"/>
+          <a:ext cx="0" cy="0"/>
+          <a:chOff x="0" y="0"/>
+          <a:chExt cx="0" cy="0"/>
+        </a:xfrm>
+      </p:grpSpPr>
+      <p:sp>
+        <p:nvSpPr>
+          <p:cNvPr id="34" name="PlaceHolder 1"/>
+          <p:cNvSpPr>
+            <a:spLocks noGrp="1"/>
+          </p:cNvSpPr>
+          <p:nvPr>
+            <p:ph type="title"/>
+          </p:nvPr>
+        </p:nvSpPr>
+        <p:spPr>
+          <a:xfrm>
+            <a:off x="838080" y="365040"/>
+            <a:ext cx="10515240" cy="1325160"/>
+          </a:xfrm>
+          <a:prstGeom prst="rect">
+            <a:avLst/>
+          </a:prstGeom>
+          <a:noFill/>
+          <a:ln w="0">
+            <a:noFill/>
+          </a:ln>
+        </p:spPr>
+        <p:txBody>
+          <a:bodyPr lIns="0" rIns="0" tIns="0" bIns="0" anchor="ctr">
+            <a:noAutofit/>
+          </a:bodyPr>
+          <a:p>
+            <a:endParaRPr b="0" lang="en-US" sz="1800" spc="-1" strike="noStrike">
+              <a:solidFill>
+                <a:srgbClr val="000000"/>
+              </a:solidFill>
+              <a:latin typeface="Calibri"/>
+            </a:endParaRPr>
+          </a:p>
+        </p:txBody>
+      </p:sp>
+      <p:sp>
+        <p:nvSpPr>
+          <p:cNvPr id="35" name="PlaceHolder 2"/>
+          <p:cNvSpPr>
+            <a:spLocks noGrp="1"/>
+          </p:cNvSpPr>
+          <p:nvPr>
+            <p:ph/>
+          </p:nvPr>
+        </p:nvSpPr>
+        <p:spPr>
+          <a:xfrm>
+            <a:off x="838080" y="1825560"/>
+            <a:ext cx="3385800" cy="2075040"/>
+          </a:xfrm>
+          <a:prstGeom prst="rect">
+            <a:avLst/>
+          </a:prstGeom>
+          <a:noFill/>
+          <a:ln w="0">
+            <a:noFill/>
+          </a:ln>
+        </p:spPr>
+        <p:txBody>
+          <a:bodyPr lIns="0" rIns="0" tIns="0" bIns="0" anchor="t">
+            <a:normAutofit/>
+          </a:bodyPr>
+          <a:p>
+            <a:endParaRPr b="0" lang="en-US" sz="2800" spc="-1" strike="noStrike">
+              <a:solidFill>
+                <a:srgbClr val="000000"/>
+              </a:solidFill>
+              <a:latin typeface="Calibri"/>
+            </a:endParaRPr>
+          </a:p>
+        </p:txBody>
+      </p:sp>
+      <p:sp>
+        <p:nvSpPr>
+          <p:cNvPr id="36" name="PlaceHolder 3"/>
+          <p:cNvSpPr>
+            <a:spLocks noGrp="1"/>
+          </p:cNvSpPr>
+          <p:nvPr>
+            <p:ph/>
+          </p:nvPr>
+        </p:nvSpPr>
+        <p:spPr>
+          <a:xfrm>
+            <a:off x="4393440" y="1825560"/>
+            <a:ext cx="3385800" cy="2075040"/>
+          </a:xfrm>
+          <a:prstGeom prst="rect">
+            <a:avLst/>
+          </a:prstGeom>
+          <a:noFill/>
+          <a:ln w="0">
+            <a:noFill/>
+          </a:ln>
+        </p:spPr>
+        <p:txBody>
+          <a:bodyPr lIns="0" rIns="0" tIns="0" bIns="0" anchor="t">
+            <a:normAutofit/>
+          </a:bodyPr>
+          <a:p>
+            <a:endParaRPr b="0" lang="en-US" sz="2800" spc="-1" strike="noStrike">
+              <a:solidFill>
+                <a:srgbClr val="000000"/>
+              </a:solidFill>
+              <a:latin typeface="Calibri"/>
+            </a:endParaRPr>
+          </a:p>
+        </p:txBody>
+      </p:sp>
+      <p:sp>
+        <p:nvSpPr>
+          <p:cNvPr id="37" name="PlaceHolder 4"/>
+          <p:cNvSpPr>
+            <a:spLocks noGrp="1"/>
+          </p:cNvSpPr>
+          <p:nvPr>
+            <p:ph/>
+          </p:nvPr>
+        </p:nvSpPr>
+        <p:spPr>
+          <a:xfrm>
+            <a:off x="7949160" y="1825560"/>
+            <a:ext cx="3385800" cy="2075040"/>
+          </a:xfrm>
+          <a:prstGeom prst="rect">
+            <a:avLst/>
+          </a:prstGeom>
+          <a:noFill/>
+          <a:ln w="0">
+            <a:noFill/>
+          </a:ln>
+        </p:spPr>
+        <p:txBody>
+          <a:bodyPr lIns="0" rIns="0" tIns="0" bIns="0" anchor="t">
+            <a:normAutofit/>
+          </a:bodyPr>
+          <a:p>
+            <a:endParaRPr b="0" lang="en-US" sz="2800" spc="-1" strike="noStrike">
+              <a:solidFill>
+                <a:srgbClr val="000000"/>
+              </a:solidFill>
+              <a:latin typeface="Calibri"/>
+            </a:endParaRPr>
+          </a:p>
+        </p:txBody>
+      </p:sp>
+      <p:sp>
+        <p:nvSpPr>
+          <p:cNvPr id="38" name="PlaceHolder 5"/>
+          <p:cNvSpPr>
+            <a:spLocks noGrp="1"/>
+          </p:cNvSpPr>
+          <p:nvPr>
+            <p:ph/>
+          </p:nvPr>
+        </p:nvSpPr>
+        <p:spPr>
+          <a:xfrm>
+            <a:off x="838080" y="4098240"/>
+            <a:ext cx="3385800" cy="2075040"/>
+          </a:xfrm>
+          <a:prstGeom prst="rect">
+            <a:avLst/>
+          </a:prstGeom>
+          <a:noFill/>
+          <a:ln w="0">
+            <a:noFill/>
+          </a:ln>
+        </p:spPr>
+        <p:txBody>
+          <a:bodyPr lIns="0" rIns="0" tIns="0" bIns="0" anchor="t">
+            <a:normAutofit/>
+          </a:bodyPr>
+          <a:p>
+            <a:endParaRPr b="0" lang="en-US" sz="2800" spc="-1" strike="noStrike">
+              <a:solidFill>
+                <a:srgbClr val="000000"/>
+              </a:solidFill>
+              <a:latin typeface="Calibri"/>
+            </a:endParaRPr>
+          </a:p>
+        </p:txBody>
+      </p:sp>
+      <p:sp>
+        <p:nvSpPr>
+          <p:cNvPr id="39" name="PlaceHolder 6"/>
+          <p:cNvSpPr>
+            <a:spLocks noGrp="1"/>
+          </p:cNvSpPr>
+          <p:nvPr>
+            <p:ph/>
+          </p:nvPr>
+        </p:nvSpPr>
+        <p:spPr>
+          <a:xfrm>
+            <a:off x="4393440" y="4098240"/>
+            <a:ext cx="3385800" cy="2075040"/>
+          </a:xfrm>
+          <a:prstGeom prst="rect">
+            <a:avLst/>
+          </a:prstGeom>
+          <a:noFill/>
+          <a:ln w="0">
+            <a:noFill/>
+          </a:ln>
+        </p:spPr>
+        <p:txBody>
+          <a:bodyPr lIns="0" rIns="0" tIns="0" bIns="0" anchor="t">
+            <a:normAutofit/>
+          </a:bodyPr>
+          <a:p>
+            <a:endParaRPr b="0" lang="en-US" sz="2800" spc="-1" strike="noStrike">
+              <a:solidFill>
+                <a:srgbClr val="000000"/>
+              </a:solidFill>
+              <a:latin typeface="Calibri"/>
+            </a:endParaRPr>
+          </a:p>
+        </p:txBody>
+      </p:sp>
+      <p:sp>
+        <p:nvSpPr>
+          <p:cNvPr id="40" name="PlaceHolder 7"/>
+          <p:cNvSpPr>
+            <a:spLocks noGrp="1"/>
+          </p:cNvSpPr>
+          <p:nvPr>
+            <p:ph/>
+          </p:nvPr>
+        </p:nvSpPr>
+        <p:spPr>
+          <a:xfrm>
+            <a:off x="7949160" y="4098240"/>
+            <a:ext cx="3385800" cy="2075040"/>
+          </a:xfrm>
+          <a:prstGeom prst="rect">
+            <a:avLst/>
+          </a:prstGeom>
+          <a:noFill/>
+          <a:ln w="0">
+            <a:noFill/>
+          </a:ln>
+        </p:spPr>
+        <p:txBody>
+          <a:bodyPr lIns="0" rIns="0" tIns="0" bIns="0" anchor="t">
+            <a:normAutofit/>
+          </a:bodyPr>
+          <a:p>
+            <a:endParaRPr b="0" lang="en-US" sz="2800" spc="-1" strike="noStrike">
+              <a:solidFill>
+                <a:srgbClr val="000000"/>
+              </a:solidFill>
+              <a:latin typeface="Calibri"/>
+            </a:endParaRPr>
+          </a:p>
+        </p:txBody>
+      </p:sp>
+    </p:spTree>
+  </p:cSld>
+</p:sldLayout>
+</file>
+
+<file path=ppt/slideLayouts/slideLayout2.xml><?xml version="1.0" encoding="utf-8"?>
+<p:sldLayout xmlns:a="http://schemas.openxmlformats.org/drawingml/2006/main" xmlns:p="http://schemas.openxmlformats.org/presentationml/2006/main" xmlns:r="http://schemas.openxmlformats.org/officeDocument/2006/relationships" xmlns:p14="http://schemas.microsoft.com/office/powerpoint/2010/main" xmlns:p15="http://schemas.microsoft.com/office/powerpoint/2012/main" xmlns:mc="http://schemas.openxmlformats.org/markup-compatibility/2006" type="tx" preserve="1">
   <p:cSld name="Title Slide">
     <p:spTree>
       <p:nvGrpSpPr>
@@ -3147,180 +3682,84 @@
       </p:grpSpPr>
       <p:sp>
         <p:nvSpPr>
-          <p:cNvPr id="2" name="Title 1"/>
+          <p:cNvPr id="5" name="PlaceHolder 1"/>
           <p:cNvSpPr>
             <a:spLocks noGrp="1"/>
           </p:cNvSpPr>
           <p:nvPr>
-            <p:ph type="ctrTitle"/>
+            <p:ph type="title"/>
           </p:nvPr>
         </p:nvSpPr>
         <p:spPr>
           <a:xfrm>
-            <a:off x="1524000" y="1122363"/>
-            <a:ext cx="9144000" cy="2387600"/>
+            <a:off x="838080" y="365040"/>
+            <a:ext cx="10515240" cy="1325160"/>
           </a:xfrm>
+          <a:prstGeom prst="rect">
+            <a:avLst/>
+          </a:prstGeom>
+          <a:noFill/>
+          <a:ln w="0">
+            <a:noFill/>
+          </a:ln>
         </p:spPr>
         <p:txBody>
-          <a:bodyPr anchor="b"/>
-          <a:lstStyle>
-            <a:lvl1pPr algn="ctr">
-              <a:defRPr sz="6000"/>
-            </a:lvl1pPr>
-          </a:lstStyle>
+          <a:bodyPr lIns="0" rIns="0" tIns="0" bIns="0" anchor="ctr">
+            <a:noAutofit/>
+          </a:bodyPr>
           <a:p>
-            <a:r>
-              <a:rPr lang="en-US" dirty="0"/>
-              <a:t>Click to edit Master title style</a:t>
-            </a:r>
+            <a:endParaRPr b="0" lang="en-US" sz="1800" spc="-1" strike="noStrike">
+              <a:solidFill>
+                <a:srgbClr val="000000"/>
+              </a:solidFill>
+              <a:latin typeface="Calibri"/>
+            </a:endParaRPr>
           </a:p>
         </p:txBody>
       </p:sp>
       <p:sp>
         <p:nvSpPr>
-          <p:cNvPr id="3" name="Subtitle 2"/>
+          <p:cNvPr id="6" name="PlaceHolder 2"/>
           <p:cNvSpPr>
             <a:spLocks noGrp="1"/>
           </p:cNvSpPr>
           <p:nvPr>
-            <p:ph type="subTitle" idx="1"/>
+            <p:ph type="subTitle"/>
           </p:nvPr>
         </p:nvSpPr>
         <p:spPr>
           <a:xfrm>
-            <a:off x="1524000" y="3602038"/>
-            <a:ext cx="9144000" cy="1655762"/>
+            <a:off x="838080" y="1825560"/>
+            <a:ext cx="10515240" cy="4350960"/>
           </a:xfrm>
+          <a:prstGeom prst="rect">
+            <a:avLst/>
+          </a:prstGeom>
+          <a:noFill/>
+          <a:ln w="0">
+            <a:noFill/>
+          </a:ln>
         </p:spPr>
         <p:txBody>
-          <a:bodyPr/>
-          <a:lstStyle>
-            <a:lvl1pPr marL="0" indent="0" algn="ctr">
-              <a:buNone/>
-              <a:defRPr sz="2400"/>
-            </a:lvl1pPr>
-            <a:lvl2pPr marL="457200" indent="0" algn="ctr">
-              <a:buNone/>
-              <a:defRPr sz="2000"/>
-            </a:lvl2pPr>
-            <a:lvl3pPr marL="914400" indent="0" algn="ctr">
-              <a:buNone/>
-              <a:defRPr sz="1800"/>
-            </a:lvl3pPr>
-            <a:lvl4pPr marL="1371600" indent="0" algn="ctr">
-              <a:buNone/>
-              <a:defRPr sz="1600"/>
-            </a:lvl4pPr>
-            <a:lvl5pPr marL="1828800" indent="0" algn="ctr">
-              <a:buNone/>
-              <a:defRPr sz="1600"/>
-            </a:lvl5pPr>
-            <a:lvl6pPr marL="2286000" indent="0" algn="ctr">
-              <a:buNone/>
-              <a:defRPr sz="1600"/>
-            </a:lvl6pPr>
-            <a:lvl7pPr marL="2743200" indent="0" algn="ctr">
-              <a:buNone/>
-              <a:defRPr sz="1600"/>
-            </a:lvl7pPr>
-            <a:lvl8pPr marL="3200400" indent="0" algn="ctr">
-              <a:buNone/>
-              <a:defRPr sz="1600"/>
-            </a:lvl8pPr>
-            <a:lvl9pPr marL="3657600" indent="0" algn="ctr">
-              <a:buNone/>
-              <a:defRPr sz="1600"/>
-            </a:lvl9pPr>
-          </a:lstStyle>
+          <a:bodyPr lIns="0" rIns="0" tIns="0" bIns="0" anchor="ctr">
+            <a:noAutofit/>
+          </a:bodyPr>
           <a:p>
-            <a:r>
-              <a:rPr lang="en-US" dirty="0"/>
-              <a:t>Click to edit Master subtitle style</a:t>
-            </a:r>
-          </a:p>
-        </p:txBody>
-      </p:sp>
-      <p:sp>
-        <p:nvSpPr>
-          <p:cNvPr id="4" name="Date Placeholder 3"/>
-          <p:cNvSpPr>
-            <a:spLocks noGrp="1"/>
-          </p:cNvSpPr>
-          <p:nvPr>
-            <p:ph type="dt" sz="half" idx="10"/>
-          </p:nvPr>
-        </p:nvSpPr>
-        <p:spPr/>
-        <p:txBody>
-          <a:bodyPr/>
-          <a:lstStyle/>
-          <a:p>
-            <a:fld id="{C764DE79-268F-4C1A-8933-263129D2AF90}" type="datetimeFigureOut">
-              <a:rPr lang="en-US" dirty="0"/>
-              <a:t>1/6/2022</a:t>
-            </a:fld>
-            <a:endParaRPr lang="en-US" dirty="0"/>
-          </a:p>
-        </p:txBody>
-      </p:sp>
-      <p:sp>
-        <p:nvSpPr>
-          <p:cNvPr id="5" name="Footer Placeholder 4"/>
-          <p:cNvSpPr>
-            <a:spLocks noGrp="1"/>
-          </p:cNvSpPr>
-          <p:nvPr>
-            <p:ph type="ftr" sz="quarter" idx="11"/>
-          </p:nvPr>
-        </p:nvSpPr>
-        <p:spPr/>
-        <p:txBody>
-          <a:bodyPr/>
-          <a:lstStyle/>
-          <a:p>
-            <a:endParaRPr lang="en-US" dirty="0"/>
-          </a:p>
-        </p:txBody>
-      </p:sp>
-      <p:sp>
-        <p:nvSpPr>
-          <p:cNvPr id="6" name="Slide Number Placeholder 5"/>
-          <p:cNvSpPr>
-            <a:spLocks noGrp="1"/>
-          </p:cNvSpPr>
-          <p:nvPr>
-            <p:ph type="sldNum" sz="quarter" idx="12"/>
-          </p:nvPr>
-        </p:nvSpPr>
-        <p:spPr/>
-        <p:txBody>
-          <a:bodyPr/>
-          <a:lstStyle/>
-          <a:p>
-            <a:fld id="{48F63A3B-78C7-47BE-AE5E-E10140E04643}" type="slidenum">
-              <a:rPr lang="en-US" dirty="0"/>
-              <a:t>‹#›</a:t>
-            </a:fld>
-            <a:endParaRPr lang="en-US" dirty="0"/>
+            <a:pPr algn="ctr"/>
+            <a:endParaRPr b="0" lang="fr-FR" sz="3200" spc="-1" strike="noStrike">
+              <a:latin typeface="Arial"/>
+            </a:endParaRPr>
           </a:p>
         </p:txBody>
       </p:sp>
     </p:spTree>
-    <p:extLst>
-      <p:ext uri="{BB962C8B-B14F-4D97-AF65-F5344CB8AC3E}">
-        <p14:creationId xmlns:p14="http://schemas.microsoft.com/office/powerpoint/2010/main" val="2972831046"/>
-      </p:ext>
-    </p:extLst>
   </p:cSld>
-  <p:clrMapOvr>
-    <a:masterClrMapping/>
-  </p:clrMapOvr>
 </p:sldLayout>
 </file>
 
-<file path=ppt/slideLayouts/slideLayout10.xml><?xml version="1.0" encoding="utf-8"?>
-<p:sldLayout xmlns:a="http://schemas.openxmlformats.org/drawingml/2006/main" xmlns:r="http://schemas.openxmlformats.org/officeDocument/2006/relationships" xmlns:p="http://schemas.openxmlformats.org/presentationml/2006/main" type="vertTx" preserve="1">
-  <p:cSld name="Title and Vertical Text">
+<file path=ppt/slideLayouts/slideLayout3.xml><?xml version="1.0" encoding="utf-8"?>
+<p:sldLayout xmlns:a="http://schemas.openxmlformats.org/drawingml/2006/main" xmlns:p="http://schemas.openxmlformats.org/presentationml/2006/main" xmlns:r="http://schemas.openxmlformats.org/officeDocument/2006/relationships" xmlns:p14="http://schemas.microsoft.com/office/powerpoint/2010/main" xmlns:p15="http://schemas.microsoft.com/office/powerpoint/2012/main" xmlns:mc="http://schemas.openxmlformats.org/markup-compatibility/2006" type="obj" preserve="1">
+  <p:cSld name="Title, Content">
     <p:spTree>
       <p:nvGrpSpPr>
         <p:cNvPr id="1" name=""/>
@@ -3337,7 +3776,7 @@
       </p:grpSpPr>
       <p:sp>
         <p:nvSpPr>
-          <p:cNvPr id="2" name="Title 1"/>
+          <p:cNvPr id="7" name="PlaceHolder 1"/>
           <p:cNvSpPr>
             <a:spLocks noGrp="1"/>
           </p:cNvSpPr>
@@ -3345,150 +3784,78 @@
             <p:ph type="title"/>
           </p:nvPr>
         </p:nvSpPr>
-        <p:spPr/>
+        <p:spPr>
+          <a:xfrm>
+            <a:off x="838080" y="365040"/>
+            <a:ext cx="10515240" cy="1325160"/>
+          </a:xfrm>
+          <a:prstGeom prst="rect">
+            <a:avLst/>
+          </a:prstGeom>
+          <a:noFill/>
+          <a:ln w="0">
+            <a:noFill/>
+          </a:ln>
+        </p:spPr>
         <p:txBody>
-          <a:bodyPr/>
-          <a:lstStyle/>
+          <a:bodyPr lIns="0" rIns="0" tIns="0" bIns="0" anchor="ctr">
+            <a:noAutofit/>
+          </a:bodyPr>
           <a:p>
-            <a:r>
-              <a:rPr lang="en-US" dirty="0"/>
-              <a:t>Click to edit Master title style</a:t>
-            </a:r>
+            <a:endParaRPr b="0" lang="en-US" sz="1800" spc="-1" strike="noStrike">
+              <a:solidFill>
+                <a:srgbClr val="000000"/>
+              </a:solidFill>
+              <a:latin typeface="Calibri"/>
+            </a:endParaRPr>
           </a:p>
         </p:txBody>
       </p:sp>
       <p:sp>
         <p:nvSpPr>
-          <p:cNvPr id="3" name="Vertical Text Placeholder 2"/>
+          <p:cNvPr id="8" name="PlaceHolder 2"/>
           <p:cNvSpPr>
             <a:spLocks noGrp="1"/>
           </p:cNvSpPr>
           <p:nvPr>
-            <p:ph type="body" orient="vert" idx="1"/>
+            <p:ph/>
           </p:nvPr>
         </p:nvSpPr>
-        <p:spPr/>
+        <p:spPr>
+          <a:xfrm>
+            <a:off x="838080" y="1825560"/>
+            <a:ext cx="10515240" cy="4350960"/>
+          </a:xfrm>
+          <a:prstGeom prst="rect">
+            <a:avLst/>
+          </a:prstGeom>
+          <a:noFill/>
+          <a:ln w="0">
+            <a:noFill/>
+          </a:ln>
+        </p:spPr>
         <p:txBody>
-          <a:bodyPr vert="eaVert"/>
-          <a:lstStyle/>
+          <a:bodyPr lIns="0" rIns="0" tIns="0" bIns="0" anchor="t">
+            <a:normAutofit/>
+          </a:bodyPr>
           <a:p>
-            <a:pPr lvl="0"/>
-            <a:r>
-              <a:rPr lang="en-US" dirty="0"/>
-              <a:t>Click to edit Master text styles</a:t>
-            </a:r>
-          </a:p>
-          <a:p>
-            <a:pPr lvl="1"/>
-            <a:r>
-              <a:rPr lang="en-US" dirty="0"/>
-              <a:t>Second level</a:t>
-            </a:r>
-          </a:p>
-          <a:p>
-            <a:pPr lvl="2"/>
-            <a:r>
-              <a:rPr lang="en-US" dirty="0"/>
-              <a:t>Third level</a:t>
-            </a:r>
-          </a:p>
-          <a:p>
-            <a:pPr lvl="3"/>
-            <a:r>
-              <a:rPr lang="en-US" dirty="0"/>
-              <a:t>Fourth level</a:t>
-            </a:r>
-          </a:p>
-          <a:p>
-            <a:pPr lvl="4"/>
-            <a:r>
-              <a:rPr lang="en-US" dirty="0"/>
-              <a:t>Fifth level</a:t>
-            </a:r>
-          </a:p>
-        </p:txBody>
-      </p:sp>
-      <p:sp>
-        <p:nvSpPr>
-          <p:cNvPr id="4" name="Date Placeholder 3"/>
-          <p:cNvSpPr>
-            <a:spLocks noGrp="1"/>
-          </p:cNvSpPr>
-          <p:nvPr>
-            <p:ph type="dt" sz="half" idx="10"/>
-          </p:nvPr>
-        </p:nvSpPr>
-        <p:spPr/>
-        <p:txBody>
-          <a:bodyPr/>
-          <a:lstStyle/>
-          <a:p>
-            <a:fld id="{C764DE79-268F-4C1A-8933-263129D2AF90}" type="datetimeFigureOut">
-              <a:rPr lang="en-US" dirty="0"/>
-              <a:t>1/6/2022</a:t>
-            </a:fld>
-            <a:endParaRPr lang="en-US" dirty="0"/>
-          </a:p>
-        </p:txBody>
-      </p:sp>
-      <p:sp>
-        <p:nvSpPr>
-          <p:cNvPr id="5" name="Footer Placeholder 4"/>
-          <p:cNvSpPr>
-            <a:spLocks noGrp="1"/>
-          </p:cNvSpPr>
-          <p:nvPr>
-            <p:ph type="ftr" sz="quarter" idx="11"/>
-          </p:nvPr>
-        </p:nvSpPr>
-        <p:spPr/>
-        <p:txBody>
-          <a:bodyPr/>
-          <a:lstStyle/>
-          <a:p>
-            <a:endParaRPr lang="en-US" dirty="0"/>
-          </a:p>
-        </p:txBody>
-      </p:sp>
-      <p:sp>
-        <p:nvSpPr>
-          <p:cNvPr id="6" name="Slide Number Placeholder 5"/>
-          <p:cNvSpPr>
-            <a:spLocks noGrp="1"/>
-          </p:cNvSpPr>
-          <p:nvPr>
-            <p:ph type="sldNum" sz="quarter" idx="12"/>
-          </p:nvPr>
-        </p:nvSpPr>
-        <p:spPr/>
-        <p:txBody>
-          <a:bodyPr/>
-          <a:lstStyle/>
-          <a:p>
-            <a:fld id="{48F63A3B-78C7-47BE-AE5E-E10140E04643}" type="slidenum">
-              <a:rPr lang="en-US" dirty="0"/>
-              <a:t>‹#›</a:t>
-            </a:fld>
-            <a:endParaRPr lang="en-US" dirty="0"/>
+            <a:endParaRPr b="0" lang="en-US" sz="2800" spc="-1" strike="noStrike">
+              <a:solidFill>
+                <a:srgbClr val="000000"/>
+              </a:solidFill>
+              <a:latin typeface="Calibri"/>
+            </a:endParaRPr>
           </a:p>
         </p:txBody>
       </p:sp>
     </p:spTree>
-    <p:extLst>
-      <p:ext uri="{BB962C8B-B14F-4D97-AF65-F5344CB8AC3E}">
-        <p14:creationId xmlns:p14="http://schemas.microsoft.com/office/powerpoint/2010/main" val="446729820"/>
-      </p:ext>
-    </p:extLst>
   </p:cSld>
-  <p:clrMapOvr>
-    <a:masterClrMapping/>
-  </p:clrMapOvr>
 </p:sldLayout>
 </file>
 
-<file path=ppt/slideLayouts/slideLayout11.xml><?xml version="1.0" encoding="utf-8"?>
-<p:sldLayout xmlns:a="http://schemas.openxmlformats.org/drawingml/2006/main" xmlns:r="http://schemas.openxmlformats.org/officeDocument/2006/relationships" xmlns:p="http://schemas.openxmlformats.org/presentationml/2006/main" type="vertTitleAndTx" preserve="1">
-  <p:cSld name="Vertical Title and Text">
+<file path=ppt/slideLayouts/slideLayout4.xml><?xml version="1.0" encoding="utf-8"?>
+<p:sldLayout xmlns:a="http://schemas.openxmlformats.org/drawingml/2006/main" xmlns:p="http://schemas.openxmlformats.org/presentationml/2006/main" xmlns:r="http://schemas.openxmlformats.org/officeDocument/2006/relationships" xmlns:p14="http://schemas.microsoft.com/office/powerpoint/2010/main" xmlns:p15="http://schemas.microsoft.com/office/powerpoint/2012/main" xmlns:mc="http://schemas.openxmlformats.org/markup-compatibility/2006" type="twoObj" preserve="1">
+  <p:cSld name="Title, 2 Content">
     <p:spTree>
       <p:nvGrpSpPr>
         <p:cNvPr id="1" name=""/>
@@ -3505,353 +3872,7 @@
       </p:grpSpPr>
       <p:sp>
         <p:nvSpPr>
-          <p:cNvPr id="2" name="Vertical Title 1"/>
-          <p:cNvSpPr>
-            <a:spLocks noGrp="1"/>
-          </p:cNvSpPr>
-          <p:nvPr>
-            <p:ph type="title" orient="vert"/>
-          </p:nvPr>
-        </p:nvSpPr>
-        <p:spPr>
-          <a:xfrm>
-            <a:off x="8724900" y="365125"/>
-            <a:ext cx="2628900" cy="5811838"/>
-          </a:xfrm>
-        </p:spPr>
-        <p:txBody>
-          <a:bodyPr vert="eaVert"/>
-          <a:lstStyle/>
-          <a:p>
-            <a:r>
-              <a:rPr lang="en-US" dirty="0"/>
-              <a:t>Click to edit Master title style</a:t>
-            </a:r>
-          </a:p>
-        </p:txBody>
-      </p:sp>
-      <p:sp>
-        <p:nvSpPr>
-          <p:cNvPr id="3" name="Vertical Text Placeholder 2"/>
-          <p:cNvSpPr>
-            <a:spLocks noGrp="1"/>
-          </p:cNvSpPr>
-          <p:nvPr>
-            <p:ph type="body" orient="vert" idx="1"/>
-          </p:nvPr>
-        </p:nvSpPr>
-        <p:spPr>
-          <a:xfrm>
-            <a:off x="838200" y="365125"/>
-            <a:ext cx="7734300" cy="5811838"/>
-          </a:xfrm>
-        </p:spPr>
-        <p:txBody>
-          <a:bodyPr vert="eaVert"/>
-          <a:lstStyle/>
-          <a:p>
-            <a:pPr lvl="0"/>
-            <a:r>
-              <a:rPr lang="en-US" dirty="0"/>
-              <a:t>Click to edit Master text styles</a:t>
-            </a:r>
-          </a:p>
-          <a:p>
-            <a:pPr lvl="1"/>
-            <a:r>
-              <a:rPr lang="en-US" dirty="0"/>
-              <a:t>Second level</a:t>
-            </a:r>
-          </a:p>
-          <a:p>
-            <a:pPr lvl="2"/>
-            <a:r>
-              <a:rPr lang="en-US" dirty="0"/>
-              <a:t>Third level</a:t>
-            </a:r>
-          </a:p>
-          <a:p>
-            <a:pPr lvl="3"/>
-            <a:r>
-              <a:rPr lang="en-US" dirty="0"/>
-              <a:t>Fourth level</a:t>
-            </a:r>
-          </a:p>
-          <a:p>
-            <a:pPr lvl="4"/>
-            <a:r>
-              <a:rPr lang="en-US" dirty="0"/>
-              <a:t>Fifth level</a:t>
-            </a:r>
-          </a:p>
-        </p:txBody>
-      </p:sp>
-      <p:sp>
-        <p:nvSpPr>
-          <p:cNvPr id="4" name="Date Placeholder 3"/>
-          <p:cNvSpPr>
-            <a:spLocks noGrp="1"/>
-          </p:cNvSpPr>
-          <p:nvPr>
-            <p:ph type="dt" sz="half" idx="10"/>
-          </p:nvPr>
-        </p:nvSpPr>
-        <p:spPr/>
-        <p:txBody>
-          <a:bodyPr/>
-          <a:lstStyle/>
-          <a:p>
-            <a:fld id="{C764DE79-268F-4C1A-8933-263129D2AF90}" type="datetimeFigureOut">
-              <a:rPr lang="en-US" dirty="0"/>
-              <a:t>1/6/2022</a:t>
-            </a:fld>
-            <a:endParaRPr lang="en-US" dirty="0"/>
-          </a:p>
-        </p:txBody>
-      </p:sp>
-      <p:sp>
-        <p:nvSpPr>
-          <p:cNvPr id="5" name="Footer Placeholder 4"/>
-          <p:cNvSpPr>
-            <a:spLocks noGrp="1"/>
-          </p:cNvSpPr>
-          <p:nvPr>
-            <p:ph type="ftr" sz="quarter" idx="11"/>
-          </p:nvPr>
-        </p:nvSpPr>
-        <p:spPr/>
-        <p:txBody>
-          <a:bodyPr/>
-          <a:lstStyle/>
-          <a:p>
-            <a:endParaRPr lang="en-US" dirty="0"/>
-          </a:p>
-        </p:txBody>
-      </p:sp>
-      <p:sp>
-        <p:nvSpPr>
-          <p:cNvPr id="6" name="Slide Number Placeholder 5"/>
-          <p:cNvSpPr>
-            <a:spLocks noGrp="1"/>
-          </p:cNvSpPr>
-          <p:nvPr>
-            <p:ph type="sldNum" sz="quarter" idx="12"/>
-          </p:nvPr>
-        </p:nvSpPr>
-        <p:spPr/>
-        <p:txBody>
-          <a:bodyPr/>
-          <a:lstStyle/>
-          <a:p>
-            <a:fld id="{48F63A3B-78C7-47BE-AE5E-E10140E04643}" type="slidenum">
-              <a:rPr lang="en-US" dirty="0"/>
-              <a:t>‹#›</a:t>
-            </a:fld>
-            <a:endParaRPr lang="en-US" dirty="0"/>
-          </a:p>
-        </p:txBody>
-      </p:sp>
-    </p:spTree>
-    <p:extLst>
-      <p:ext uri="{BB962C8B-B14F-4D97-AF65-F5344CB8AC3E}">
-        <p14:creationId xmlns:p14="http://schemas.microsoft.com/office/powerpoint/2010/main" val="1314775209"/>
-      </p:ext>
-    </p:extLst>
-  </p:cSld>
-  <p:clrMapOvr>
-    <a:masterClrMapping/>
-  </p:clrMapOvr>
-</p:sldLayout>
-</file>
-
-<file path=ppt/slideLayouts/slideLayout2.xml><?xml version="1.0" encoding="utf-8"?>
-<p:sldLayout xmlns:a="http://schemas.openxmlformats.org/drawingml/2006/main" xmlns:r="http://schemas.openxmlformats.org/officeDocument/2006/relationships" xmlns:p="http://schemas.openxmlformats.org/presentationml/2006/main" type="obj" preserve="1">
-  <p:cSld name="Title and Content">
-    <p:spTree>
-      <p:nvGrpSpPr>
-        <p:cNvPr id="1" name=""/>
-        <p:cNvGrpSpPr/>
-        <p:nvPr/>
-      </p:nvGrpSpPr>
-      <p:grpSpPr>
-        <a:xfrm>
-          <a:off x="0" y="0"/>
-          <a:ext cx="0" cy="0"/>
-          <a:chOff x="0" y="0"/>
-          <a:chExt cx="0" cy="0"/>
-        </a:xfrm>
-      </p:grpSpPr>
-      <p:sp>
-        <p:nvSpPr>
-          <p:cNvPr id="2" name="Title 1"/>
-          <p:cNvSpPr>
-            <a:spLocks noGrp="1"/>
-          </p:cNvSpPr>
-          <p:nvPr>
-            <p:ph type="title"/>
-          </p:nvPr>
-        </p:nvSpPr>
-        <p:spPr/>
-        <p:txBody>
-          <a:bodyPr/>
-          <a:lstStyle/>
-          <a:p>
-            <a:r>
-              <a:rPr lang="en-US" dirty="0"/>
-              <a:t>Click to edit Master title style</a:t>
-            </a:r>
-          </a:p>
-        </p:txBody>
-      </p:sp>
-      <p:sp>
-        <p:nvSpPr>
-          <p:cNvPr id="3" name="Content Placeholder 2"/>
-          <p:cNvSpPr>
-            <a:spLocks noGrp="1"/>
-          </p:cNvSpPr>
-          <p:nvPr>
-            <p:ph idx="1"/>
-          </p:nvPr>
-        </p:nvSpPr>
-        <p:spPr/>
-        <p:txBody>
-          <a:bodyPr/>
-          <a:lstStyle/>
-          <a:p>
-            <a:pPr lvl="0"/>
-            <a:r>
-              <a:rPr lang="en-US" dirty="0"/>
-              <a:t>Click to edit Master text styles</a:t>
-            </a:r>
-          </a:p>
-          <a:p>
-            <a:pPr lvl="1"/>
-            <a:r>
-              <a:rPr lang="en-US" dirty="0"/>
-              <a:t>Second level</a:t>
-            </a:r>
-          </a:p>
-          <a:p>
-            <a:pPr lvl="2"/>
-            <a:r>
-              <a:rPr lang="en-US" dirty="0"/>
-              <a:t>Third level</a:t>
-            </a:r>
-          </a:p>
-          <a:p>
-            <a:pPr lvl="3"/>
-            <a:r>
-              <a:rPr lang="en-US" dirty="0"/>
-              <a:t>Fourth level</a:t>
-            </a:r>
-          </a:p>
-          <a:p>
-            <a:pPr lvl="4"/>
-            <a:r>
-              <a:rPr lang="en-US" dirty="0"/>
-              <a:t>Fifth level</a:t>
-            </a:r>
-          </a:p>
-        </p:txBody>
-      </p:sp>
-      <p:sp>
-        <p:nvSpPr>
-          <p:cNvPr id="4" name="Date Placeholder 3"/>
-          <p:cNvSpPr>
-            <a:spLocks noGrp="1"/>
-          </p:cNvSpPr>
-          <p:nvPr>
-            <p:ph type="dt" sz="half" idx="10"/>
-          </p:nvPr>
-        </p:nvSpPr>
-        <p:spPr/>
-        <p:txBody>
-          <a:bodyPr/>
-          <a:lstStyle/>
-          <a:p>
-            <a:fld id="{C764DE79-268F-4C1A-8933-263129D2AF90}" type="datetimeFigureOut">
-              <a:rPr lang="en-US" dirty="0"/>
-              <a:t>1/6/2022</a:t>
-            </a:fld>
-            <a:endParaRPr lang="en-US" dirty="0"/>
-          </a:p>
-        </p:txBody>
-      </p:sp>
-      <p:sp>
-        <p:nvSpPr>
-          <p:cNvPr id="5" name="Footer Placeholder 4"/>
-          <p:cNvSpPr>
-            <a:spLocks noGrp="1"/>
-          </p:cNvSpPr>
-          <p:nvPr>
-            <p:ph type="ftr" sz="quarter" idx="11"/>
-          </p:nvPr>
-        </p:nvSpPr>
-        <p:spPr/>
-        <p:txBody>
-          <a:bodyPr/>
-          <a:lstStyle/>
-          <a:p>
-            <a:endParaRPr lang="en-US" dirty="0"/>
-          </a:p>
-        </p:txBody>
-      </p:sp>
-      <p:sp>
-        <p:nvSpPr>
-          <p:cNvPr id="6" name="Slide Number Placeholder 5"/>
-          <p:cNvSpPr>
-            <a:spLocks noGrp="1"/>
-          </p:cNvSpPr>
-          <p:nvPr>
-            <p:ph type="sldNum" sz="quarter" idx="12"/>
-          </p:nvPr>
-        </p:nvSpPr>
-        <p:spPr/>
-        <p:txBody>
-          <a:bodyPr/>
-          <a:lstStyle/>
-          <a:p>
-            <a:fld id="{48F63A3B-78C7-47BE-AE5E-E10140E04643}" type="slidenum">
-              <a:rPr lang="en-US" dirty="0"/>
-              <a:t>‹#›</a:t>
-            </a:fld>
-            <a:endParaRPr lang="en-US" dirty="0"/>
-          </a:p>
-        </p:txBody>
-      </p:sp>
-    </p:spTree>
-    <p:extLst>
-      <p:ext uri="{BB962C8B-B14F-4D97-AF65-F5344CB8AC3E}">
-        <p14:creationId xmlns:p14="http://schemas.microsoft.com/office/powerpoint/2010/main" val="2148781918"/>
-      </p:ext>
-    </p:extLst>
-  </p:cSld>
-  <p:clrMapOvr>
-    <a:masterClrMapping/>
-  </p:clrMapOvr>
-</p:sldLayout>
-</file>
-
-<file path=ppt/slideLayouts/slideLayout3.xml><?xml version="1.0" encoding="utf-8"?>
-<p:sldLayout xmlns:a="http://schemas.openxmlformats.org/drawingml/2006/main" xmlns:r="http://schemas.openxmlformats.org/officeDocument/2006/relationships" xmlns:p="http://schemas.openxmlformats.org/presentationml/2006/main" type="secHead" preserve="1">
-  <p:cSld name="Section Header">
-    <p:spTree>
-      <p:nvGrpSpPr>
-        <p:cNvPr id="1" name=""/>
-        <p:cNvGrpSpPr/>
-        <p:nvPr/>
-      </p:nvGrpSpPr>
-      <p:grpSpPr>
-        <a:xfrm>
-          <a:off x="0" y="0"/>
-          <a:ext cx="0" cy="0"/>
-          <a:chOff x="0" y="0"/>
-          <a:chExt cx="0" cy="0"/>
-        </a:xfrm>
-      </p:grpSpPr>
-      <p:sp>
-        <p:nvSpPr>
-          <p:cNvPr id="2" name="Title 1"/>
+          <p:cNvPr id="9" name="PlaceHolder 1"/>
           <p:cNvSpPr>
             <a:spLocks noGrp="1"/>
           </p:cNvSpPr>
@@ -3861,817 +3882,112 @@
         </p:nvSpPr>
         <p:spPr>
           <a:xfrm>
-            <a:off x="831850" y="1709738"/>
-            <a:ext cx="10515600" cy="2852737"/>
+            <a:off x="838080" y="365040"/>
+            <a:ext cx="10515240" cy="1325160"/>
           </a:xfrm>
+          <a:prstGeom prst="rect">
+            <a:avLst/>
+          </a:prstGeom>
+          <a:noFill/>
+          <a:ln w="0">
+            <a:noFill/>
+          </a:ln>
         </p:spPr>
         <p:txBody>
-          <a:bodyPr anchor="b"/>
-          <a:lstStyle>
-            <a:lvl1pPr>
-              <a:defRPr sz="6000"/>
-            </a:lvl1pPr>
-          </a:lstStyle>
+          <a:bodyPr lIns="0" rIns="0" tIns="0" bIns="0" anchor="ctr">
+            <a:noAutofit/>
+          </a:bodyPr>
           <a:p>
-            <a:r>
-              <a:rPr lang="en-US" dirty="0"/>
-              <a:t>Click to edit Master title style</a:t>
-            </a:r>
+            <a:endParaRPr b="0" lang="en-US" sz="1800" spc="-1" strike="noStrike">
+              <a:solidFill>
+                <a:srgbClr val="000000"/>
+              </a:solidFill>
+              <a:latin typeface="Calibri"/>
+            </a:endParaRPr>
           </a:p>
         </p:txBody>
       </p:sp>
       <p:sp>
         <p:nvSpPr>
-          <p:cNvPr id="3" name="Text Placeholder 2"/>
+          <p:cNvPr id="10" name="PlaceHolder 2"/>
           <p:cNvSpPr>
             <a:spLocks noGrp="1"/>
           </p:cNvSpPr>
           <p:nvPr>
-            <p:ph type="body" idx="1"/>
+            <p:ph/>
           </p:nvPr>
         </p:nvSpPr>
         <p:spPr>
           <a:xfrm>
-            <a:off x="831850" y="4589463"/>
-            <a:ext cx="10515600" cy="1500187"/>
+            <a:off x="838080" y="1825560"/>
+            <a:ext cx="5131080" cy="4350960"/>
           </a:xfrm>
+          <a:prstGeom prst="rect">
+            <a:avLst/>
+          </a:prstGeom>
+          <a:noFill/>
+          <a:ln w="0">
+            <a:noFill/>
+          </a:ln>
         </p:spPr>
         <p:txBody>
-          <a:bodyPr/>
-          <a:lstStyle>
-            <a:lvl1pPr marL="0" indent="0">
-              <a:buNone/>
-              <a:defRPr sz="2400">
-                <a:solidFill>
-                  <a:schemeClr val="tx1">
-                    <a:tint val="75000"/>
-                  </a:schemeClr>
-                </a:solidFill>
-              </a:defRPr>
-            </a:lvl1pPr>
-            <a:lvl2pPr marL="457200" indent="0">
-              <a:buNone/>
-              <a:defRPr sz="2000">
-                <a:solidFill>
-                  <a:schemeClr val="tx1">
-                    <a:tint val="75000"/>
-                  </a:schemeClr>
-                </a:solidFill>
-              </a:defRPr>
-            </a:lvl2pPr>
-            <a:lvl3pPr marL="914400" indent="0">
-              <a:buNone/>
-              <a:defRPr sz="1800">
-                <a:solidFill>
-                  <a:schemeClr val="tx1">
-                    <a:tint val="75000"/>
-                  </a:schemeClr>
-                </a:solidFill>
-              </a:defRPr>
-            </a:lvl3pPr>
-            <a:lvl4pPr marL="1371600" indent="0">
-              <a:buNone/>
-              <a:defRPr sz="1600">
-                <a:solidFill>
-                  <a:schemeClr val="tx1">
-                    <a:tint val="75000"/>
-                  </a:schemeClr>
-                </a:solidFill>
-              </a:defRPr>
-            </a:lvl4pPr>
-            <a:lvl5pPr marL="1828800" indent="0">
-              <a:buNone/>
-              <a:defRPr sz="1600">
-                <a:solidFill>
-                  <a:schemeClr val="tx1">
-                    <a:tint val="75000"/>
-                  </a:schemeClr>
-                </a:solidFill>
-              </a:defRPr>
-            </a:lvl5pPr>
-            <a:lvl6pPr marL="2286000" indent="0">
-              <a:buNone/>
-              <a:defRPr sz="1600">
-                <a:solidFill>
-                  <a:schemeClr val="tx1">
-                    <a:tint val="75000"/>
-                  </a:schemeClr>
-                </a:solidFill>
-              </a:defRPr>
-            </a:lvl6pPr>
-            <a:lvl7pPr marL="2743200" indent="0">
-              <a:buNone/>
-              <a:defRPr sz="1600">
-                <a:solidFill>
-                  <a:schemeClr val="tx1">
-                    <a:tint val="75000"/>
-                  </a:schemeClr>
-                </a:solidFill>
-              </a:defRPr>
-            </a:lvl7pPr>
-            <a:lvl8pPr marL="3200400" indent="0">
-              <a:buNone/>
-              <a:defRPr sz="1600">
-                <a:solidFill>
-                  <a:schemeClr val="tx1">
-                    <a:tint val="75000"/>
-                  </a:schemeClr>
-                </a:solidFill>
-              </a:defRPr>
-            </a:lvl8pPr>
-            <a:lvl9pPr marL="3657600" indent="0">
-              <a:buNone/>
-              <a:defRPr sz="1600">
-                <a:solidFill>
-                  <a:schemeClr val="tx1">
-                    <a:tint val="75000"/>
-                  </a:schemeClr>
-                </a:solidFill>
-              </a:defRPr>
-            </a:lvl9pPr>
-          </a:lstStyle>
+          <a:bodyPr lIns="0" rIns="0" tIns="0" bIns="0" anchor="t">
+            <a:normAutofit/>
+          </a:bodyPr>
           <a:p>
-            <a:pPr lvl="0"/>
-            <a:r>
-              <a:rPr lang="en-US" dirty="0"/>
-              <a:t>Click to edit Master text styles</a:t>
-            </a:r>
+            <a:endParaRPr b="0" lang="en-US" sz="2800" spc="-1" strike="noStrike">
+              <a:solidFill>
+                <a:srgbClr val="000000"/>
+              </a:solidFill>
+              <a:latin typeface="Calibri"/>
+            </a:endParaRPr>
           </a:p>
         </p:txBody>
       </p:sp>
       <p:sp>
         <p:nvSpPr>
-          <p:cNvPr id="4" name="Date Placeholder 3"/>
+          <p:cNvPr id="11" name="PlaceHolder 3"/>
           <p:cNvSpPr>
             <a:spLocks noGrp="1"/>
           </p:cNvSpPr>
           <p:nvPr>
-            <p:ph type="dt" sz="half" idx="10"/>
+            <p:ph/>
           </p:nvPr>
         </p:nvSpPr>
-        <p:spPr/>
+        <p:spPr>
+          <a:xfrm>
+            <a:off x="6226200" y="1825560"/>
+            <a:ext cx="5131080" cy="4350960"/>
+          </a:xfrm>
+          <a:prstGeom prst="rect">
+            <a:avLst/>
+          </a:prstGeom>
+          <a:noFill/>
+          <a:ln w="0">
+            <a:noFill/>
+          </a:ln>
+        </p:spPr>
         <p:txBody>
-          <a:bodyPr/>
-          <a:lstStyle/>
+          <a:bodyPr lIns="0" rIns="0" tIns="0" bIns="0" anchor="t">
+            <a:normAutofit/>
+          </a:bodyPr>
           <a:p>
-            <a:fld id="{C764DE79-268F-4C1A-8933-263129D2AF90}" type="datetimeFigureOut">
-              <a:rPr lang="en-US" dirty="0"/>
-              <a:t>1/6/2022</a:t>
-            </a:fld>
-            <a:endParaRPr lang="en-US" dirty="0"/>
-          </a:p>
-        </p:txBody>
-      </p:sp>
-      <p:sp>
-        <p:nvSpPr>
-          <p:cNvPr id="5" name="Footer Placeholder 4"/>
-          <p:cNvSpPr>
-            <a:spLocks noGrp="1"/>
-          </p:cNvSpPr>
-          <p:nvPr>
-            <p:ph type="ftr" sz="quarter" idx="11"/>
-          </p:nvPr>
-        </p:nvSpPr>
-        <p:spPr/>
-        <p:txBody>
-          <a:bodyPr/>
-          <a:lstStyle/>
-          <a:p>
-            <a:endParaRPr lang="en-US" dirty="0"/>
-          </a:p>
-        </p:txBody>
-      </p:sp>
-      <p:sp>
-        <p:nvSpPr>
-          <p:cNvPr id="6" name="Slide Number Placeholder 5"/>
-          <p:cNvSpPr>
-            <a:spLocks noGrp="1"/>
-          </p:cNvSpPr>
-          <p:nvPr>
-            <p:ph type="sldNum" sz="quarter" idx="12"/>
-          </p:nvPr>
-        </p:nvSpPr>
-        <p:spPr/>
-        <p:txBody>
-          <a:bodyPr/>
-          <a:lstStyle/>
-          <a:p>
-            <a:fld id="{48F63A3B-78C7-47BE-AE5E-E10140E04643}" type="slidenum">
-              <a:rPr lang="en-US" dirty="0"/>
-              <a:t>‹#›</a:t>
-            </a:fld>
-            <a:endParaRPr lang="en-US" dirty="0"/>
+            <a:endParaRPr b="0" lang="en-US" sz="2800" spc="-1" strike="noStrike">
+              <a:solidFill>
+                <a:srgbClr val="000000"/>
+              </a:solidFill>
+              <a:latin typeface="Calibri"/>
+            </a:endParaRPr>
           </a:p>
         </p:txBody>
       </p:sp>
     </p:spTree>
-    <p:extLst>
-      <p:ext uri="{BB962C8B-B14F-4D97-AF65-F5344CB8AC3E}">
-        <p14:creationId xmlns:p14="http://schemas.microsoft.com/office/powerpoint/2010/main" val="3228071037"/>
-      </p:ext>
-    </p:extLst>
   </p:cSld>
-  <p:clrMapOvr>
-    <a:masterClrMapping/>
-  </p:clrMapOvr>
-</p:sldLayout>
-</file>
-
-<file path=ppt/slideLayouts/slideLayout4.xml><?xml version="1.0" encoding="utf-8"?>
-<p:sldLayout xmlns:a="http://schemas.openxmlformats.org/drawingml/2006/main" xmlns:r="http://schemas.openxmlformats.org/officeDocument/2006/relationships" xmlns:p="http://schemas.openxmlformats.org/presentationml/2006/main" type="twoObj" preserve="1">
-  <p:cSld name="Two Content">
-    <p:spTree>
-      <p:nvGrpSpPr>
-        <p:cNvPr id="1" name=""/>
-        <p:cNvGrpSpPr/>
-        <p:nvPr/>
-      </p:nvGrpSpPr>
-      <p:grpSpPr>
-        <a:xfrm>
-          <a:off x="0" y="0"/>
-          <a:ext cx="0" cy="0"/>
-          <a:chOff x="0" y="0"/>
-          <a:chExt cx="0" cy="0"/>
-        </a:xfrm>
-      </p:grpSpPr>
-      <p:sp>
-        <p:nvSpPr>
-          <p:cNvPr id="2" name="Title 1"/>
-          <p:cNvSpPr>
-            <a:spLocks noGrp="1"/>
-          </p:cNvSpPr>
-          <p:nvPr>
-            <p:ph type="title"/>
-          </p:nvPr>
-        </p:nvSpPr>
-        <p:spPr/>
-        <p:txBody>
-          <a:bodyPr/>
-          <a:lstStyle/>
-          <a:p>
-            <a:r>
-              <a:rPr lang="en-US" dirty="0"/>
-              <a:t>Click to edit Master title style</a:t>
-            </a:r>
-          </a:p>
-        </p:txBody>
-      </p:sp>
-      <p:sp>
-        <p:nvSpPr>
-          <p:cNvPr id="3" name="Content Placeholder 2"/>
-          <p:cNvSpPr>
-            <a:spLocks noGrp="1"/>
-          </p:cNvSpPr>
-          <p:nvPr>
-            <p:ph sz="half" idx="1"/>
-          </p:nvPr>
-        </p:nvSpPr>
-        <p:spPr>
-          <a:xfrm>
-            <a:off x="838200" y="1825625"/>
-            <a:ext cx="5181600" cy="4351338"/>
-          </a:xfrm>
-        </p:spPr>
-        <p:txBody>
-          <a:bodyPr/>
-          <a:lstStyle/>
-          <a:p>
-            <a:pPr lvl="0"/>
-            <a:r>
-              <a:rPr lang="en-US" dirty="0"/>
-              <a:t>Click to edit Master text styles</a:t>
-            </a:r>
-          </a:p>
-          <a:p>
-            <a:pPr lvl="1"/>
-            <a:r>
-              <a:rPr lang="en-US" dirty="0"/>
-              <a:t>Second level</a:t>
-            </a:r>
-          </a:p>
-          <a:p>
-            <a:pPr lvl="2"/>
-            <a:r>
-              <a:rPr lang="en-US" dirty="0"/>
-              <a:t>Third level</a:t>
-            </a:r>
-          </a:p>
-          <a:p>
-            <a:pPr lvl="3"/>
-            <a:r>
-              <a:rPr lang="en-US" dirty="0"/>
-              <a:t>Fourth level</a:t>
-            </a:r>
-          </a:p>
-          <a:p>
-            <a:pPr lvl="4"/>
-            <a:r>
-              <a:rPr lang="en-US" dirty="0"/>
-              <a:t>Fifth level</a:t>
-            </a:r>
-          </a:p>
-        </p:txBody>
-      </p:sp>
-      <p:sp>
-        <p:nvSpPr>
-          <p:cNvPr id="4" name="Content Placeholder 3"/>
-          <p:cNvSpPr>
-            <a:spLocks noGrp="1"/>
-          </p:cNvSpPr>
-          <p:nvPr>
-            <p:ph sz="half" idx="2"/>
-          </p:nvPr>
-        </p:nvSpPr>
-        <p:spPr>
-          <a:xfrm>
-            <a:off x="6172200" y="1825625"/>
-            <a:ext cx="5181600" cy="4351338"/>
-          </a:xfrm>
-        </p:spPr>
-        <p:txBody>
-          <a:bodyPr/>
-          <a:lstStyle/>
-          <a:p>
-            <a:pPr lvl="0"/>
-            <a:r>
-              <a:rPr lang="en-US" dirty="0"/>
-              <a:t>Click to edit Master text styles</a:t>
-            </a:r>
-          </a:p>
-          <a:p>
-            <a:pPr lvl="1"/>
-            <a:r>
-              <a:rPr lang="en-US" dirty="0"/>
-              <a:t>Second level</a:t>
-            </a:r>
-          </a:p>
-          <a:p>
-            <a:pPr lvl="2"/>
-            <a:r>
-              <a:rPr lang="en-US" dirty="0"/>
-              <a:t>Third level</a:t>
-            </a:r>
-          </a:p>
-          <a:p>
-            <a:pPr lvl="3"/>
-            <a:r>
-              <a:rPr lang="en-US" dirty="0"/>
-              <a:t>Fourth level</a:t>
-            </a:r>
-          </a:p>
-          <a:p>
-            <a:pPr lvl="4"/>
-            <a:r>
-              <a:rPr lang="en-US" dirty="0"/>
-              <a:t>Fifth level</a:t>
-            </a:r>
-          </a:p>
-        </p:txBody>
-      </p:sp>
-      <p:sp>
-        <p:nvSpPr>
-          <p:cNvPr id="5" name="Date Placeholder 4"/>
-          <p:cNvSpPr>
-            <a:spLocks noGrp="1"/>
-          </p:cNvSpPr>
-          <p:nvPr>
-            <p:ph type="dt" sz="half" idx="10"/>
-          </p:nvPr>
-        </p:nvSpPr>
-        <p:spPr/>
-        <p:txBody>
-          <a:bodyPr/>
-          <a:lstStyle/>
-          <a:p>
-            <a:fld id="{C764DE79-268F-4C1A-8933-263129D2AF90}" type="datetimeFigureOut">
-              <a:rPr lang="en-US" dirty="0"/>
-              <a:t>1/6/2022</a:t>
-            </a:fld>
-            <a:endParaRPr lang="en-US" dirty="0"/>
-          </a:p>
-        </p:txBody>
-      </p:sp>
-      <p:sp>
-        <p:nvSpPr>
-          <p:cNvPr id="6" name="Footer Placeholder 5"/>
-          <p:cNvSpPr>
-            <a:spLocks noGrp="1"/>
-          </p:cNvSpPr>
-          <p:nvPr>
-            <p:ph type="ftr" sz="quarter" idx="11"/>
-          </p:nvPr>
-        </p:nvSpPr>
-        <p:spPr/>
-        <p:txBody>
-          <a:bodyPr/>
-          <a:lstStyle/>
-          <a:p>
-            <a:endParaRPr lang="en-US" dirty="0"/>
-          </a:p>
-        </p:txBody>
-      </p:sp>
-      <p:sp>
-        <p:nvSpPr>
-          <p:cNvPr id="7" name="Slide Number Placeholder 6"/>
-          <p:cNvSpPr>
-            <a:spLocks noGrp="1"/>
-          </p:cNvSpPr>
-          <p:nvPr>
-            <p:ph type="sldNum" sz="quarter" idx="12"/>
-          </p:nvPr>
-        </p:nvSpPr>
-        <p:spPr/>
-        <p:txBody>
-          <a:bodyPr/>
-          <a:lstStyle/>
-          <a:p>
-            <a:fld id="{48F63A3B-78C7-47BE-AE5E-E10140E04643}" type="slidenum">
-              <a:rPr lang="en-US" dirty="0"/>
-              <a:t>‹#›</a:t>
-            </a:fld>
-            <a:endParaRPr lang="en-US" dirty="0"/>
-          </a:p>
-        </p:txBody>
-      </p:sp>
-    </p:spTree>
-    <p:extLst>
-      <p:ext uri="{BB962C8B-B14F-4D97-AF65-F5344CB8AC3E}">
-        <p14:creationId xmlns:p14="http://schemas.microsoft.com/office/powerpoint/2010/main" val="2382220849"/>
-      </p:ext>
-    </p:extLst>
-  </p:cSld>
-  <p:clrMapOvr>
-    <a:masterClrMapping/>
-  </p:clrMapOvr>
 </p:sldLayout>
 </file>
 
 <file path=ppt/slideLayouts/slideLayout5.xml><?xml version="1.0" encoding="utf-8"?>
-<p:sldLayout xmlns:a="http://schemas.openxmlformats.org/drawingml/2006/main" xmlns:r="http://schemas.openxmlformats.org/officeDocument/2006/relationships" xmlns:p="http://schemas.openxmlformats.org/presentationml/2006/main" type="twoTxTwoObj" preserve="1">
-  <p:cSld name="Comparison">
-    <p:spTree>
-      <p:nvGrpSpPr>
-        <p:cNvPr id="1" name=""/>
-        <p:cNvGrpSpPr/>
-        <p:nvPr/>
-      </p:nvGrpSpPr>
-      <p:grpSpPr>
-        <a:xfrm>
-          <a:off x="0" y="0"/>
-          <a:ext cx="0" cy="0"/>
-          <a:chOff x="0" y="0"/>
-          <a:chExt cx="0" cy="0"/>
-        </a:xfrm>
-      </p:grpSpPr>
-      <p:sp>
-        <p:nvSpPr>
-          <p:cNvPr id="2" name="Title 1"/>
-          <p:cNvSpPr>
-            <a:spLocks noGrp="1"/>
-          </p:cNvSpPr>
-          <p:nvPr>
-            <p:ph type="title"/>
-          </p:nvPr>
-        </p:nvSpPr>
-        <p:spPr>
-          <a:xfrm>
-            <a:off x="839788" y="365125"/>
-            <a:ext cx="10515600" cy="1325563"/>
-          </a:xfrm>
-        </p:spPr>
-        <p:txBody>
-          <a:bodyPr/>
-          <a:lstStyle/>
-          <a:p>
-            <a:r>
-              <a:rPr lang="en-US" dirty="0"/>
-              <a:t>Click to edit Master title style</a:t>
-            </a:r>
-          </a:p>
-        </p:txBody>
-      </p:sp>
-      <p:sp>
-        <p:nvSpPr>
-          <p:cNvPr id="3" name="Text Placeholder 2"/>
-          <p:cNvSpPr>
-            <a:spLocks noGrp="1"/>
-          </p:cNvSpPr>
-          <p:nvPr>
-            <p:ph type="body" idx="1"/>
-          </p:nvPr>
-        </p:nvSpPr>
-        <p:spPr>
-          <a:xfrm>
-            <a:off x="839788" y="1681163"/>
-            <a:ext cx="5157787" cy="823912"/>
-          </a:xfrm>
-        </p:spPr>
-        <p:txBody>
-          <a:bodyPr anchor="b"/>
-          <a:lstStyle>
-            <a:lvl1pPr marL="0" indent="0">
-              <a:buNone/>
-              <a:defRPr sz="2400" b="1"/>
-            </a:lvl1pPr>
-            <a:lvl2pPr marL="457200" indent="0">
-              <a:buNone/>
-              <a:defRPr sz="2000" b="1"/>
-            </a:lvl2pPr>
-            <a:lvl3pPr marL="914400" indent="0">
-              <a:buNone/>
-              <a:defRPr sz="1800" b="1"/>
-            </a:lvl3pPr>
-            <a:lvl4pPr marL="1371600" indent="0">
-              <a:buNone/>
-              <a:defRPr sz="1600" b="1"/>
-            </a:lvl4pPr>
-            <a:lvl5pPr marL="1828800" indent="0">
-              <a:buNone/>
-              <a:defRPr sz="1600" b="1"/>
-            </a:lvl5pPr>
-            <a:lvl6pPr marL="2286000" indent="0">
-              <a:buNone/>
-              <a:defRPr sz="1600" b="1"/>
-            </a:lvl6pPr>
-            <a:lvl7pPr marL="2743200" indent="0">
-              <a:buNone/>
-              <a:defRPr sz="1600" b="1"/>
-            </a:lvl7pPr>
-            <a:lvl8pPr marL="3200400" indent="0">
-              <a:buNone/>
-              <a:defRPr sz="1600" b="1"/>
-            </a:lvl8pPr>
-            <a:lvl9pPr marL="3657600" indent="0">
-              <a:buNone/>
-              <a:defRPr sz="1600" b="1"/>
-            </a:lvl9pPr>
-          </a:lstStyle>
-          <a:p>
-            <a:pPr lvl="0"/>
-            <a:r>
-              <a:rPr lang="en-US" dirty="0"/>
-              <a:t>Click to edit Master text styles</a:t>
-            </a:r>
-          </a:p>
-        </p:txBody>
-      </p:sp>
-      <p:sp>
-        <p:nvSpPr>
-          <p:cNvPr id="4" name="Content Placeholder 3"/>
-          <p:cNvSpPr>
-            <a:spLocks noGrp="1"/>
-          </p:cNvSpPr>
-          <p:nvPr>
-            <p:ph sz="half" idx="2"/>
-          </p:nvPr>
-        </p:nvSpPr>
-        <p:spPr>
-          <a:xfrm>
-            <a:off x="839788" y="2505075"/>
-            <a:ext cx="5157787" cy="3684588"/>
-          </a:xfrm>
-        </p:spPr>
-        <p:txBody>
-          <a:bodyPr/>
-          <a:lstStyle/>
-          <a:p>
-            <a:pPr lvl="0"/>
-            <a:r>
-              <a:rPr lang="en-US" dirty="0"/>
-              <a:t>Click to edit Master text styles</a:t>
-            </a:r>
-          </a:p>
-          <a:p>
-            <a:pPr lvl="1"/>
-            <a:r>
-              <a:rPr lang="en-US" dirty="0"/>
-              <a:t>Second level</a:t>
-            </a:r>
-          </a:p>
-          <a:p>
-            <a:pPr lvl="2"/>
-            <a:r>
-              <a:rPr lang="en-US" dirty="0"/>
-              <a:t>Third level</a:t>
-            </a:r>
-          </a:p>
-          <a:p>
-            <a:pPr lvl="3"/>
-            <a:r>
-              <a:rPr lang="en-US" dirty="0"/>
-              <a:t>Fourth level</a:t>
-            </a:r>
-          </a:p>
-          <a:p>
-            <a:pPr lvl="4"/>
-            <a:r>
-              <a:rPr lang="en-US" dirty="0"/>
-              <a:t>Fifth level</a:t>
-            </a:r>
-          </a:p>
-        </p:txBody>
-      </p:sp>
-      <p:sp>
-        <p:nvSpPr>
-          <p:cNvPr id="5" name="Text Placeholder 4"/>
-          <p:cNvSpPr>
-            <a:spLocks noGrp="1"/>
-          </p:cNvSpPr>
-          <p:nvPr>
-            <p:ph type="body" sz="quarter" idx="3"/>
-          </p:nvPr>
-        </p:nvSpPr>
-        <p:spPr>
-          <a:xfrm>
-            <a:off x="6172200" y="1681163"/>
-            <a:ext cx="5183188" cy="823912"/>
-          </a:xfrm>
-        </p:spPr>
-        <p:txBody>
-          <a:bodyPr anchor="b"/>
-          <a:lstStyle>
-            <a:lvl1pPr marL="0" indent="0">
-              <a:buNone/>
-              <a:defRPr sz="2400" b="1"/>
-            </a:lvl1pPr>
-            <a:lvl2pPr marL="457200" indent="0">
-              <a:buNone/>
-              <a:defRPr sz="2000" b="1"/>
-            </a:lvl2pPr>
-            <a:lvl3pPr marL="914400" indent="0">
-              <a:buNone/>
-              <a:defRPr sz="1800" b="1"/>
-            </a:lvl3pPr>
-            <a:lvl4pPr marL="1371600" indent="0">
-              <a:buNone/>
-              <a:defRPr sz="1600" b="1"/>
-            </a:lvl4pPr>
-            <a:lvl5pPr marL="1828800" indent="0">
-              <a:buNone/>
-              <a:defRPr sz="1600" b="1"/>
-            </a:lvl5pPr>
-            <a:lvl6pPr marL="2286000" indent="0">
-              <a:buNone/>
-              <a:defRPr sz="1600" b="1"/>
-            </a:lvl6pPr>
-            <a:lvl7pPr marL="2743200" indent="0">
-              <a:buNone/>
-              <a:defRPr sz="1600" b="1"/>
-            </a:lvl7pPr>
-            <a:lvl8pPr marL="3200400" indent="0">
-              <a:buNone/>
-              <a:defRPr sz="1600" b="1"/>
-            </a:lvl8pPr>
-            <a:lvl9pPr marL="3657600" indent="0">
-              <a:buNone/>
-              <a:defRPr sz="1600" b="1"/>
-            </a:lvl9pPr>
-          </a:lstStyle>
-          <a:p>
-            <a:pPr lvl="0"/>
-            <a:r>
-              <a:rPr lang="en-US" dirty="0"/>
-              <a:t>Click to edit Master text styles</a:t>
-            </a:r>
-          </a:p>
-        </p:txBody>
-      </p:sp>
-      <p:sp>
-        <p:nvSpPr>
-          <p:cNvPr id="6" name="Content Placeholder 5"/>
-          <p:cNvSpPr>
-            <a:spLocks noGrp="1"/>
-          </p:cNvSpPr>
-          <p:nvPr>
-            <p:ph sz="quarter" idx="4"/>
-          </p:nvPr>
-        </p:nvSpPr>
-        <p:spPr>
-          <a:xfrm>
-            <a:off x="6172200" y="2505075"/>
-            <a:ext cx="5183188" cy="3684588"/>
-          </a:xfrm>
-        </p:spPr>
-        <p:txBody>
-          <a:bodyPr/>
-          <a:lstStyle/>
-          <a:p>
-            <a:pPr lvl="0"/>
-            <a:r>
-              <a:rPr lang="en-US" dirty="0"/>
-              <a:t>Click to edit Master text styles</a:t>
-            </a:r>
-          </a:p>
-          <a:p>
-            <a:pPr lvl="1"/>
-            <a:r>
-              <a:rPr lang="en-US" dirty="0"/>
-              <a:t>Second level</a:t>
-            </a:r>
-          </a:p>
-          <a:p>
-            <a:pPr lvl="2"/>
-            <a:r>
-              <a:rPr lang="en-US" dirty="0"/>
-              <a:t>Third level</a:t>
-            </a:r>
-          </a:p>
-          <a:p>
-            <a:pPr lvl="3"/>
-            <a:r>
-              <a:rPr lang="en-US" dirty="0"/>
-              <a:t>Fourth level</a:t>
-            </a:r>
-          </a:p>
-          <a:p>
-            <a:pPr lvl="4"/>
-            <a:r>
-              <a:rPr lang="en-US" dirty="0"/>
-              <a:t>Fifth level</a:t>
-            </a:r>
-          </a:p>
-        </p:txBody>
-      </p:sp>
-      <p:sp>
-        <p:nvSpPr>
-          <p:cNvPr id="7" name="Date Placeholder 6"/>
-          <p:cNvSpPr>
-            <a:spLocks noGrp="1"/>
-          </p:cNvSpPr>
-          <p:nvPr>
-            <p:ph type="dt" sz="half" idx="10"/>
-          </p:nvPr>
-        </p:nvSpPr>
-        <p:spPr/>
-        <p:txBody>
-          <a:bodyPr/>
-          <a:lstStyle/>
-          <a:p>
-            <a:fld id="{C764DE79-268F-4C1A-8933-263129D2AF90}" type="datetimeFigureOut">
-              <a:rPr lang="en-US" dirty="0"/>
-              <a:t>1/6/2022</a:t>
-            </a:fld>
-            <a:endParaRPr lang="en-US" dirty="0"/>
-          </a:p>
-        </p:txBody>
-      </p:sp>
-      <p:sp>
-        <p:nvSpPr>
-          <p:cNvPr id="8" name="Footer Placeholder 7"/>
-          <p:cNvSpPr>
-            <a:spLocks noGrp="1"/>
-          </p:cNvSpPr>
-          <p:nvPr>
-            <p:ph type="ftr" sz="quarter" idx="11"/>
-          </p:nvPr>
-        </p:nvSpPr>
-        <p:spPr/>
-        <p:txBody>
-          <a:bodyPr/>
-          <a:lstStyle/>
-          <a:p>
-            <a:endParaRPr lang="en-US" dirty="0"/>
-          </a:p>
-        </p:txBody>
-      </p:sp>
-      <p:sp>
-        <p:nvSpPr>
-          <p:cNvPr id="9" name="Slide Number Placeholder 8"/>
-          <p:cNvSpPr>
-            <a:spLocks noGrp="1"/>
-          </p:cNvSpPr>
-          <p:nvPr>
-            <p:ph type="sldNum" sz="quarter" idx="12"/>
-          </p:nvPr>
-        </p:nvSpPr>
-        <p:spPr/>
-        <p:txBody>
-          <a:bodyPr/>
-          <a:lstStyle/>
-          <a:p>
-            <a:fld id="{48F63A3B-78C7-47BE-AE5E-E10140E04643}" type="slidenum">
-              <a:rPr lang="en-US" dirty="0"/>
-              <a:t>‹#›</a:t>
-            </a:fld>
-            <a:endParaRPr lang="en-US" dirty="0"/>
-          </a:p>
-        </p:txBody>
-      </p:sp>
-    </p:spTree>
-    <p:extLst>
-      <p:ext uri="{BB962C8B-B14F-4D97-AF65-F5344CB8AC3E}">
-        <p14:creationId xmlns:p14="http://schemas.microsoft.com/office/powerpoint/2010/main" val="1605523214"/>
-      </p:ext>
-    </p:extLst>
-  </p:cSld>
-  <p:clrMapOvr>
-    <a:masterClrMapping/>
-  </p:clrMapOvr>
-</p:sldLayout>
-</file>
-
-<file path=ppt/slideLayouts/slideLayout6.xml><?xml version="1.0" encoding="utf-8"?>
-<p:sldLayout xmlns:a="http://schemas.openxmlformats.org/drawingml/2006/main" xmlns:r="http://schemas.openxmlformats.org/officeDocument/2006/relationships" xmlns:p="http://schemas.openxmlformats.org/presentationml/2006/main" type="titleOnly" preserve="1">
+<p:sldLayout xmlns:a="http://schemas.openxmlformats.org/drawingml/2006/main" xmlns:p="http://schemas.openxmlformats.org/presentationml/2006/main" xmlns:r="http://schemas.openxmlformats.org/officeDocument/2006/relationships" xmlns:p14="http://schemas.microsoft.com/office/powerpoint/2010/main" xmlns:p15="http://schemas.microsoft.com/office/powerpoint/2012/main" xmlns:mc="http://schemas.openxmlformats.org/markup-compatibility/2006" type="titleOnly" preserve="1">
   <p:cSld name="Title Only">
     <p:spTree>
       <p:nvGrpSpPr>
@@ -4689,7 +4005,7 @@
       </p:grpSpPr>
       <p:sp>
         <p:nvSpPr>
-          <p:cNvPr id="2" name="Title 1"/>
+          <p:cNvPr id="12" name="PlaceHolder 1"/>
           <p:cNvSpPr>
             <a:spLocks noGrp="1"/>
           </p:cNvSpPr>
@@ -4697,99 +4013,41 @@
             <p:ph type="title"/>
           </p:nvPr>
         </p:nvSpPr>
-        <p:spPr/>
+        <p:spPr>
+          <a:xfrm>
+            <a:off x="838080" y="365040"/>
+            <a:ext cx="10515240" cy="1325160"/>
+          </a:xfrm>
+          <a:prstGeom prst="rect">
+            <a:avLst/>
+          </a:prstGeom>
+          <a:noFill/>
+          <a:ln w="0">
+            <a:noFill/>
+          </a:ln>
+        </p:spPr>
         <p:txBody>
-          <a:bodyPr/>
-          <a:lstStyle/>
+          <a:bodyPr lIns="0" rIns="0" tIns="0" bIns="0" anchor="ctr">
+            <a:noAutofit/>
+          </a:bodyPr>
           <a:p>
-            <a:r>
-              <a:rPr lang="en-US" dirty="0"/>
-              <a:t>Click to edit Master title style</a:t>
-            </a:r>
-          </a:p>
-        </p:txBody>
-      </p:sp>
-      <p:sp>
-        <p:nvSpPr>
-          <p:cNvPr id="3" name="Date Placeholder 2"/>
-          <p:cNvSpPr>
-            <a:spLocks noGrp="1"/>
-          </p:cNvSpPr>
-          <p:nvPr>
-            <p:ph type="dt" sz="half" idx="10"/>
-          </p:nvPr>
-        </p:nvSpPr>
-        <p:spPr/>
-        <p:txBody>
-          <a:bodyPr/>
-          <a:lstStyle/>
-          <a:p>
-            <a:fld id="{C764DE79-268F-4C1A-8933-263129D2AF90}" type="datetimeFigureOut">
-              <a:rPr lang="en-US" dirty="0"/>
-              <a:t>1/6/2022</a:t>
-            </a:fld>
-            <a:endParaRPr lang="en-US" dirty="0"/>
-          </a:p>
-        </p:txBody>
-      </p:sp>
-      <p:sp>
-        <p:nvSpPr>
-          <p:cNvPr id="4" name="Footer Placeholder 3"/>
-          <p:cNvSpPr>
-            <a:spLocks noGrp="1"/>
-          </p:cNvSpPr>
-          <p:nvPr>
-            <p:ph type="ftr" sz="quarter" idx="11"/>
-          </p:nvPr>
-        </p:nvSpPr>
-        <p:spPr/>
-        <p:txBody>
-          <a:bodyPr/>
-          <a:lstStyle/>
-          <a:p>
-            <a:endParaRPr lang="en-US" dirty="0"/>
-          </a:p>
-        </p:txBody>
-      </p:sp>
-      <p:sp>
-        <p:nvSpPr>
-          <p:cNvPr id="5" name="Slide Number Placeholder 4"/>
-          <p:cNvSpPr>
-            <a:spLocks noGrp="1"/>
-          </p:cNvSpPr>
-          <p:nvPr>
-            <p:ph type="sldNum" sz="quarter" idx="12"/>
-          </p:nvPr>
-        </p:nvSpPr>
-        <p:spPr/>
-        <p:txBody>
-          <a:bodyPr/>
-          <a:lstStyle/>
-          <a:p>
-            <a:fld id="{48F63A3B-78C7-47BE-AE5E-E10140E04643}" type="slidenum">
-              <a:rPr lang="en-US" dirty="0"/>
-              <a:t>‹#›</a:t>
-            </a:fld>
-            <a:endParaRPr lang="en-US" dirty="0"/>
+            <a:endParaRPr b="0" lang="en-US" sz="1800" spc="-1" strike="noStrike">
+              <a:solidFill>
+                <a:srgbClr val="000000"/>
+              </a:solidFill>
+              <a:latin typeface="Calibri"/>
+            </a:endParaRPr>
           </a:p>
         </p:txBody>
       </p:sp>
     </p:spTree>
-    <p:extLst>
-      <p:ext uri="{BB962C8B-B14F-4D97-AF65-F5344CB8AC3E}">
-        <p14:creationId xmlns:p14="http://schemas.microsoft.com/office/powerpoint/2010/main" val="1112064320"/>
-      </p:ext>
-    </p:extLst>
   </p:cSld>
-  <p:clrMapOvr>
-    <a:masterClrMapping/>
-  </p:clrMapOvr>
 </p:sldLayout>
 </file>
 
-<file path=ppt/slideLayouts/slideLayout7.xml><?xml version="1.0" encoding="utf-8"?>
-<p:sldLayout xmlns:a="http://schemas.openxmlformats.org/drawingml/2006/main" xmlns:r="http://schemas.openxmlformats.org/officeDocument/2006/relationships" xmlns:p="http://schemas.openxmlformats.org/presentationml/2006/main" type="blank" preserve="1">
-  <p:cSld name="Blank">
+<file path=ppt/slideLayouts/slideLayout6.xml><?xml version="1.0" encoding="utf-8"?>
+<p:sldLayout xmlns:a="http://schemas.openxmlformats.org/drawingml/2006/main" xmlns:p="http://schemas.openxmlformats.org/presentationml/2006/main" xmlns:r="http://schemas.openxmlformats.org/officeDocument/2006/relationships" xmlns:p14="http://schemas.microsoft.com/office/powerpoint/2010/main" xmlns:p15="http://schemas.microsoft.com/office/powerpoint/2012/main" xmlns:mc="http://schemas.openxmlformats.org/markup-compatibility/2006" type="objOnly" preserve="1">
+  <p:cSld name="Centered Text">
     <p:spTree>
       <p:nvGrpSpPr>
         <p:cNvPr id="1" name=""/>
@@ -4806,85 +4064,47 @@
       </p:grpSpPr>
       <p:sp>
         <p:nvSpPr>
-          <p:cNvPr id="2" name="Date Placeholder 1"/>
+          <p:cNvPr id="13" name="PlaceHolder 1"/>
           <p:cNvSpPr>
             <a:spLocks noGrp="1"/>
           </p:cNvSpPr>
           <p:nvPr>
-            <p:ph type="dt" sz="half" idx="10"/>
+            <p:ph type="subTitle"/>
           </p:nvPr>
         </p:nvSpPr>
-        <p:spPr/>
+        <p:spPr>
+          <a:xfrm>
+            <a:off x="838080" y="365040"/>
+            <a:ext cx="10515240" cy="6144120"/>
+          </a:xfrm>
+          <a:prstGeom prst="rect">
+            <a:avLst/>
+          </a:prstGeom>
+          <a:noFill/>
+          <a:ln w="0">
+            <a:noFill/>
+          </a:ln>
+        </p:spPr>
         <p:txBody>
-          <a:bodyPr/>
-          <a:lstStyle/>
+          <a:bodyPr lIns="0" rIns="0" tIns="0" bIns="0" anchor="ctr">
+            <a:noAutofit/>
+          </a:bodyPr>
           <a:p>
-            <a:fld id="{C764DE79-268F-4C1A-8933-263129D2AF90}" type="datetimeFigureOut">
-              <a:rPr lang="en-US" dirty="0"/>
-              <a:t>1/6/2022</a:t>
-            </a:fld>
-            <a:endParaRPr lang="en-US" dirty="0"/>
-          </a:p>
-        </p:txBody>
-      </p:sp>
-      <p:sp>
-        <p:nvSpPr>
-          <p:cNvPr id="3" name="Footer Placeholder 2"/>
-          <p:cNvSpPr>
-            <a:spLocks noGrp="1"/>
-          </p:cNvSpPr>
-          <p:nvPr>
-            <p:ph type="ftr" sz="quarter" idx="11"/>
-          </p:nvPr>
-        </p:nvSpPr>
-        <p:spPr/>
-        <p:txBody>
-          <a:bodyPr/>
-          <a:lstStyle/>
-          <a:p>
-            <a:endParaRPr lang="en-US" dirty="0"/>
-          </a:p>
-        </p:txBody>
-      </p:sp>
-      <p:sp>
-        <p:nvSpPr>
-          <p:cNvPr id="4" name="Slide Number Placeholder 3"/>
-          <p:cNvSpPr>
-            <a:spLocks noGrp="1"/>
-          </p:cNvSpPr>
-          <p:nvPr>
-            <p:ph type="sldNum" sz="quarter" idx="12"/>
-          </p:nvPr>
-        </p:nvSpPr>
-        <p:spPr/>
-        <p:txBody>
-          <a:bodyPr/>
-          <a:lstStyle/>
-          <a:p>
-            <a:fld id="{48F63A3B-78C7-47BE-AE5E-E10140E04643}" type="slidenum">
-              <a:rPr lang="en-US" dirty="0"/>
-              <a:t>‹#›</a:t>
-            </a:fld>
-            <a:endParaRPr lang="en-US" dirty="0"/>
+            <a:pPr algn="ctr"/>
+            <a:endParaRPr b="0" lang="fr-FR" sz="3200" spc="-1" strike="noStrike">
+              <a:latin typeface="Arial"/>
+            </a:endParaRPr>
           </a:p>
         </p:txBody>
       </p:sp>
     </p:spTree>
-    <p:extLst>
-      <p:ext uri="{BB962C8B-B14F-4D97-AF65-F5344CB8AC3E}">
-        <p14:creationId xmlns:p14="http://schemas.microsoft.com/office/powerpoint/2010/main" val="3101728712"/>
-      </p:ext>
-    </p:extLst>
   </p:cSld>
-  <p:clrMapOvr>
-    <a:masterClrMapping/>
-  </p:clrMapOvr>
 </p:sldLayout>
 </file>
 
-<file path=ppt/slideLayouts/slideLayout8.xml><?xml version="1.0" encoding="utf-8"?>
-<p:sldLayout xmlns:a="http://schemas.openxmlformats.org/drawingml/2006/main" xmlns:r="http://schemas.openxmlformats.org/officeDocument/2006/relationships" xmlns:p="http://schemas.openxmlformats.org/presentationml/2006/main" type="objTx" preserve="1">
-  <p:cSld name="Content with Caption">
+<file path=ppt/slideLayouts/slideLayout7.xml><?xml version="1.0" encoding="utf-8"?>
+<p:sldLayout xmlns:a="http://schemas.openxmlformats.org/drawingml/2006/main" xmlns:p="http://schemas.openxmlformats.org/presentationml/2006/main" xmlns:r="http://schemas.openxmlformats.org/officeDocument/2006/relationships" xmlns:p14="http://schemas.microsoft.com/office/powerpoint/2010/main" xmlns:p15="http://schemas.microsoft.com/office/powerpoint/2012/main" xmlns:mc="http://schemas.openxmlformats.org/markup-compatibility/2006" type="twoObjAndObj" preserve="1">
+  <p:cSld name="Title, 2 Content and Content">
     <p:spTree>
       <p:nvGrpSpPr>
         <p:cNvPr id="1" name=""/>
@@ -4901,7 +4121,7 @@
       </p:grpSpPr>
       <p:sp>
         <p:nvSpPr>
-          <p:cNvPr id="2" name="Title 1"/>
+          <p:cNvPr id="14" name="PlaceHolder 1"/>
           <p:cNvSpPr>
             <a:spLocks noGrp="1"/>
           </p:cNvSpPr>
@@ -4911,255 +4131,150 @@
         </p:nvSpPr>
         <p:spPr>
           <a:xfrm>
-            <a:off x="839788" y="457200"/>
-            <a:ext cx="3932237" cy="1600200"/>
+            <a:off x="838080" y="365040"/>
+            <a:ext cx="10515240" cy="1325160"/>
           </a:xfrm>
+          <a:prstGeom prst="rect">
+            <a:avLst/>
+          </a:prstGeom>
+          <a:noFill/>
+          <a:ln w="0">
+            <a:noFill/>
+          </a:ln>
         </p:spPr>
         <p:txBody>
-          <a:bodyPr anchor="b"/>
-          <a:lstStyle>
-            <a:lvl1pPr>
-              <a:defRPr sz="3200"/>
-            </a:lvl1pPr>
-          </a:lstStyle>
+          <a:bodyPr lIns="0" rIns="0" tIns="0" bIns="0" anchor="ctr">
+            <a:noAutofit/>
+          </a:bodyPr>
           <a:p>
-            <a:r>
-              <a:rPr lang="en-US" dirty="0"/>
-              <a:t>Click to edit Master title style</a:t>
-            </a:r>
+            <a:endParaRPr b="0" lang="en-US" sz="1800" spc="-1" strike="noStrike">
+              <a:solidFill>
+                <a:srgbClr val="000000"/>
+              </a:solidFill>
+              <a:latin typeface="Calibri"/>
+            </a:endParaRPr>
           </a:p>
         </p:txBody>
       </p:sp>
       <p:sp>
         <p:nvSpPr>
-          <p:cNvPr id="3" name="Content Placeholder 2"/>
+          <p:cNvPr id="15" name="PlaceHolder 2"/>
           <p:cNvSpPr>
             <a:spLocks noGrp="1"/>
           </p:cNvSpPr>
           <p:nvPr>
-            <p:ph idx="1"/>
+            <p:ph/>
           </p:nvPr>
         </p:nvSpPr>
         <p:spPr>
           <a:xfrm>
-            <a:off x="5183188" y="987425"/>
-            <a:ext cx="6172200" cy="4873625"/>
+            <a:off x="838080" y="1825560"/>
+            <a:ext cx="5131080" cy="2075040"/>
           </a:xfrm>
+          <a:prstGeom prst="rect">
+            <a:avLst/>
+          </a:prstGeom>
+          <a:noFill/>
+          <a:ln w="0">
+            <a:noFill/>
+          </a:ln>
         </p:spPr>
         <p:txBody>
-          <a:bodyPr/>
-          <a:lstStyle>
-            <a:lvl1pPr>
-              <a:defRPr sz="3200"/>
-            </a:lvl1pPr>
-            <a:lvl2pPr>
-              <a:defRPr sz="2800"/>
-            </a:lvl2pPr>
-            <a:lvl3pPr>
-              <a:defRPr sz="2400"/>
-            </a:lvl3pPr>
-            <a:lvl4pPr>
-              <a:defRPr sz="2000"/>
-            </a:lvl4pPr>
-            <a:lvl5pPr>
-              <a:defRPr sz="2000"/>
-            </a:lvl5pPr>
-            <a:lvl6pPr>
-              <a:defRPr sz="2000"/>
-            </a:lvl6pPr>
-            <a:lvl7pPr>
-              <a:defRPr sz="2000"/>
-            </a:lvl7pPr>
-            <a:lvl8pPr>
-              <a:defRPr sz="2000"/>
-            </a:lvl8pPr>
-            <a:lvl9pPr>
-              <a:defRPr sz="2000"/>
-            </a:lvl9pPr>
-          </a:lstStyle>
+          <a:bodyPr lIns="0" rIns="0" tIns="0" bIns="0" anchor="t">
+            <a:normAutofit/>
+          </a:bodyPr>
           <a:p>
-            <a:pPr lvl="0"/>
-            <a:r>
-              <a:rPr lang="en-US" dirty="0"/>
-              <a:t>Click to edit Master text styles</a:t>
-            </a:r>
-          </a:p>
-          <a:p>
-            <a:pPr lvl="1"/>
-            <a:r>
-              <a:rPr lang="en-US" dirty="0"/>
-              <a:t>Second level</a:t>
-            </a:r>
-          </a:p>
-          <a:p>
-            <a:pPr lvl="2"/>
-            <a:r>
-              <a:rPr lang="en-US" dirty="0"/>
-              <a:t>Third level</a:t>
-            </a:r>
-          </a:p>
-          <a:p>
-            <a:pPr lvl="3"/>
-            <a:r>
-              <a:rPr lang="en-US" dirty="0"/>
-              <a:t>Fourth level</a:t>
-            </a:r>
-          </a:p>
-          <a:p>
-            <a:pPr lvl="4"/>
-            <a:r>
-              <a:rPr lang="en-US" dirty="0"/>
-              <a:t>Fifth level</a:t>
-            </a:r>
+            <a:endParaRPr b="0" lang="en-US" sz="2800" spc="-1" strike="noStrike">
+              <a:solidFill>
+                <a:srgbClr val="000000"/>
+              </a:solidFill>
+              <a:latin typeface="Calibri"/>
+            </a:endParaRPr>
           </a:p>
         </p:txBody>
       </p:sp>
       <p:sp>
         <p:nvSpPr>
-          <p:cNvPr id="4" name="Text Placeholder 3"/>
+          <p:cNvPr id="16" name="PlaceHolder 3"/>
           <p:cNvSpPr>
             <a:spLocks noGrp="1"/>
           </p:cNvSpPr>
           <p:nvPr>
-            <p:ph type="body" sz="half" idx="2"/>
+            <p:ph/>
           </p:nvPr>
         </p:nvSpPr>
         <p:spPr>
           <a:xfrm>
-            <a:off x="839788" y="2057400"/>
-            <a:ext cx="3932237" cy="3811588"/>
+            <a:off x="6226200" y="1825560"/>
+            <a:ext cx="5131080" cy="4350960"/>
           </a:xfrm>
+          <a:prstGeom prst="rect">
+            <a:avLst/>
+          </a:prstGeom>
+          <a:noFill/>
+          <a:ln w="0">
+            <a:noFill/>
+          </a:ln>
         </p:spPr>
         <p:txBody>
-          <a:bodyPr/>
-          <a:lstStyle>
-            <a:lvl1pPr marL="0" indent="0">
-              <a:buNone/>
-              <a:defRPr sz="1600"/>
-            </a:lvl1pPr>
-            <a:lvl2pPr marL="457200" indent="0">
-              <a:buNone/>
-              <a:defRPr sz="1400"/>
-            </a:lvl2pPr>
-            <a:lvl3pPr marL="914400" indent="0">
-              <a:buNone/>
-              <a:defRPr sz="1200"/>
-            </a:lvl3pPr>
-            <a:lvl4pPr marL="1371600" indent="0">
-              <a:buNone/>
-              <a:defRPr sz="1000"/>
-            </a:lvl4pPr>
-            <a:lvl5pPr marL="1828800" indent="0">
-              <a:buNone/>
-              <a:defRPr sz="1000"/>
-            </a:lvl5pPr>
-            <a:lvl6pPr marL="2286000" indent="0">
-              <a:buNone/>
-              <a:defRPr sz="1000"/>
-            </a:lvl6pPr>
-            <a:lvl7pPr marL="2743200" indent="0">
-              <a:buNone/>
-              <a:defRPr sz="1000"/>
-            </a:lvl7pPr>
-            <a:lvl8pPr marL="3200400" indent="0">
-              <a:buNone/>
-              <a:defRPr sz="1000"/>
-            </a:lvl8pPr>
-            <a:lvl9pPr marL="3657600" indent="0">
-              <a:buNone/>
-              <a:defRPr sz="1000"/>
-            </a:lvl9pPr>
-          </a:lstStyle>
+          <a:bodyPr lIns="0" rIns="0" tIns="0" bIns="0" anchor="t">
+            <a:normAutofit/>
+          </a:bodyPr>
           <a:p>
-            <a:pPr lvl="0"/>
-            <a:r>
-              <a:rPr lang="en-US" dirty="0"/>
-              <a:t>Click to edit Master text styles</a:t>
-            </a:r>
+            <a:endParaRPr b="0" lang="en-US" sz="2800" spc="-1" strike="noStrike">
+              <a:solidFill>
+                <a:srgbClr val="000000"/>
+              </a:solidFill>
+              <a:latin typeface="Calibri"/>
+            </a:endParaRPr>
           </a:p>
         </p:txBody>
       </p:sp>
       <p:sp>
         <p:nvSpPr>
-          <p:cNvPr id="5" name="Date Placeholder 4"/>
+          <p:cNvPr id="17" name="PlaceHolder 4"/>
           <p:cNvSpPr>
             <a:spLocks noGrp="1"/>
           </p:cNvSpPr>
           <p:nvPr>
-            <p:ph type="dt" sz="half" idx="10"/>
+            <p:ph/>
           </p:nvPr>
         </p:nvSpPr>
-        <p:spPr/>
+        <p:spPr>
+          <a:xfrm>
+            <a:off x="838080" y="4098240"/>
+            <a:ext cx="5131080" cy="2075040"/>
+          </a:xfrm>
+          <a:prstGeom prst="rect">
+            <a:avLst/>
+          </a:prstGeom>
+          <a:noFill/>
+          <a:ln w="0">
+            <a:noFill/>
+          </a:ln>
+        </p:spPr>
         <p:txBody>
-          <a:bodyPr/>
-          <a:lstStyle/>
+          <a:bodyPr lIns="0" rIns="0" tIns="0" bIns="0" anchor="t">
+            <a:normAutofit/>
+          </a:bodyPr>
           <a:p>
-            <a:fld id="{C764DE79-268F-4C1A-8933-263129D2AF90}" type="datetimeFigureOut">
-              <a:rPr lang="en-US" dirty="0"/>
-              <a:t>1/6/2022</a:t>
-            </a:fld>
-            <a:endParaRPr lang="en-US" dirty="0"/>
-          </a:p>
-        </p:txBody>
-      </p:sp>
-      <p:sp>
-        <p:nvSpPr>
-          <p:cNvPr id="6" name="Footer Placeholder 5"/>
-          <p:cNvSpPr>
-            <a:spLocks noGrp="1"/>
-          </p:cNvSpPr>
-          <p:nvPr>
-            <p:ph type="ftr" sz="quarter" idx="11"/>
-          </p:nvPr>
-        </p:nvSpPr>
-        <p:spPr/>
-        <p:txBody>
-          <a:bodyPr/>
-          <a:lstStyle/>
-          <a:p>
-            <a:endParaRPr lang="en-US" dirty="0"/>
-          </a:p>
-        </p:txBody>
-      </p:sp>
-      <p:sp>
-        <p:nvSpPr>
-          <p:cNvPr id="7" name="Slide Number Placeholder 6"/>
-          <p:cNvSpPr>
-            <a:spLocks noGrp="1"/>
-          </p:cNvSpPr>
-          <p:nvPr>
-            <p:ph type="sldNum" sz="quarter" idx="12"/>
-          </p:nvPr>
-        </p:nvSpPr>
-        <p:spPr/>
-        <p:txBody>
-          <a:bodyPr/>
-          <a:lstStyle/>
-          <a:p>
-            <a:fld id="{48F63A3B-78C7-47BE-AE5E-E10140E04643}" type="slidenum">
-              <a:rPr lang="en-US" dirty="0"/>
-              <a:t>‹#›</a:t>
-            </a:fld>
-            <a:endParaRPr lang="en-US" dirty="0"/>
+            <a:endParaRPr b="0" lang="en-US" sz="2800" spc="-1" strike="noStrike">
+              <a:solidFill>
+                <a:srgbClr val="000000"/>
+              </a:solidFill>
+              <a:latin typeface="Calibri"/>
+            </a:endParaRPr>
           </a:p>
         </p:txBody>
       </p:sp>
     </p:spTree>
-    <p:extLst>
-      <p:ext uri="{BB962C8B-B14F-4D97-AF65-F5344CB8AC3E}">
-        <p14:creationId xmlns:p14="http://schemas.microsoft.com/office/powerpoint/2010/main" val="1091765045"/>
-      </p:ext>
-    </p:extLst>
   </p:cSld>
-  <p:clrMapOvr>
-    <a:masterClrMapping/>
-  </p:clrMapOvr>
 </p:sldLayout>
 </file>
 
-<file path=ppt/slideLayouts/slideLayout9.xml><?xml version="1.0" encoding="utf-8"?>
-<p:sldLayout xmlns:a="http://schemas.openxmlformats.org/drawingml/2006/main" xmlns:r="http://schemas.openxmlformats.org/officeDocument/2006/relationships" xmlns:p="http://schemas.openxmlformats.org/presentationml/2006/main" type="picTx" preserve="1">
-  <p:cSld name="Picture with Caption">
+<file path=ppt/slideLayouts/slideLayout8.xml><?xml version="1.0" encoding="utf-8"?>
+<p:sldLayout xmlns:a="http://schemas.openxmlformats.org/drawingml/2006/main" xmlns:p="http://schemas.openxmlformats.org/presentationml/2006/main" xmlns:r="http://schemas.openxmlformats.org/officeDocument/2006/relationships" xmlns:p14="http://schemas.microsoft.com/office/powerpoint/2010/main" xmlns:p15="http://schemas.microsoft.com/office/powerpoint/2012/main" xmlns:mc="http://schemas.openxmlformats.org/markup-compatibility/2006" type="objAndTwoObj" preserve="1">
+  <p:cSld name="Title Content and 2 Content">
     <p:spTree>
       <p:nvGrpSpPr>
         <p:cNvPr id="1" name=""/>
@@ -5176,7 +4291,7 @@
       </p:grpSpPr>
       <p:sp>
         <p:nvSpPr>
-          <p:cNvPr id="2" name="Title 1"/>
+          <p:cNvPr id="18" name="PlaceHolder 1"/>
           <p:cNvSpPr>
             <a:spLocks noGrp="1"/>
           </p:cNvSpPr>
@@ -5186,237 +4301,150 @@
         </p:nvSpPr>
         <p:spPr>
           <a:xfrm>
-            <a:off x="839788" y="457200"/>
-            <a:ext cx="3932237" cy="1600200"/>
+            <a:off x="838080" y="365040"/>
+            <a:ext cx="10515240" cy="1325160"/>
           </a:xfrm>
+          <a:prstGeom prst="rect">
+            <a:avLst/>
+          </a:prstGeom>
+          <a:noFill/>
+          <a:ln w="0">
+            <a:noFill/>
+          </a:ln>
         </p:spPr>
         <p:txBody>
-          <a:bodyPr anchor="b"/>
-          <a:lstStyle>
-            <a:lvl1pPr>
-              <a:defRPr sz="3200"/>
-            </a:lvl1pPr>
-          </a:lstStyle>
+          <a:bodyPr lIns="0" rIns="0" tIns="0" bIns="0" anchor="ctr">
+            <a:noAutofit/>
+          </a:bodyPr>
           <a:p>
-            <a:r>
-              <a:rPr lang="en-US" dirty="0"/>
-              <a:t>Click to edit Master title style</a:t>
-            </a:r>
+            <a:endParaRPr b="0" lang="en-US" sz="1800" spc="-1" strike="noStrike">
+              <a:solidFill>
+                <a:srgbClr val="000000"/>
+              </a:solidFill>
+              <a:latin typeface="Calibri"/>
+            </a:endParaRPr>
           </a:p>
         </p:txBody>
       </p:sp>
       <p:sp>
         <p:nvSpPr>
-          <p:cNvPr id="3" name="Picture Placeholder 2"/>
+          <p:cNvPr id="19" name="PlaceHolder 2"/>
           <p:cNvSpPr>
-            <a:spLocks noGrp="1" noChangeAspect="1"/>
+            <a:spLocks noGrp="1"/>
           </p:cNvSpPr>
           <p:nvPr>
-            <p:ph type="pic" idx="1"/>
+            <p:ph/>
           </p:nvPr>
         </p:nvSpPr>
         <p:spPr>
           <a:xfrm>
-            <a:off x="5183188" y="987425"/>
-            <a:ext cx="6172200" cy="4873625"/>
+            <a:off x="838080" y="1825560"/>
+            <a:ext cx="5131080" cy="4350960"/>
           </a:xfrm>
+          <a:prstGeom prst="rect">
+            <a:avLst/>
+          </a:prstGeom>
+          <a:noFill/>
+          <a:ln w="0">
+            <a:noFill/>
+          </a:ln>
         </p:spPr>
         <p:txBody>
-          <a:bodyPr anchor="t"/>
-          <a:lstStyle>
-            <a:lvl1pPr marL="0" indent="0">
-              <a:buNone/>
-              <a:defRPr sz="3200"/>
-            </a:lvl1pPr>
-            <a:lvl2pPr marL="457200" indent="0">
-              <a:buNone/>
-              <a:defRPr sz="2800"/>
-            </a:lvl2pPr>
-            <a:lvl3pPr marL="914400" indent="0">
-              <a:buNone/>
-              <a:defRPr sz="2400"/>
-            </a:lvl3pPr>
-            <a:lvl4pPr marL="1371600" indent="0">
-              <a:buNone/>
-              <a:defRPr sz="2000"/>
-            </a:lvl4pPr>
-            <a:lvl5pPr marL="1828800" indent="0">
-              <a:buNone/>
-              <a:defRPr sz="2000"/>
-            </a:lvl5pPr>
-            <a:lvl6pPr marL="2286000" indent="0">
-              <a:buNone/>
-              <a:defRPr sz="2000"/>
-            </a:lvl6pPr>
-            <a:lvl7pPr marL="2743200" indent="0">
-              <a:buNone/>
-              <a:defRPr sz="2000"/>
-            </a:lvl7pPr>
-            <a:lvl8pPr marL="3200400" indent="0">
-              <a:buNone/>
-              <a:defRPr sz="2000"/>
-            </a:lvl8pPr>
-            <a:lvl9pPr marL="3657600" indent="0">
-              <a:buNone/>
-              <a:defRPr sz="2000"/>
-            </a:lvl9pPr>
-          </a:lstStyle>
+          <a:bodyPr lIns="0" rIns="0" tIns="0" bIns="0" anchor="t">
+            <a:normAutofit/>
+          </a:bodyPr>
           <a:p>
-            <a:endParaRPr lang="en-US" dirty="0"/>
+            <a:endParaRPr b="0" lang="en-US" sz="2800" spc="-1" strike="noStrike">
+              <a:solidFill>
+                <a:srgbClr val="000000"/>
+              </a:solidFill>
+              <a:latin typeface="Calibri"/>
+            </a:endParaRPr>
           </a:p>
         </p:txBody>
       </p:sp>
       <p:sp>
         <p:nvSpPr>
-          <p:cNvPr id="4" name="Text Placeholder 3"/>
+          <p:cNvPr id="20" name="PlaceHolder 3"/>
           <p:cNvSpPr>
             <a:spLocks noGrp="1"/>
           </p:cNvSpPr>
           <p:nvPr>
-            <p:ph type="body" sz="half" idx="2"/>
+            <p:ph/>
           </p:nvPr>
         </p:nvSpPr>
         <p:spPr>
           <a:xfrm>
-            <a:off x="839788" y="2057400"/>
-            <a:ext cx="3932237" cy="3811588"/>
+            <a:off x="6226200" y="1825560"/>
+            <a:ext cx="5131080" cy="2075040"/>
           </a:xfrm>
+          <a:prstGeom prst="rect">
+            <a:avLst/>
+          </a:prstGeom>
+          <a:noFill/>
+          <a:ln w="0">
+            <a:noFill/>
+          </a:ln>
         </p:spPr>
         <p:txBody>
-          <a:bodyPr/>
-          <a:lstStyle>
-            <a:lvl1pPr marL="0" indent="0">
-              <a:buNone/>
-              <a:defRPr sz="1600"/>
-            </a:lvl1pPr>
-            <a:lvl2pPr marL="457200" indent="0">
-              <a:buNone/>
-              <a:defRPr sz="1400"/>
-            </a:lvl2pPr>
-            <a:lvl3pPr marL="914400" indent="0">
-              <a:buNone/>
-              <a:defRPr sz="1200"/>
-            </a:lvl3pPr>
-            <a:lvl4pPr marL="1371600" indent="0">
-              <a:buNone/>
-              <a:defRPr sz="1000"/>
-            </a:lvl4pPr>
-            <a:lvl5pPr marL="1828800" indent="0">
-              <a:buNone/>
-              <a:defRPr sz="1000"/>
-            </a:lvl5pPr>
-            <a:lvl6pPr marL="2286000" indent="0">
-              <a:buNone/>
-              <a:defRPr sz="1000"/>
-            </a:lvl6pPr>
-            <a:lvl7pPr marL="2743200" indent="0">
-              <a:buNone/>
-              <a:defRPr sz="1000"/>
-            </a:lvl7pPr>
-            <a:lvl8pPr marL="3200400" indent="0">
-              <a:buNone/>
-              <a:defRPr sz="1000"/>
-            </a:lvl8pPr>
-            <a:lvl9pPr marL="3657600" indent="0">
-              <a:buNone/>
-              <a:defRPr sz="1000"/>
-            </a:lvl9pPr>
-          </a:lstStyle>
+          <a:bodyPr lIns="0" rIns="0" tIns="0" bIns="0" anchor="t">
+            <a:normAutofit/>
+          </a:bodyPr>
           <a:p>
-            <a:pPr lvl="0"/>
-            <a:r>
-              <a:rPr lang="en-US" dirty="0"/>
-              <a:t>Click to edit Master text styles</a:t>
-            </a:r>
+            <a:endParaRPr b="0" lang="en-US" sz="2800" spc="-1" strike="noStrike">
+              <a:solidFill>
+                <a:srgbClr val="000000"/>
+              </a:solidFill>
+              <a:latin typeface="Calibri"/>
+            </a:endParaRPr>
           </a:p>
         </p:txBody>
       </p:sp>
       <p:sp>
         <p:nvSpPr>
-          <p:cNvPr id="5" name="Date Placeholder 4"/>
+          <p:cNvPr id="21" name="PlaceHolder 4"/>
           <p:cNvSpPr>
             <a:spLocks noGrp="1"/>
           </p:cNvSpPr>
           <p:nvPr>
-            <p:ph type="dt" sz="half" idx="10"/>
+            <p:ph/>
           </p:nvPr>
         </p:nvSpPr>
-        <p:spPr/>
+        <p:spPr>
+          <a:xfrm>
+            <a:off x="6226200" y="4098240"/>
+            <a:ext cx="5131080" cy="2075040"/>
+          </a:xfrm>
+          <a:prstGeom prst="rect">
+            <a:avLst/>
+          </a:prstGeom>
+          <a:noFill/>
+          <a:ln w="0">
+            <a:noFill/>
+          </a:ln>
+        </p:spPr>
         <p:txBody>
-          <a:bodyPr/>
-          <a:lstStyle/>
+          <a:bodyPr lIns="0" rIns="0" tIns="0" bIns="0" anchor="t">
+            <a:normAutofit/>
+          </a:bodyPr>
           <a:p>
-            <a:fld id="{C764DE79-268F-4C1A-8933-263129D2AF90}" type="datetimeFigureOut">
-              <a:rPr lang="en-US" dirty="0"/>
-              <a:t>1/6/2022</a:t>
-            </a:fld>
-            <a:endParaRPr lang="en-US" dirty="0"/>
-          </a:p>
-        </p:txBody>
-      </p:sp>
-      <p:sp>
-        <p:nvSpPr>
-          <p:cNvPr id="6" name="Footer Placeholder 5"/>
-          <p:cNvSpPr>
-            <a:spLocks noGrp="1"/>
-          </p:cNvSpPr>
-          <p:nvPr>
-            <p:ph type="ftr" sz="quarter" idx="11"/>
-          </p:nvPr>
-        </p:nvSpPr>
-        <p:spPr/>
-        <p:txBody>
-          <a:bodyPr/>
-          <a:lstStyle/>
-          <a:p>
-            <a:endParaRPr lang="en-US" dirty="0"/>
-          </a:p>
-        </p:txBody>
-      </p:sp>
-      <p:sp>
-        <p:nvSpPr>
-          <p:cNvPr id="7" name="Slide Number Placeholder 6"/>
-          <p:cNvSpPr>
-            <a:spLocks noGrp="1"/>
-          </p:cNvSpPr>
-          <p:nvPr>
-            <p:ph type="sldNum" sz="quarter" idx="12"/>
-          </p:nvPr>
-        </p:nvSpPr>
-        <p:spPr/>
-        <p:txBody>
-          <a:bodyPr/>
-          <a:lstStyle/>
-          <a:p>
-            <a:fld id="{48F63A3B-78C7-47BE-AE5E-E10140E04643}" type="slidenum">
-              <a:rPr lang="en-US" dirty="0"/>
-              <a:t>‹#›</a:t>
-            </a:fld>
-            <a:endParaRPr lang="en-US" dirty="0"/>
+            <a:endParaRPr b="0" lang="en-US" sz="2800" spc="-1" strike="noStrike">
+              <a:solidFill>
+                <a:srgbClr val="000000"/>
+              </a:solidFill>
+              <a:latin typeface="Calibri"/>
+            </a:endParaRPr>
           </a:p>
         </p:txBody>
       </p:sp>
     </p:spTree>
-    <p:extLst>
-      <p:ext uri="{BB962C8B-B14F-4D97-AF65-F5344CB8AC3E}">
-        <p14:creationId xmlns:p14="http://schemas.microsoft.com/office/powerpoint/2010/main" val="2812960373"/>
-      </p:ext>
-    </p:extLst>
   </p:cSld>
-  <p:clrMapOvr>
-    <a:masterClrMapping/>
-  </p:clrMapOvr>
 </p:sldLayout>
 </file>
 
-<file path=ppt/slideMasters/slideMaster1.xml><?xml version="1.0" encoding="utf-8"?>
-<p:sldMaster xmlns:a="http://schemas.openxmlformats.org/drawingml/2006/main" xmlns:r="http://schemas.openxmlformats.org/officeDocument/2006/relationships" xmlns:p="http://schemas.openxmlformats.org/presentationml/2006/main">
-  <p:cSld>
-    <p:bg>
-      <p:bgRef idx="1001">
-        <a:schemeClr val="bg1"/>
-      </p:bgRef>
-    </p:bg>
+<file path=ppt/slideLayouts/slideLayout9.xml><?xml version="1.0" encoding="utf-8"?>
+<p:sldLayout xmlns:a="http://schemas.openxmlformats.org/drawingml/2006/main" xmlns:p="http://schemas.openxmlformats.org/presentationml/2006/main" xmlns:r="http://schemas.openxmlformats.org/officeDocument/2006/relationships" xmlns:p14="http://schemas.microsoft.com/office/powerpoint/2010/main" xmlns:p15="http://schemas.microsoft.com/office/powerpoint/2012/main" xmlns:mc="http://schemas.openxmlformats.org/markup-compatibility/2006" type="twoObjOverTx" preserve="1">
+  <p:cSld name="Title, 2 Content over Content">
     <p:spTree>
       <p:nvGrpSpPr>
         <p:cNvPr id="1" name=""/>
@@ -5433,7 +4461,7 @@
       </p:grpSpPr>
       <p:sp>
         <p:nvSpPr>
-          <p:cNvPr id="2" name="Title Placeholder 1"/>
+          <p:cNvPr id="22" name="PlaceHolder 1"/>
           <p:cNvSpPr>
             <a:spLocks noGrp="1"/>
           </p:cNvSpPr>
@@ -5443,522 +4471,155 @@
         </p:nvSpPr>
         <p:spPr>
           <a:xfrm>
-            <a:off x="838200" y="365125"/>
-            <a:ext cx="10515600" cy="1325563"/>
+            <a:off x="838080" y="365040"/>
+            <a:ext cx="10515240" cy="1325160"/>
           </a:xfrm>
           <a:prstGeom prst="rect">
             <a:avLst/>
           </a:prstGeom>
+          <a:noFill/>
+          <a:ln w="0">
+            <a:noFill/>
+          </a:ln>
         </p:spPr>
         <p:txBody>
-          <a:bodyPr vert="horz" lIns="91440" tIns="45720" rIns="91440" bIns="45720" rtlCol="0" anchor="ctr">
-            <a:normAutofit/>
+          <a:bodyPr lIns="0" rIns="0" tIns="0" bIns="0" anchor="ctr">
+            <a:noAutofit/>
           </a:bodyPr>
-          <a:lstStyle/>
           <a:p>
-            <a:r>
-              <a:rPr lang="en-US" dirty="0"/>
-              <a:t>Click to edit Master title style</a:t>
-            </a:r>
+            <a:endParaRPr b="0" lang="en-US" sz="1800" spc="-1" strike="noStrike">
+              <a:solidFill>
+                <a:srgbClr val="000000"/>
+              </a:solidFill>
+              <a:latin typeface="Calibri"/>
+            </a:endParaRPr>
           </a:p>
         </p:txBody>
       </p:sp>
       <p:sp>
         <p:nvSpPr>
-          <p:cNvPr id="3" name="Text Placeholder 2"/>
+          <p:cNvPr id="23" name="PlaceHolder 2"/>
           <p:cNvSpPr>
             <a:spLocks noGrp="1"/>
           </p:cNvSpPr>
           <p:nvPr>
-            <p:ph type="body" idx="1"/>
+            <p:ph/>
           </p:nvPr>
         </p:nvSpPr>
         <p:spPr>
           <a:xfrm>
-            <a:off x="838200" y="1825625"/>
-            <a:ext cx="10515600" cy="4351338"/>
+            <a:off x="838080" y="1825560"/>
+            <a:ext cx="5131080" cy="2075040"/>
           </a:xfrm>
           <a:prstGeom prst="rect">
             <a:avLst/>
           </a:prstGeom>
+          <a:noFill/>
+          <a:ln w="0">
+            <a:noFill/>
+          </a:ln>
         </p:spPr>
         <p:txBody>
-          <a:bodyPr vert="horz" lIns="91440" tIns="45720" rIns="91440" bIns="45720" rtlCol="0">
+          <a:bodyPr lIns="0" rIns="0" tIns="0" bIns="0" anchor="t">
             <a:normAutofit/>
           </a:bodyPr>
-          <a:lstStyle/>
           <a:p>
-            <a:pPr lvl="0"/>
-            <a:r>
-              <a:rPr lang="en-US" dirty="0"/>
-              <a:t>Click to edit Master text styles</a:t>
-            </a:r>
-          </a:p>
-          <a:p>
-            <a:pPr lvl="1"/>
-            <a:r>
-              <a:rPr lang="en-US" dirty="0"/>
-              <a:t>Second level</a:t>
-            </a:r>
-          </a:p>
-          <a:p>
-            <a:pPr lvl="2"/>
-            <a:r>
-              <a:rPr lang="en-US" dirty="0"/>
-              <a:t>Third level</a:t>
-            </a:r>
-          </a:p>
-          <a:p>
-            <a:pPr lvl="3"/>
-            <a:r>
-              <a:rPr lang="en-US" dirty="0"/>
-              <a:t>Fourth level</a:t>
-            </a:r>
-          </a:p>
-          <a:p>
-            <a:pPr lvl="4"/>
-            <a:r>
-              <a:rPr lang="en-US" dirty="0"/>
-              <a:t>Fifth level</a:t>
-            </a:r>
+            <a:endParaRPr b="0" lang="en-US" sz="2800" spc="-1" strike="noStrike">
+              <a:solidFill>
+                <a:srgbClr val="000000"/>
+              </a:solidFill>
+              <a:latin typeface="Calibri"/>
+            </a:endParaRPr>
           </a:p>
         </p:txBody>
       </p:sp>
       <p:sp>
         <p:nvSpPr>
-          <p:cNvPr id="4" name="Date Placeholder 3"/>
+          <p:cNvPr id="24" name="PlaceHolder 3"/>
           <p:cNvSpPr>
             <a:spLocks noGrp="1"/>
           </p:cNvSpPr>
           <p:nvPr>
-            <p:ph type="dt" sz="half" idx="2"/>
+            <p:ph/>
           </p:nvPr>
         </p:nvSpPr>
         <p:spPr>
           <a:xfrm>
-            <a:off x="838200" y="6356350"/>
-            <a:ext cx="2743200" cy="365125"/>
+            <a:off x="6226200" y="1825560"/>
+            <a:ext cx="5131080" cy="2075040"/>
           </a:xfrm>
           <a:prstGeom prst="rect">
             <a:avLst/>
           </a:prstGeom>
+          <a:noFill/>
+          <a:ln w="0">
+            <a:noFill/>
+          </a:ln>
         </p:spPr>
         <p:txBody>
-          <a:bodyPr vert="horz" lIns="91440" tIns="45720" rIns="91440" bIns="45720" rtlCol="0" anchor="ctr"/>
-          <a:lstStyle>
-            <a:lvl1pPr algn="l">
-              <a:defRPr sz="1200">
-                <a:solidFill>
-                  <a:schemeClr val="tx1">
-                    <a:tint val="75000"/>
-                  </a:schemeClr>
-                </a:solidFill>
-              </a:defRPr>
-            </a:lvl1pPr>
-          </a:lstStyle>
+          <a:bodyPr lIns="0" rIns="0" tIns="0" bIns="0" anchor="t">
+            <a:normAutofit/>
+          </a:bodyPr>
           <a:p>
-            <a:fld id="{C764DE79-268F-4C1A-8933-263129D2AF90}" type="datetimeFigureOut">
-              <a:rPr lang="en-US" dirty="0"/>
-              <a:t>1/6/2022</a:t>
-            </a:fld>
-            <a:endParaRPr lang="en-US" dirty="0"/>
+            <a:endParaRPr b="0" lang="en-US" sz="2800" spc="-1" strike="noStrike">
+              <a:solidFill>
+                <a:srgbClr val="000000"/>
+              </a:solidFill>
+              <a:latin typeface="Calibri"/>
+            </a:endParaRPr>
           </a:p>
         </p:txBody>
       </p:sp>
       <p:sp>
         <p:nvSpPr>
-          <p:cNvPr id="5" name="Footer Placeholder 4"/>
+          <p:cNvPr id="25" name="PlaceHolder 4"/>
           <p:cNvSpPr>
             <a:spLocks noGrp="1"/>
           </p:cNvSpPr>
           <p:nvPr>
-            <p:ph type="ftr" sz="quarter" idx="3"/>
+            <p:ph/>
           </p:nvPr>
         </p:nvSpPr>
         <p:spPr>
           <a:xfrm>
-            <a:off x="4038600" y="6356350"/>
-            <a:ext cx="4114800" cy="365125"/>
+            <a:off x="838080" y="4098240"/>
+            <a:ext cx="10515240" cy="2075040"/>
           </a:xfrm>
           <a:prstGeom prst="rect">
             <a:avLst/>
           </a:prstGeom>
+          <a:noFill/>
+          <a:ln w="0">
+            <a:noFill/>
+          </a:ln>
         </p:spPr>
         <p:txBody>
-          <a:bodyPr vert="horz" lIns="91440" tIns="45720" rIns="91440" bIns="45720" rtlCol="0" anchor="ctr"/>
-          <a:lstStyle>
-            <a:lvl1pPr algn="ctr">
-              <a:defRPr sz="1200">
-                <a:solidFill>
-                  <a:schemeClr val="tx1">
-                    <a:tint val="75000"/>
-                  </a:schemeClr>
-                </a:solidFill>
-              </a:defRPr>
-            </a:lvl1pPr>
-          </a:lstStyle>
+          <a:bodyPr lIns="0" rIns="0" tIns="0" bIns="0" anchor="t">
+            <a:normAutofit/>
+          </a:bodyPr>
           <a:p>
-            <a:endParaRPr lang="en-US" dirty="0"/>
-          </a:p>
-        </p:txBody>
-      </p:sp>
-      <p:sp>
-        <p:nvSpPr>
-          <p:cNvPr id="6" name="Slide Number Placeholder 5"/>
-          <p:cNvSpPr>
-            <a:spLocks noGrp="1"/>
-          </p:cNvSpPr>
-          <p:nvPr>
-            <p:ph type="sldNum" sz="quarter" idx="4"/>
-          </p:nvPr>
-        </p:nvSpPr>
-        <p:spPr>
-          <a:xfrm>
-            <a:off x="8610600" y="6356350"/>
-            <a:ext cx="2743200" cy="365125"/>
-          </a:xfrm>
-          <a:prstGeom prst="rect">
-            <a:avLst/>
-          </a:prstGeom>
-        </p:spPr>
-        <p:txBody>
-          <a:bodyPr vert="horz" lIns="91440" tIns="45720" rIns="91440" bIns="45720" rtlCol="0" anchor="ctr"/>
-          <a:lstStyle>
-            <a:lvl1pPr algn="r">
-              <a:defRPr sz="1200">
-                <a:solidFill>
-                  <a:schemeClr val="tx1">
-                    <a:tint val="75000"/>
-                  </a:schemeClr>
-                </a:solidFill>
-              </a:defRPr>
-            </a:lvl1pPr>
-          </a:lstStyle>
-          <a:p>
-            <a:fld id="{48F63A3B-78C7-47BE-AE5E-E10140E04643}" type="slidenum">
-              <a:rPr lang="en-US" dirty="0"/>
-              <a:t>‹#›</a:t>
-            </a:fld>
-            <a:endParaRPr lang="en-US" dirty="0"/>
+            <a:endParaRPr b="0" lang="en-US" sz="2800" spc="-1" strike="noStrike">
+              <a:solidFill>
+                <a:srgbClr val="000000"/>
+              </a:solidFill>
+              <a:latin typeface="Calibri"/>
+            </a:endParaRPr>
           </a:p>
         </p:txBody>
       </p:sp>
     </p:spTree>
-    <p:extLst>
-      <p:ext uri="{BB962C8B-B14F-4D97-AF65-F5344CB8AC3E}">
-        <p14:creationId xmlns:p14="http://schemas.microsoft.com/office/powerpoint/2010/main" val="846823512"/>
-      </p:ext>
-    </p:extLst>
   </p:cSld>
-  <p:clrMap bg1="lt1" tx1="dk1" bg2="lt2" tx2="dk2" accent1="accent1" accent2="accent2" accent3="accent3" accent4="accent4" accent5="accent5" accent6="accent6" hlink="hlink" folHlink="folHlink"/>
-  <p:sldLayoutIdLst>
-    <p:sldLayoutId id="2147483764" r:id="rId1"/>
-    <p:sldLayoutId id="2147483765" r:id="rId2"/>
-    <p:sldLayoutId id="2147483766" r:id="rId3"/>
-    <p:sldLayoutId id="2147483767" r:id="rId4"/>
-    <p:sldLayoutId id="2147483768" r:id="rId5"/>
-    <p:sldLayoutId id="2147483769" r:id="rId6"/>
-    <p:sldLayoutId id="2147483770" r:id="rId7"/>
-    <p:sldLayoutId id="2147483771" r:id="rId8"/>
-    <p:sldLayoutId id="2147483772" r:id="rId9"/>
-    <p:sldLayoutId id="2147483773" r:id="rId10"/>
-    <p:sldLayoutId id="2147483774" r:id="rId11"/>
-  </p:sldLayoutIdLst>
-  <p:txStyles>
-    <p:titleStyle>
-      <a:lvl1pPr algn="l" defTabSz="914400" rtl="0" eaLnBrk="1" latinLnBrk="0" hangingPunct="1">
-        <a:lnSpc>
-          <a:spcPct val="90000"/>
-        </a:lnSpc>
-        <a:spcBef>
-          <a:spcPct val="0"/>
-        </a:spcBef>
-        <a:buNone/>
-        <a:defRPr sz="4400" kern="1200">
-          <a:solidFill>
-            <a:schemeClr val="tx1"/>
-          </a:solidFill>
-          <a:latin typeface="+mj-lt"/>
-          <a:ea typeface="+mj-ea"/>
-          <a:cs typeface="+mj-cs"/>
-        </a:defRPr>
-      </a:lvl1pPr>
-    </p:titleStyle>
-    <p:bodyStyle>
-      <a:lvl1pPr marL="228600" indent="-228600" algn="l" defTabSz="914400" rtl="0" eaLnBrk="1" latinLnBrk="0" hangingPunct="1">
-        <a:lnSpc>
-          <a:spcPct val="90000"/>
-        </a:lnSpc>
-        <a:spcBef>
-          <a:spcPts val="1000"/>
-        </a:spcBef>
-        <a:buFont typeface="Arial" panose="020B0604020202020204" pitchFamily="34" charset="0"/>
-        <a:buChar char="•"/>
-        <a:defRPr sz="2800" kern="1200">
-          <a:solidFill>
-            <a:schemeClr val="tx1"/>
-          </a:solidFill>
-          <a:latin typeface="+mn-lt"/>
-          <a:ea typeface="+mn-ea"/>
-          <a:cs typeface="+mn-cs"/>
-        </a:defRPr>
-      </a:lvl1pPr>
-      <a:lvl2pPr marL="685800" indent="-228600" algn="l" defTabSz="914400" rtl="0" eaLnBrk="1" latinLnBrk="0" hangingPunct="1">
-        <a:lnSpc>
-          <a:spcPct val="90000"/>
-        </a:lnSpc>
-        <a:spcBef>
-          <a:spcPts val="500"/>
-        </a:spcBef>
-        <a:buFont typeface="Arial" panose="020B0604020202020204" pitchFamily="34" charset="0"/>
-        <a:buChar char="•"/>
-        <a:defRPr sz="2400" kern="1200">
-          <a:solidFill>
-            <a:schemeClr val="tx1"/>
-          </a:solidFill>
-          <a:latin typeface="+mn-lt"/>
-          <a:ea typeface="+mn-ea"/>
-          <a:cs typeface="+mn-cs"/>
-        </a:defRPr>
-      </a:lvl2pPr>
-      <a:lvl3pPr marL="1143000" indent="-228600" algn="l" defTabSz="914400" rtl="0" eaLnBrk="1" latinLnBrk="0" hangingPunct="1">
-        <a:lnSpc>
-          <a:spcPct val="90000"/>
-        </a:lnSpc>
-        <a:spcBef>
-          <a:spcPts val="500"/>
-        </a:spcBef>
-        <a:buFont typeface="Arial" panose="020B0604020202020204" pitchFamily="34" charset="0"/>
-        <a:buChar char="•"/>
-        <a:defRPr sz="2000" kern="1200">
-          <a:solidFill>
-            <a:schemeClr val="tx1"/>
-          </a:solidFill>
-          <a:latin typeface="+mn-lt"/>
-          <a:ea typeface="+mn-ea"/>
-          <a:cs typeface="+mn-cs"/>
-        </a:defRPr>
-      </a:lvl3pPr>
-      <a:lvl4pPr marL="1600200" indent="-228600" algn="l" defTabSz="914400" rtl="0" eaLnBrk="1" latinLnBrk="0" hangingPunct="1">
-        <a:lnSpc>
-          <a:spcPct val="90000"/>
-        </a:lnSpc>
-        <a:spcBef>
-          <a:spcPts val="500"/>
-        </a:spcBef>
-        <a:buFont typeface="Arial" panose="020B0604020202020204" pitchFamily="34" charset="0"/>
-        <a:buChar char="•"/>
-        <a:defRPr sz="1800" kern="1200">
-          <a:solidFill>
-            <a:schemeClr val="tx1"/>
-          </a:solidFill>
-          <a:latin typeface="+mn-lt"/>
-          <a:ea typeface="+mn-ea"/>
-          <a:cs typeface="+mn-cs"/>
-        </a:defRPr>
-      </a:lvl4pPr>
-      <a:lvl5pPr marL="2057400" indent="-228600" algn="l" defTabSz="914400" rtl="0" eaLnBrk="1" latinLnBrk="0" hangingPunct="1">
-        <a:lnSpc>
-          <a:spcPct val="90000"/>
-        </a:lnSpc>
-        <a:spcBef>
-          <a:spcPts val="500"/>
-        </a:spcBef>
-        <a:buFont typeface="Arial" panose="020B0604020202020204" pitchFamily="34" charset="0"/>
-        <a:buChar char="•"/>
-        <a:defRPr sz="1800" kern="1200">
-          <a:solidFill>
-            <a:schemeClr val="tx1"/>
-          </a:solidFill>
-          <a:latin typeface="+mn-lt"/>
-          <a:ea typeface="+mn-ea"/>
-          <a:cs typeface="+mn-cs"/>
-        </a:defRPr>
-      </a:lvl5pPr>
-      <a:lvl6pPr marL="2514600" indent="-228600" algn="l" defTabSz="914400" rtl="0" eaLnBrk="1" latinLnBrk="0" hangingPunct="1">
-        <a:lnSpc>
-          <a:spcPct val="90000"/>
-        </a:lnSpc>
-        <a:spcBef>
-          <a:spcPts val="500"/>
-        </a:spcBef>
-        <a:buFont typeface="Arial" panose="020B0604020202020204" pitchFamily="34" charset="0"/>
-        <a:buChar char="•"/>
-        <a:defRPr sz="1800" kern="1200">
-          <a:solidFill>
-            <a:schemeClr val="tx1"/>
-          </a:solidFill>
-          <a:latin typeface="+mn-lt"/>
-          <a:ea typeface="+mn-ea"/>
-          <a:cs typeface="+mn-cs"/>
-        </a:defRPr>
-      </a:lvl6pPr>
-      <a:lvl7pPr marL="2971800" indent="-228600" algn="l" defTabSz="914400" rtl="0" eaLnBrk="1" latinLnBrk="0" hangingPunct="1">
-        <a:lnSpc>
-          <a:spcPct val="90000"/>
-        </a:lnSpc>
-        <a:spcBef>
-          <a:spcPts val="500"/>
-        </a:spcBef>
-        <a:buFont typeface="Arial" panose="020B0604020202020204" pitchFamily="34" charset="0"/>
-        <a:buChar char="•"/>
-        <a:defRPr sz="1800" kern="1200">
-          <a:solidFill>
-            <a:schemeClr val="tx1"/>
-          </a:solidFill>
-          <a:latin typeface="+mn-lt"/>
-          <a:ea typeface="+mn-ea"/>
-          <a:cs typeface="+mn-cs"/>
-        </a:defRPr>
-      </a:lvl7pPr>
-      <a:lvl8pPr marL="3429000" indent="-228600" algn="l" defTabSz="914400" rtl="0" eaLnBrk="1" latinLnBrk="0" hangingPunct="1">
-        <a:lnSpc>
-          <a:spcPct val="90000"/>
-        </a:lnSpc>
-        <a:spcBef>
-          <a:spcPts val="500"/>
-        </a:spcBef>
-        <a:buFont typeface="Arial" panose="020B0604020202020204" pitchFamily="34" charset="0"/>
-        <a:buChar char="•"/>
-        <a:defRPr sz="1800" kern="1200">
-          <a:solidFill>
-            <a:schemeClr val="tx1"/>
-          </a:solidFill>
-          <a:latin typeface="+mn-lt"/>
-          <a:ea typeface="+mn-ea"/>
-          <a:cs typeface="+mn-cs"/>
-        </a:defRPr>
-      </a:lvl8pPr>
-      <a:lvl9pPr marL="3886200" indent="-228600" algn="l" defTabSz="914400" rtl="0" eaLnBrk="1" latinLnBrk="0" hangingPunct="1">
-        <a:lnSpc>
-          <a:spcPct val="90000"/>
-        </a:lnSpc>
-        <a:spcBef>
-          <a:spcPts val="500"/>
-        </a:spcBef>
-        <a:buFont typeface="Arial" panose="020B0604020202020204" pitchFamily="34" charset="0"/>
-        <a:buChar char="•"/>
-        <a:defRPr sz="1800" kern="1200">
-          <a:solidFill>
-            <a:schemeClr val="tx1"/>
-          </a:solidFill>
-          <a:latin typeface="+mn-lt"/>
-          <a:ea typeface="+mn-ea"/>
-          <a:cs typeface="+mn-cs"/>
-        </a:defRPr>
-      </a:lvl9pPr>
-    </p:bodyStyle>
-    <p:otherStyle>
-      <a:defPPr>
-        <a:defRPr lang="en-US"/>
-      </a:defPPr>
-      <a:lvl1pPr marL="0" algn="l" defTabSz="914400" rtl="0" eaLnBrk="1" latinLnBrk="0" hangingPunct="1">
-        <a:defRPr sz="1800" kern="1200">
-          <a:solidFill>
-            <a:schemeClr val="tx1"/>
-          </a:solidFill>
-          <a:latin typeface="+mn-lt"/>
-          <a:ea typeface="+mn-ea"/>
-          <a:cs typeface="+mn-cs"/>
-        </a:defRPr>
-      </a:lvl1pPr>
-      <a:lvl2pPr marL="457200" algn="l" defTabSz="914400" rtl="0" eaLnBrk="1" latinLnBrk="0" hangingPunct="1">
-        <a:defRPr sz="1800" kern="1200">
-          <a:solidFill>
-            <a:schemeClr val="tx1"/>
-          </a:solidFill>
-          <a:latin typeface="+mn-lt"/>
-          <a:ea typeface="+mn-ea"/>
-          <a:cs typeface="+mn-cs"/>
-        </a:defRPr>
-      </a:lvl2pPr>
-      <a:lvl3pPr marL="914400" algn="l" defTabSz="914400" rtl="0" eaLnBrk="1" latinLnBrk="0" hangingPunct="1">
-        <a:defRPr sz="1800" kern="1200">
-          <a:solidFill>
-            <a:schemeClr val="tx1"/>
-          </a:solidFill>
-          <a:latin typeface="+mn-lt"/>
-          <a:ea typeface="+mn-ea"/>
-          <a:cs typeface="+mn-cs"/>
-        </a:defRPr>
-      </a:lvl3pPr>
-      <a:lvl4pPr marL="1371600" algn="l" defTabSz="914400" rtl="0" eaLnBrk="1" latinLnBrk="0" hangingPunct="1">
-        <a:defRPr sz="1800" kern="1200">
-          <a:solidFill>
-            <a:schemeClr val="tx1"/>
-          </a:solidFill>
-          <a:latin typeface="+mn-lt"/>
-          <a:ea typeface="+mn-ea"/>
-          <a:cs typeface="+mn-cs"/>
-        </a:defRPr>
-      </a:lvl4pPr>
-      <a:lvl5pPr marL="1828800" algn="l" defTabSz="914400" rtl="0" eaLnBrk="1" latinLnBrk="0" hangingPunct="1">
-        <a:defRPr sz="1800" kern="1200">
-          <a:solidFill>
-            <a:schemeClr val="tx1"/>
-          </a:solidFill>
-          <a:latin typeface="+mn-lt"/>
-          <a:ea typeface="+mn-ea"/>
-          <a:cs typeface="+mn-cs"/>
-        </a:defRPr>
-      </a:lvl5pPr>
-      <a:lvl6pPr marL="2286000" algn="l" defTabSz="914400" rtl="0" eaLnBrk="1" latinLnBrk="0" hangingPunct="1">
-        <a:defRPr sz="1800" kern="1200">
-          <a:solidFill>
-            <a:schemeClr val="tx1"/>
-          </a:solidFill>
-          <a:latin typeface="+mn-lt"/>
-          <a:ea typeface="+mn-ea"/>
-          <a:cs typeface="+mn-cs"/>
-        </a:defRPr>
-      </a:lvl6pPr>
-      <a:lvl7pPr marL="2743200" algn="l" defTabSz="914400" rtl="0" eaLnBrk="1" latinLnBrk="0" hangingPunct="1">
-        <a:defRPr sz="1800" kern="1200">
-          <a:solidFill>
-            <a:schemeClr val="tx1"/>
-          </a:solidFill>
-          <a:latin typeface="+mn-lt"/>
-          <a:ea typeface="+mn-ea"/>
-          <a:cs typeface="+mn-cs"/>
-        </a:defRPr>
-      </a:lvl7pPr>
-      <a:lvl8pPr marL="3200400" algn="l" defTabSz="914400" rtl="0" eaLnBrk="1" latinLnBrk="0" hangingPunct="1">
-        <a:defRPr sz="1800" kern="1200">
-          <a:solidFill>
-            <a:schemeClr val="tx1"/>
-          </a:solidFill>
-          <a:latin typeface="+mn-lt"/>
-          <a:ea typeface="+mn-ea"/>
-          <a:cs typeface="+mn-cs"/>
-        </a:defRPr>
-      </a:lvl8pPr>
-      <a:lvl9pPr marL="3657600" algn="l" defTabSz="914400" rtl="0" eaLnBrk="1" latinLnBrk="0" hangingPunct="1">
-        <a:defRPr sz="1800" kern="1200">
-          <a:solidFill>
-            <a:schemeClr val="tx1"/>
-          </a:solidFill>
-          <a:latin typeface="+mn-lt"/>
-          <a:ea typeface="+mn-ea"/>
-          <a:cs typeface="+mn-cs"/>
-        </a:defRPr>
-      </a:lvl9pPr>
-    </p:otherStyle>
-  </p:txStyles>
-</p:sldMaster>
+</p:sldLayout>
 </file>
 
-<file path=ppt/slides/slide1.xml><?xml version="1.0" encoding="utf-8"?>
-<p:sld xmlns:a="http://schemas.openxmlformats.org/drawingml/2006/main" xmlns:r="http://schemas.openxmlformats.org/officeDocument/2006/relationships" xmlns:p="http://schemas.openxmlformats.org/presentationml/2006/main">
+<file path=ppt/slideMasters/slideMaster1.xml><?xml version="1.0" encoding="utf-8"?>
+<p:sldMaster xmlns:a="http://schemas.openxmlformats.org/drawingml/2006/main" xmlns:p="http://schemas.openxmlformats.org/presentationml/2006/main" xmlns:r="http://schemas.openxmlformats.org/officeDocument/2006/relationships" xmlns:p14="http://schemas.microsoft.com/office/powerpoint/2010/main" xmlns:p15="http://schemas.microsoft.com/office/powerpoint/2012/main" xmlns:mc="http://schemas.openxmlformats.org/markup-compatibility/2006">
   <p:cSld>
     <p:bg>
       <p:bgPr>
         <a:solidFill>
-          <a:schemeClr val="bg1">
-            <a:tint val="95000"/>
-            <a:satMod val="170000"/>
-          </a:schemeClr>
+          <a:srgbClr val="ffffff"/>
         </a:solidFill>
-        <a:effectLst/>
       </p:bgPr>
     </p:bg>
     <p:spTree>
@@ -5977,89 +4638,423 @@
       </p:grpSpPr>
       <p:sp>
         <p:nvSpPr>
-          <p:cNvPr id="12" name="Freeform: Shape 14">
-            <a:extLst>
-              <a:ext uri="{FF2B5EF4-FFF2-40B4-BE49-F238E27FC236}">
-                <a16:creationId xmlns:a16="http://schemas.microsoft.com/office/drawing/2014/main" id="{66B332A4-D438-4773-A77F-5ED49A448D9D}"/>
-              </a:ext>
-              <a:ext uri="{C183D7F6-B498-43B3-948B-1728B52AA6E4}">
-                <adec:decorative xmlns:adec="http://schemas.microsoft.com/office/drawing/2017/decorative" val="1"/>
-              </a:ext>
-            </a:extLst>
-          </p:cNvPr>
+          <p:cNvPr id="0" name="PlaceHolder 1"/>
           <p:cNvSpPr>
-            <a:spLocks noGrp="1" noRot="1" noChangeAspect="1" noMove="1" noResize="1" noEditPoints="1" noAdjustHandles="1" noChangeArrowheads="1" noChangeShapeType="1" noTextEdit="1"/>
+            <a:spLocks noGrp="1"/>
           </p:cNvSpPr>
           <p:nvPr>
-            <p:extLst>
-              <p:ext uri="{386F3935-93C4-4BCD-93E2-E3B085C9AB24}">
-                <p16:designElem xmlns:p16="http://schemas.microsoft.com/office/powerpoint/2015/main" val="1"/>
-              </p:ext>
-            </p:extLst>
+            <p:ph type="title"/>
           </p:nvPr>
         </p:nvSpPr>
         <p:spPr>
           <a:xfrm>
-            <a:off x="1953768" y="0"/>
-            <a:ext cx="8284464" cy="6858000"/>
+            <a:off x="838080" y="365040"/>
+            <a:ext cx="10515240" cy="1325160"/>
+          </a:xfrm>
+          <a:prstGeom prst="rect">
+            <a:avLst/>
+          </a:prstGeom>
+          <a:noFill/>
+          <a:ln w="0">
+            <a:noFill/>
+          </a:ln>
+        </p:spPr>
+        <p:txBody>
+          <a:bodyPr anchor="ctr">
+            <a:noAutofit/>
+          </a:bodyPr>
+          <a:p>
+            <a:pPr>
+              <a:lnSpc>
+                <a:spcPct val="90000"/>
+              </a:lnSpc>
+            </a:pPr>
+            <a:r>
+              <a:rPr b="0" lang="en-US" sz="4400" spc="-1" strike="noStrike">
+                <a:solidFill>
+                  <a:srgbClr val="000000"/>
+                </a:solidFill>
+                <a:latin typeface="Calibri Light"/>
+              </a:rPr>
+              <a:t>Click to edit Master title style</a:t>
+            </a:r>
+            <a:endParaRPr b="0" lang="en-US" sz="4400" spc="-1" strike="noStrike">
+              <a:solidFill>
+                <a:srgbClr val="000000"/>
+              </a:solidFill>
+              <a:latin typeface="Calibri"/>
+            </a:endParaRPr>
+          </a:p>
+        </p:txBody>
+      </p:sp>
+      <p:sp>
+        <p:nvSpPr>
+          <p:cNvPr id="1" name="PlaceHolder 2"/>
+          <p:cNvSpPr>
+            <a:spLocks noGrp="1"/>
+          </p:cNvSpPr>
+          <p:nvPr>
+            <p:ph type="body"/>
+          </p:nvPr>
+        </p:nvSpPr>
+        <p:spPr>
+          <a:xfrm>
+            <a:off x="838080" y="1825560"/>
+            <a:ext cx="10515240" cy="4350960"/>
+          </a:xfrm>
+          <a:prstGeom prst="rect">
+            <a:avLst/>
+          </a:prstGeom>
+          <a:noFill/>
+          <a:ln w="0">
+            <a:noFill/>
+          </a:ln>
+        </p:spPr>
+        <p:txBody>
+          <a:bodyPr anchor="t">
+            <a:noAutofit/>
+          </a:bodyPr>
+          <a:p>
+            <a:pPr marL="228600" indent="-228600">
+              <a:lnSpc>
+                <a:spcPct val="90000"/>
+              </a:lnSpc>
+              <a:spcBef>
+                <a:spcPts val="1001"/>
+              </a:spcBef>
+              <a:buClr>
+                <a:srgbClr val="000000"/>
+              </a:buClr>
+              <a:buFont typeface="Arial"/>
+              <a:buChar char="•"/>
+            </a:pPr>
+            <a:r>
+              <a:rPr b="0" lang="en-US" sz="2800" spc="-1" strike="noStrike">
+                <a:solidFill>
+                  <a:srgbClr val="000000"/>
+                </a:solidFill>
+                <a:latin typeface="Calibri"/>
+              </a:rPr>
+              <a:t>Click to edit Master text styles</a:t>
+            </a:r>
+            <a:endParaRPr b="0" lang="en-US" sz="2800" spc="-1" strike="noStrike">
+              <a:solidFill>
+                <a:srgbClr val="000000"/>
+              </a:solidFill>
+              <a:latin typeface="Calibri"/>
+            </a:endParaRPr>
+          </a:p>
+          <a:p>
+            <a:pPr lvl="1" marL="685800" indent="-228600">
+              <a:lnSpc>
+                <a:spcPct val="90000"/>
+              </a:lnSpc>
+              <a:spcBef>
+                <a:spcPts val="499"/>
+              </a:spcBef>
+              <a:buClr>
+                <a:srgbClr val="000000"/>
+              </a:buClr>
+              <a:buFont typeface="Arial"/>
+              <a:buChar char="•"/>
+            </a:pPr>
+            <a:r>
+              <a:rPr b="0" lang="en-US" sz="2400" spc="-1" strike="noStrike">
+                <a:solidFill>
+                  <a:srgbClr val="000000"/>
+                </a:solidFill>
+                <a:latin typeface="Calibri"/>
+              </a:rPr>
+              <a:t>Second level</a:t>
+            </a:r>
+            <a:endParaRPr b="0" lang="en-US" sz="2400" spc="-1" strike="noStrike">
+              <a:solidFill>
+                <a:srgbClr val="000000"/>
+              </a:solidFill>
+              <a:latin typeface="Calibri"/>
+            </a:endParaRPr>
+          </a:p>
+          <a:p>
+            <a:pPr lvl="2" marL="1143000" indent="-228600">
+              <a:lnSpc>
+                <a:spcPct val="90000"/>
+              </a:lnSpc>
+              <a:spcBef>
+                <a:spcPts val="499"/>
+              </a:spcBef>
+              <a:buClr>
+                <a:srgbClr val="000000"/>
+              </a:buClr>
+              <a:buFont typeface="Arial"/>
+              <a:buChar char="•"/>
+            </a:pPr>
+            <a:r>
+              <a:rPr b="0" lang="en-US" sz="2000" spc="-1" strike="noStrike">
+                <a:solidFill>
+                  <a:srgbClr val="000000"/>
+                </a:solidFill>
+                <a:latin typeface="Calibri"/>
+              </a:rPr>
+              <a:t>Third level</a:t>
+            </a:r>
+            <a:endParaRPr b="0" lang="en-US" sz="2000" spc="-1" strike="noStrike">
+              <a:solidFill>
+                <a:srgbClr val="000000"/>
+              </a:solidFill>
+              <a:latin typeface="Calibri"/>
+            </a:endParaRPr>
+          </a:p>
+          <a:p>
+            <a:pPr lvl="3" marL="1600200" indent="-228600">
+              <a:lnSpc>
+                <a:spcPct val="90000"/>
+              </a:lnSpc>
+              <a:spcBef>
+                <a:spcPts val="499"/>
+              </a:spcBef>
+              <a:buClr>
+                <a:srgbClr val="000000"/>
+              </a:buClr>
+              <a:buFont typeface="Arial"/>
+              <a:buChar char="•"/>
+            </a:pPr>
+            <a:r>
+              <a:rPr b="0" lang="en-US" sz="1800" spc="-1" strike="noStrike">
+                <a:solidFill>
+                  <a:srgbClr val="000000"/>
+                </a:solidFill>
+                <a:latin typeface="Calibri"/>
+              </a:rPr>
+              <a:t>Fourth level</a:t>
+            </a:r>
+            <a:endParaRPr b="0" lang="en-US" sz="1800" spc="-1" strike="noStrike">
+              <a:solidFill>
+                <a:srgbClr val="000000"/>
+              </a:solidFill>
+              <a:latin typeface="Calibri"/>
+            </a:endParaRPr>
+          </a:p>
+          <a:p>
+            <a:pPr lvl="4" marL="2057400" indent="-228600">
+              <a:lnSpc>
+                <a:spcPct val="90000"/>
+              </a:lnSpc>
+              <a:spcBef>
+                <a:spcPts val="499"/>
+              </a:spcBef>
+              <a:buClr>
+                <a:srgbClr val="000000"/>
+              </a:buClr>
+              <a:buFont typeface="Arial"/>
+              <a:buChar char="•"/>
+            </a:pPr>
+            <a:r>
+              <a:rPr b="0" lang="en-US" sz="1800" spc="-1" strike="noStrike">
+                <a:solidFill>
+                  <a:srgbClr val="000000"/>
+                </a:solidFill>
+                <a:latin typeface="Calibri"/>
+              </a:rPr>
+              <a:t>Fifth level</a:t>
+            </a:r>
+            <a:endParaRPr b="0" lang="en-US" sz="1800" spc="-1" strike="noStrike">
+              <a:solidFill>
+                <a:srgbClr val="000000"/>
+              </a:solidFill>
+              <a:latin typeface="Calibri"/>
+            </a:endParaRPr>
+          </a:p>
+        </p:txBody>
+      </p:sp>
+      <p:sp>
+        <p:nvSpPr>
+          <p:cNvPr id="2" name="PlaceHolder 3"/>
+          <p:cNvSpPr>
+            <a:spLocks noGrp="1"/>
+          </p:cNvSpPr>
+          <p:nvPr>
+            <p:ph type="dt"/>
+          </p:nvPr>
+        </p:nvSpPr>
+        <p:spPr>
+          <a:xfrm>
+            <a:off x="838080" y="6356520"/>
+            <a:ext cx="2742840" cy="364680"/>
+          </a:xfrm>
+          <a:prstGeom prst="rect">
+            <a:avLst/>
+          </a:prstGeom>
+          <a:noFill/>
+          <a:ln w="0">
+            <a:noFill/>
+          </a:ln>
+        </p:spPr>
+        <p:txBody>
+          <a:bodyPr anchor="ctr">
+            <a:noAutofit/>
+          </a:bodyPr>
+          <a:p>
+            <a:pPr>
+              <a:lnSpc>
+                <a:spcPct val="100000"/>
+              </a:lnSpc>
+            </a:pPr>
+            <a:fld id="{770E6D92-A747-44A2-A140-97DDB5423A6D}" type="datetime">
+              <a:rPr b="0" lang="en-US" sz="1200" spc="-1" strike="noStrike">
+                <a:solidFill>
+                  <a:srgbClr val="8b8b8b"/>
+                </a:solidFill>
+                <a:latin typeface="Calibri"/>
+              </a:rPr>
+              <a:t>1/7/22</a:t>
+            </a:fld>
+            <a:endParaRPr b="0" lang="fr-FR" sz="1200" spc="-1" strike="noStrike">
+              <a:latin typeface="Times New Roman"/>
+            </a:endParaRPr>
+          </a:p>
+        </p:txBody>
+      </p:sp>
+      <p:sp>
+        <p:nvSpPr>
+          <p:cNvPr id="3" name="PlaceHolder 4"/>
+          <p:cNvSpPr>
+            <a:spLocks noGrp="1"/>
+          </p:cNvSpPr>
+          <p:nvPr>
+            <p:ph type="ftr"/>
+          </p:nvPr>
+        </p:nvSpPr>
+        <p:spPr>
+          <a:xfrm>
+            <a:off x="4038480" y="6356520"/>
+            <a:ext cx="4114440" cy="364680"/>
+          </a:xfrm>
+          <a:prstGeom prst="rect">
+            <a:avLst/>
+          </a:prstGeom>
+          <a:noFill/>
+          <a:ln w="0">
+            <a:noFill/>
+          </a:ln>
+        </p:spPr>
+        <p:txBody>
+          <a:bodyPr anchor="ctr">
+            <a:noAutofit/>
+          </a:bodyPr>
+          <a:p>
+            <a:endParaRPr b="0" lang="fr-FR" sz="2400" spc="-1" strike="noStrike">
+              <a:latin typeface="Times New Roman"/>
+            </a:endParaRPr>
+          </a:p>
+        </p:txBody>
+      </p:sp>
+      <p:sp>
+        <p:nvSpPr>
+          <p:cNvPr id="4" name="PlaceHolder 5"/>
+          <p:cNvSpPr>
+            <a:spLocks noGrp="1"/>
+          </p:cNvSpPr>
+          <p:nvPr>
+            <p:ph type="sldNum"/>
+          </p:nvPr>
+        </p:nvSpPr>
+        <p:spPr>
+          <a:xfrm>
+            <a:off x="8610480" y="6356520"/>
+            <a:ext cx="2742840" cy="364680"/>
+          </a:xfrm>
+          <a:prstGeom prst="rect">
+            <a:avLst/>
+          </a:prstGeom>
+          <a:noFill/>
+          <a:ln w="0">
+            <a:noFill/>
+          </a:ln>
+        </p:spPr>
+        <p:txBody>
+          <a:bodyPr anchor="ctr">
+            <a:noAutofit/>
+          </a:bodyPr>
+          <a:p>
+            <a:pPr algn="r">
+              <a:lnSpc>
+                <a:spcPct val="100000"/>
+              </a:lnSpc>
+            </a:pPr>
+            <a:fld id="{C8EA5559-360D-4A40-9CD9-A96D1D44AF9B}" type="slidenum">
+              <a:rPr b="0" lang="en-US" sz="1200" spc="-1" strike="noStrike">
+                <a:solidFill>
+                  <a:srgbClr val="8b8b8b"/>
+                </a:solidFill>
+                <a:latin typeface="Calibri"/>
+              </a:rPr>
+              <a:t>&lt;number&gt;</a:t>
+            </a:fld>
+            <a:endParaRPr b="0" lang="fr-FR" sz="1200" spc="-1" strike="noStrike">
+              <a:latin typeface="Times New Roman"/>
+            </a:endParaRPr>
+          </a:p>
+        </p:txBody>
+      </p:sp>
+    </p:spTree>
+  </p:cSld>
+  <p:clrMap bg1="lt1" bg2="lt2" tx1="dk1" tx2="dk2" accent1="accent1" accent2="accent2" accent3="accent3" accent4="accent4" accent5="accent5" accent6="accent6" hlink="hlink" folHlink="folHlink"/>
+  <p:sldLayoutIdLst>
+    <p:sldLayoutId id="2147483649" r:id="rId2"/>
+    <p:sldLayoutId id="2147483650" r:id="rId3"/>
+    <p:sldLayoutId id="2147483651" r:id="rId4"/>
+    <p:sldLayoutId id="2147483652" r:id="rId5"/>
+    <p:sldLayoutId id="2147483653" r:id="rId6"/>
+    <p:sldLayoutId id="2147483654" r:id="rId7"/>
+    <p:sldLayoutId id="2147483655" r:id="rId8"/>
+    <p:sldLayoutId id="2147483656" r:id="rId9"/>
+    <p:sldLayoutId id="2147483657" r:id="rId10"/>
+    <p:sldLayoutId id="2147483658" r:id="rId11"/>
+    <p:sldLayoutId id="2147483659" r:id="rId12"/>
+    <p:sldLayoutId id="2147483660" r:id="rId13"/>
+  </p:sldLayoutIdLst>
+</p:sldMaster>
+</file>
+
+<file path=ppt/slides/slide1.xml><?xml version="1.0" encoding="utf-8"?>
+<p:sld xmlns:a="http://schemas.openxmlformats.org/drawingml/2006/main" xmlns:p="http://schemas.openxmlformats.org/presentationml/2006/main" xmlns:r="http://schemas.openxmlformats.org/officeDocument/2006/relationships" xmlns:p14="http://schemas.microsoft.com/office/powerpoint/2010/main" xmlns:p15="http://schemas.microsoft.com/office/powerpoint/2012/main" xmlns:mc="http://schemas.openxmlformats.org/markup-compatibility/2006">
+  <p:cSld>
+    <p:bg>
+      <p:bgPr>
+        <a:solidFill>
+          <a:srgbClr val="454545"/>
+        </a:solidFill>
+      </p:bgPr>
+    </p:bg>
+    <p:spTree>
+      <p:nvGrpSpPr>
+        <p:cNvPr id="1" name=""/>
+        <p:cNvGrpSpPr/>
+        <p:nvPr/>
+      </p:nvGrpSpPr>
+      <p:grpSpPr>
+        <a:xfrm>
+          <a:off x="0" y="0"/>
+          <a:ext cx="0" cy="0"/>
+          <a:chOff x="0" y="0"/>
+          <a:chExt cx="0" cy="0"/>
+        </a:xfrm>
+      </p:grpSpPr>
+      <p:sp>
+        <p:nvSpPr>
+          <p:cNvPr id="41" name="Freeform: Shape 14"/>
+          <p:cNvSpPr/>
+          <p:nvPr/>
+        </p:nvSpPr>
+        <p:spPr>
+          <a:xfrm>
+            <a:off x="1953720" y="0"/>
+            <a:ext cx="8283960" cy="6857640"/>
           </a:xfrm>
           <a:custGeom>
             <a:avLst/>
-            <a:gdLst>
-              <a:gd name="connsiteX0" fmla="*/ 1818109 w 8284464"/>
-              <a:gd name="connsiteY0" fmla="*/ 0 h 6858000"/>
-              <a:gd name="connsiteX1" fmla="*/ 6466355 w 8284464"/>
-              <a:gd name="connsiteY1" fmla="*/ 0 h 6858000"/>
-              <a:gd name="connsiteX2" fmla="*/ 6620596 w 8284464"/>
-              <a:gd name="connsiteY2" fmla="*/ 109683 h 6858000"/>
-              <a:gd name="connsiteX3" fmla="*/ 8284464 w 8284464"/>
-              <a:gd name="connsiteY3" fmla="*/ 3429000 h 6858000"/>
-              <a:gd name="connsiteX4" fmla="*/ 6620596 w 8284464"/>
-              <a:gd name="connsiteY4" fmla="*/ 6748318 h 6858000"/>
-              <a:gd name="connsiteX5" fmla="*/ 6466355 w 8284464"/>
-              <a:gd name="connsiteY5" fmla="*/ 6858000 h 6858000"/>
-              <a:gd name="connsiteX6" fmla="*/ 1818109 w 8284464"/>
-              <a:gd name="connsiteY6" fmla="*/ 6858000 h 6858000"/>
-              <a:gd name="connsiteX7" fmla="*/ 1663869 w 8284464"/>
-              <a:gd name="connsiteY7" fmla="*/ 6748318 h 6858000"/>
-              <a:gd name="connsiteX8" fmla="*/ 0 w 8284464"/>
-              <a:gd name="connsiteY8" fmla="*/ 3429000 h 6858000"/>
-              <a:gd name="connsiteX9" fmla="*/ 1663869 w 8284464"/>
-              <a:gd name="connsiteY9" fmla="*/ 109683 h 6858000"/>
-            </a:gdLst>
+            <a:gdLst/>
             <a:ahLst/>
-            <a:cxnLst>
-              <a:cxn ang="0">
-                <a:pos x="connsiteX0" y="connsiteY0"/>
-              </a:cxn>
-              <a:cxn ang="0">
-                <a:pos x="connsiteX1" y="connsiteY1"/>
-              </a:cxn>
-              <a:cxn ang="0">
-                <a:pos x="connsiteX2" y="connsiteY2"/>
-              </a:cxn>
-              <a:cxn ang="0">
-                <a:pos x="connsiteX3" y="connsiteY3"/>
-              </a:cxn>
-              <a:cxn ang="0">
-                <a:pos x="connsiteX4" y="connsiteY4"/>
-              </a:cxn>
-              <a:cxn ang="0">
-                <a:pos x="connsiteX5" y="connsiteY5"/>
-              </a:cxn>
-              <a:cxn ang="0">
-                <a:pos x="connsiteX6" y="connsiteY6"/>
-              </a:cxn>
-              <a:cxn ang="0">
-                <a:pos x="connsiteX7" y="connsiteY7"/>
-              </a:cxn>
-              <a:cxn ang="0">
-                <a:pos x="connsiteX8" y="connsiteY8"/>
-              </a:cxn>
-              <a:cxn ang="0">
-                <a:pos x="connsiteX9" y="connsiteY9"/>
-              </a:cxn>
-            </a:cxnLst>
             <a:rect l="l" t="t" r="r" b="b"/>
             <a:pathLst>
               <a:path w="8284464" h="6858000">
@@ -6106,7 +5101,7 @@
             </a:pathLst>
           </a:custGeom>
           <a:solidFill>
-            <a:srgbClr val="FFFFFF">
+            <a:srgbClr val="ffffff">
               <a:alpha val="80000"/>
             </a:srgbClr>
           </a:solidFill>
@@ -6126,106 +5121,24 @@
           <a:effectRef idx="0">
             <a:schemeClr val="accent1"/>
           </a:effectRef>
-          <a:fontRef idx="minor">
-            <a:schemeClr val="lt1"/>
-          </a:fontRef>
+          <a:fontRef idx="minor"/>
         </p:style>
-        <p:txBody>
-          <a:bodyPr wrap="square" rtlCol="0" anchor="ctr">
-            <a:noAutofit/>
-          </a:bodyPr>
-          <a:lstStyle/>
-          <a:p>
-            <a:pPr algn="ctr"/>
-            <a:endParaRPr lang="en-US"/>
-          </a:p>
-        </p:txBody>
       </p:sp>
       <p:sp>
         <p:nvSpPr>
-          <p:cNvPr id="13" name="Freeform: Shape 16">
-            <a:extLst>
-              <a:ext uri="{FF2B5EF4-FFF2-40B4-BE49-F238E27FC236}">
-                <a16:creationId xmlns:a16="http://schemas.microsoft.com/office/drawing/2014/main" id="{DF9AD32D-FF05-44F4-BD4D-9CEE89B71EB9}"/>
-              </a:ext>
-              <a:ext uri="{C183D7F6-B498-43B3-948B-1728B52AA6E4}">
-                <adec:decorative xmlns:adec="http://schemas.microsoft.com/office/drawing/2017/decorative" val="1"/>
-              </a:ext>
-            </a:extLst>
-          </p:cNvPr>
-          <p:cNvSpPr>
-            <a:spLocks noGrp="1" noRot="1" noChangeAspect="1" noMove="1" noResize="1" noEditPoints="1" noAdjustHandles="1" noChangeArrowheads="1" noChangeShapeType="1" noTextEdit="1"/>
-          </p:cNvSpPr>
-          <p:nvPr>
-            <p:extLst>
-              <p:ext uri="{386F3935-93C4-4BCD-93E2-E3B085C9AB24}">
-                <p16:designElem xmlns:p16="http://schemas.microsoft.com/office/powerpoint/2015/main" val="1"/>
-              </p:ext>
-            </p:extLst>
-          </p:nvPr>
+          <p:cNvPr id="42" name="Freeform: Shape 16"/>
+          <p:cNvSpPr/>
+          <p:nvPr/>
         </p:nvSpPr>
         <p:spPr>
           <a:xfrm>
-            <a:off x="2118360" y="0"/>
-            <a:ext cx="7955280" cy="6858000"/>
+            <a:off x="2118240" y="0"/>
+            <a:ext cx="7954920" cy="6857640"/>
           </a:xfrm>
           <a:custGeom>
             <a:avLst/>
-            <a:gdLst>
-              <a:gd name="connsiteX0" fmla="*/ 1962423 w 7955280"/>
-              <a:gd name="connsiteY0" fmla="*/ 0 h 6858000"/>
-              <a:gd name="connsiteX1" fmla="*/ 5992858 w 7955280"/>
-              <a:gd name="connsiteY1" fmla="*/ 0 h 6858000"/>
-              <a:gd name="connsiteX2" fmla="*/ 6040191 w 7955280"/>
-              <a:gd name="connsiteY2" fmla="*/ 27216 h 6858000"/>
-              <a:gd name="connsiteX3" fmla="*/ 7955280 w 7955280"/>
-              <a:gd name="connsiteY3" fmla="*/ 3429000 h 6858000"/>
-              <a:gd name="connsiteX4" fmla="*/ 6040191 w 7955280"/>
-              <a:gd name="connsiteY4" fmla="*/ 6830784 h 6858000"/>
-              <a:gd name="connsiteX5" fmla="*/ 5992858 w 7955280"/>
-              <a:gd name="connsiteY5" fmla="*/ 6858000 h 6858000"/>
-              <a:gd name="connsiteX6" fmla="*/ 1962423 w 7955280"/>
-              <a:gd name="connsiteY6" fmla="*/ 6858000 h 6858000"/>
-              <a:gd name="connsiteX7" fmla="*/ 1915089 w 7955280"/>
-              <a:gd name="connsiteY7" fmla="*/ 6830784 h 6858000"/>
-              <a:gd name="connsiteX8" fmla="*/ 0 w 7955280"/>
-              <a:gd name="connsiteY8" fmla="*/ 3429000 h 6858000"/>
-              <a:gd name="connsiteX9" fmla="*/ 1915089 w 7955280"/>
-              <a:gd name="connsiteY9" fmla="*/ 27216 h 6858000"/>
-            </a:gdLst>
+            <a:gdLst/>
             <a:ahLst/>
-            <a:cxnLst>
-              <a:cxn ang="0">
-                <a:pos x="connsiteX0" y="connsiteY0"/>
-              </a:cxn>
-              <a:cxn ang="0">
-                <a:pos x="connsiteX1" y="connsiteY1"/>
-              </a:cxn>
-              <a:cxn ang="0">
-                <a:pos x="connsiteX2" y="connsiteY2"/>
-              </a:cxn>
-              <a:cxn ang="0">
-                <a:pos x="connsiteX3" y="connsiteY3"/>
-              </a:cxn>
-              <a:cxn ang="0">
-                <a:pos x="connsiteX4" y="connsiteY4"/>
-              </a:cxn>
-              <a:cxn ang="0">
-                <a:pos x="connsiteX5" y="connsiteY5"/>
-              </a:cxn>
-              <a:cxn ang="0">
-                <a:pos x="connsiteX6" y="connsiteY6"/>
-              </a:cxn>
-              <a:cxn ang="0">
-                <a:pos x="connsiteX7" y="connsiteY7"/>
-              </a:cxn>
-              <a:cxn ang="0">
-                <a:pos x="connsiteX8" y="connsiteY8"/>
-              </a:cxn>
-              <a:cxn ang="0">
-                <a:pos x="connsiteX9" y="connsiteY9"/>
-              </a:cxn>
-            </a:cxnLst>
             <a:rect l="l" t="t" r="r" b="b"/>
             <a:pathLst>
               <a:path w="7955280" h="6858000">
@@ -6290,30 +5203,12 @@
           <a:effectRef idx="0">
             <a:schemeClr val="accent1"/>
           </a:effectRef>
-          <a:fontRef idx="minor">
-            <a:schemeClr val="lt1"/>
-          </a:fontRef>
+          <a:fontRef idx="minor"/>
         </p:style>
-        <p:txBody>
-          <a:bodyPr wrap="square" rtlCol="0" anchor="ctr">
-            <a:noAutofit/>
-          </a:bodyPr>
-          <a:lstStyle/>
-          <a:p>
-            <a:pPr algn="ctr"/>
-            <a:endParaRPr lang="en-US"/>
-          </a:p>
-        </p:txBody>
       </p:sp>
       <p:sp>
         <p:nvSpPr>
-          <p:cNvPr id="2" name="Title 1">
-            <a:extLst>
-              <a:ext uri="{FF2B5EF4-FFF2-40B4-BE49-F238E27FC236}">
-                <a16:creationId xmlns:a16="http://schemas.microsoft.com/office/drawing/2014/main" id="{ED334FD7-58E3-432F-9A2E-D17E17A7FEB2}"/>
-              </a:ext>
-            </a:extLst>
-          </p:cNvPr>
+          <p:cNvPr id="43" name="PlaceHolder 1"/>
           <p:cNvSpPr>
             <a:spLocks noGrp="1"/>
           </p:cNvSpPr>
@@ -6323,57 +5218,135 @@
         </p:nvSpPr>
         <p:spPr>
           <a:xfrm>
-            <a:off x="2555631" y="1441938"/>
-            <a:ext cx="7080738" cy="3974124"/>
+            <a:off x="2555640" y="1441800"/>
+            <a:ext cx="7080480" cy="3973680"/>
           </a:xfrm>
+          <a:prstGeom prst="rect">
+            <a:avLst/>
+          </a:prstGeom>
+          <a:noFill/>
+          <a:ln w="0">
+            <a:noFill/>
+          </a:ln>
         </p:spPr>
         <p:txBody>
-          <a:bodyPr vert="horz" lIns="91440" tIns="45720" rIns="91440" bIns="45720" rtlCol="0" anchor="ctr">
+          <a:bodyPr anchor="ctr">
             <a:normAutofit/>
           </a:bodyPr>
-          <a:lstStyle/>
           <a:p>
-            <a:pPr algn="ctr"/>
+            <a:pPr algn="ctr">
+              <a:lnSpc>
+                <a:spcPct val="90000"/>
+              </a:lnSpc>
+            </a:pPr>
             <a:r>
-              <a:rPr lang="en-US" sz="5400" b="1">
+              <a:rPr b="1" lang="en-US" sz="5400" spc="-1" strike="noStrike">
                 <a:solidFill>
-                  <a:schemeClr val="bg1">
-                    <a:lumMod val="95000"/>
-                    <a:lumOff val="5000"/>
-                  </a:schemeClr>
+                  <a:srgbClr val="0d0d0d"/>
                 </a:solidFill>
+                <a:latin typeface="Calibri Light"/>
               </a:rPr>
               <a:t>Internet of things</a:t>
             </a:r>
+            <a:endParaRPr b="0" lang="en-US" sz="5400" spc="-1" strike="noStrike">
+              <a:solidFill>
+                <a:srgbClr val="000000"/>
+              </a:solidFill>
+              <a:latin typeface="Calibri"/>
+            </a:endParaRPr>
           </a:p>
         </p:txBody>
       </p:sp>
     </p:spTree>
-    <p:extLst>
-      <p:ext uri="{BB962C8B-B14F-4D97-AF65-F5344CB8AC3E}">
-        <p14:creationId xmlns:p14="http://schemas.microsoft.com/office/powerpoint/2010/main" val="2980034862"/>
-      </p:ext>
-    </p:extLst>
   </p:cSld>
-  <p:clrMapOvr>
-    <a:overrideClrMapping bg1="dk1" tx1="lt1" bg2="dk2" tx2="lt2" accent1="accent1" accent2="accent2" accent3="accent3" accent4="accent4" accent5="accent5" accent6="accent6" hlink="hlink" folHlink="folHlink"/>
-  </p:clrMapOvr>
+  <mc:AlternateContent>
+    <mc:Choice Requires="p14">
+      <p:transition spd="slow" p14:dur="2000"/>
+    </mc:Choice>
+    <mc:Fallback>
+      <p:transition spd="slow"/>
+    </mc:Fallback>
+  </mc:AlternateContent>
   <p:timing>
     <p:tnLst>
       <p:par>
         <p:cTn id="1" dur="indefinite" restart="never" nodeType="tmRoot">
           <p:childTnLst>
-            <p:seq concurrent="1" nextAc="seek">
-              <p:cTn id="2" dur="indefinite" nodeType="mainSeq"/>
+            <p:seq>
+              <p:cTn id="2" dur="indefinite" nodeType="mainSeq">
+                <p:childTnLst>
+                  <p:par>
+                    <p:cTn id="3" fill="hold">
+                      <p:stCondLst>
+                        <p:cond delay="indefinite"/>
+                      </p:stCondLst>
+                      <p:childTnLst>
+                        <p:par>
+                          <p:cTn id="4" fill="hold">
+                            <p:stCondLst>
+                              <p:cond delay="0"/>
+                            </p:stCondLst>
+                            <p:childTnLst>
+                              <p:par>
+                                <p:cTn id="5" nodeType="clickEffect" fill="hold" presetClass="entr" presetID="10">
+                                  <p:stCondLst>
+                                    <p:cond delay="0"/>
+                                  </p:stCondLst>
+                                  <p:childTnLst>
+                                    <p:set>
+                                      <p:cBhvr>
+                                        <p:cTn id="6" dur="0" fill="hold">
+                                          <p:stCondLst>
+                                            <p:cond delay="0"/>
+                                          </p:stCondLst>
+                                        </p:cTn>
+                                        <p:tgtEl>
+                                          <p:spTgt spid="43">
+                                            <p:txEl>
+                                              <p:pRg st="0" end="0"/>
+                                            </p:txEl>
+                                          </p:spTgt>
+                                        </p:tgtEl>
+                                        <p:attrNameLst>
+                                          <p:attrName>style.visibility</p:attrName>
+                                        </p:attrNameLst>
+                                      </p:cBhvr>
+                                      <p:to>
+                                        <p:strVal val="visible"/>
+                                      </p:to>
+                                    </p:set>
+                                    <p:animEffect filter="fade" transition="in">
+                                      <p:cBhvr additive="repl">
+                                        <p:cTn id="7" dur="1000"/>
+                                        <p:tgtEl>
+                                          <p:spTgt spid="43">
+                                            <p:txEl>
+                                              <p:pRg st="0" end="0"/>
+                                            </p:txEl>
+                                          </p:spTgt>
+                                        </p:tgtEl>
+                                      </p:cBhvr>
+                                    </p:animEffect>
+                                  </p:childTnLst>
+                                </p:cTn>
+                              </p:par>
+                            </p:childTnLst>
+                          </p:cTn>
+                        </p:par>
+                      </p:childTnLst>
+                    </p:cTn>
+                  </p:par>
+                </p:childTnLst>
+              </p:cTn>
               <p:prevCondLst>
-                <p:cond evt="onPrev" delay="0">
+                <p:cond evt="onPrev">
                   <p:tgtEl>
                     <p:sldTgt/>
                   </p:tgtEl>
                 </p:cond>
               </p:prevCondLst>
               <p:nextCondLst>
-                <p:cond evt="onNext" delay="0">
+                <p:cond evt="onNext">
                   <p:tgtEl>
                     <p:sldTgt/>
                   </p:tgtEl>
@@ -6389,17 +5362,13 @@
 </file>
 
 <file path=ppt/slides/slide2.xml><?xml version="1.0" encoding="utf-8"?>
-<p:sld xmlns:a="http://schemas.openxmlformats.org/drawingml/2006/main" xmlns:r="http://schemas.openxmlformats.org/officeDocument/2006/relationships" xmlns:p="http://schemas.openxmlformats.org/presentationml/2006/main">
+<p:sld xmlns:a="http://schemas.openxmlformats.org/drawingml/2006/main" xmlns:p="http://schemas.openxmlformats.org/presentationml/2006/main" xmlns:r="http://schemas.openxmlformats.org/officeDocument/2006/relationships" xmlns:p14="http://schemas.microsoft.com/office/powerpoint/2010/main" xmlns:p15="http://schemas.microsoft.com/office/powerpoint/2012/main" xmlns:mc="http://schemas.openxmlformats.org/markup-compatibility/2006">
   <p:cSld>
     <p:bg>
       <p:bgPr>
         <a:solidFill>
-          <a:schemeClr val="bg1">
-            <a:tint val="95000"/>
-            <a:satMod val="170000"/>
-          </a:schemeClr>
+          <a:srgbClr val="454545"/>
         </a:solidFill>
-        <a:effectLst/>
       </p:bgPr>
     </p:bg>
     <p:spTree>
@@ -6418,74 +5387,19 @@
       </p:grpSpPr>
       <p:sp>
         <p:nvSpPr>
-          <p:cNvPr id="22" name="Freeform: Shape 21">
-            <a:extLst>
-              <a:ext uri="{FF2B5EF4-FFF2-40B4-BE49-F238E27FC236}">
-                <a16:creationId xmlns:a16="http://schemas.microsoft.com/office/drawing/2014/main" id="{E49CC64F-7275-4E33-961B-0C5CDC439875}"/>
-              </a:ext>
-              <a:ext uri="{C183D7F6-B498-43B3-948B-1728B52AA6E4}">
-                <adec:decorative xmlns:adec="http://schemas.microsoft.com/office/drawing/2017/decorative" val="1"/>
-              </a:ext>
-            </a:extLst>
-          </p:cNvPr>
-          <p:cNvSpPr>
-            <a:spLocks noGrp="1" noRot="1" noChangeAspect="1" noMove="1" noResize="1" noEditPoints="1" noAdjustHandles="1" noChangeArrowheads="1" noChangeShapeType="1" noTextEdit="1"/>
-          </p:cNvSpPr>
-          <p:nvPr>
-            <p:extLst>
-              <p:ext uri="{386F3935-93C4-4BCD-93E2-E3B085C9AB24}">
-                <p16:designElem xmlns:p16="http://schemas.microsoft.com/office/powerpoint/2015/main" val="1"/>
-              </p:ext>
-            </p:extLst>
-          </p:nvPr>
+          <p:cNvPr id="44" name="Freeform: Shape 21"/>
+          <p:cNvSpPr/>
+          <p:nvPr/>
         </p:nvSpPr>
         <p:spPr>
           <a:xfrm flipH="1" flipV="1">
-            <a:off x="1" y="0"/>
-            <a:ext cx="7188051" cy="6858000"/>
+            <a:off x="0" y="-360"/>
+            <a:ext cx="7187760" cy="6857640"/>
           </a:xfrm>
           <a:custGeom>
             <a:avLst/>
-            <a:gdLst>
-              <a:gd name="connsiteX0" fmla="*/ 7188051 w 7188051"/>
-              <a:gd name="connsiteY0" fmla="*/ 6858000 h 6858000"/>
-              <a:gd name="connsiteX1" fmla="*/ 108694 w 7188051"/>
-              <a:gd name="connsiteY1" fmla="*/ 6858000 h 6858000"/>
-              <a:gd name="connsiteX2" fmla="*/ 79127 w 7188051"/>
-              <a:gd name="connsiteY2" fmla="*/ 6681235 h 6858000"/>
-              <a:gd name="connsiteX3" fmla="*/ 0 w 7188051"/>
-              <a:gd name="connsiteY3" fmla="*/ 5565888 h 6858000"/>
-              <a:gd name="connsiteX4" fmla="*/ 2190696 w 7188051"/>
-              <a:gd name="connsiteY4" fmla="*/ 145339 h 6858000"/>
-              <a:gd name="connsiteX5" fmla="*/ 2339431 w 7188051"/>
-              <a:gd name="connsiteY5" fmla="*/ 0 h 6858000"/>
-              <a:gd name="connsiteX6" fmla="*/ 7188051 w 7188051"/>
-              <a:gd name="connsiteY6" fmla="*/ 0 h 6858000"/>
-            </a:gdLst>
+            <a:gdLst/>
             <a:ahLst/>
-            <a:cxnLst>
-              <a:cxn ang="0">
-                <a:pos x="connsiteX0" y="connsiteY0"/>
-              </a:cxn>
-              <a:cxn ang="0">
-                <a:pos x="connsiteX1" y="connsiteY1"/>
-              </a:cxn>
-              <a:cxn ang="0">
-                <a:pos x="connsiteX2" y="connsiteY2"/>
-              </a:cxn>
-              <a:cxn ang="0">
-                <a:pos x="connsiteX3" y="connsiteY3"/>
-              </a:cxn>
-              <a:cxn ang="0">
-                <a:pos x="connsiteX4" y="connsiteY4"/>
-              </a:cxn>
-              <a:cxn ang="0">
-                <a:pos x="connsiteX5" y="connsiteY5"/>
-              </a:cxn>
-              <a:cxn ang="0">
-                <a:pos x="connsiteX6" y="connsiteY6"/>
-              </a:cxn>
-            </a:cxnLst>
             <a:rect l="l" t="t" r="r" b="b"/>
             <a:pathLst>
               <a:path w="7188051" h="6858000">
@@ -6539,50 +5453,24 @@
           <a:effectRef idx="0">
             <a:schemeClr val="accent1"/>
           </a:effectRef>
-          <a:fontRef idx="minor">
-            <a:schemeClr val="lt1"/>
-          </a:fontRef>
+          <a:fontRef idx="minor"/>
         </p:style>
-        <p:txBody>
-          <a:bodyPr wrap="square" rtlCol="0" anchor="ctr">
-            <a:noAutofit/>
-          </a:bodyPr>
-          <a:lstStyle/>
-          <a:p>
-            <a:pPr algn="ctr"/>
-            <a:endParaRPr lang="en-US"/>
-          </a:p>
-        </p:txBody>
       </p:sp>
-      <p:pic>
-        <p:nvPicPr>
-          <p:cNvPr id="5" name="Picture 5">
-            <a:extLst>
-              <a:ext uri="{FF2B5EF4-FFF2-40B4-BE49-F238E27FC236}">
-                <a16:creationId xmlns:a16="http://schemas.microsoft.com/office/drawing/2014/main" id="{816A5BE8-1563-4300-857C-EC9246B8FA7E}"/>
-              </a:ext>
-            </a:extLst>
-          </p:cNvPr>
-          <p:cNvPicPr>
-            <a:picLocks noChangeAspect="1"/>
-          </p:cNvPicPr>
+      <p:sp>
+        <p:nvSpPr>
+          <p:cNvPr id="45" name="Picture 5"/>
+          <p:cNvSpPr/>
           <p:nvPr/>
-        </p:nvPicPr>
-        <p:blipFill rotWithShape="1">
-          <a:blip r:embed="rId2"/>
-          <a:srcRect l="15304" r="13981" b="1"/>
-          <a:stretch/>
-        </p:blipFill>
+        </p:nvSpPr>
         <p:spPr>
           <a:xfrm>
-            <a:off x="1" y="10"/>
-            <a:ext cx="7028495" cy="6857990"/>
+            <a:off x="0" y="0"/>
+            <a:ext cx="7028280" cy="6857640"/>
           </a:xfrm>
           <a:custGeom>
             <a:avLst/>
             <a:gdLst/>
             <a:ahLst/>
-            <a:cxnLst/>
             <a:rect l="l" t="t" r="r" b="b"/>
             <a:pathLst>
               <a:path w="7028495" h="6858000">
@@ -6615,100 +5503,113 @@
               </a:path>
             </a:pathLst>
           </a:custGeom>
+          <a:blipFill rotWithShape="0">
+            <a:blip r:embed="rId1"/>
+            <a:srcRect/>
+            <a:stretch/>
+          </a:blipFill>
+          <a:ln w="0">
+            <a:noFill/>
+          </a:ln>
         </p:spPr>
-      </p:pic>
+        <p:style>
+          <a:lnRef idx="0"/>
+          <a:fillRef idx="0"/>
+          <a:effectRef idx="0"/>
+          <a:fontRef idx="minor"/>
+        </p:style>
+      </p:sp>
       <p:sp>
         <p:nvSpPr>
-          <p:cNvPr id="6" name="TextBox 5">
-            <a:extLst>
-              <a:ext uri="{FF2B5EF4-FFF2-40B4-BE49-F238E27FC236}">
-                <a16:creationId xmlns:a16="http://schemas.microsoft.com/office/drawing/2014/main" id="{BD5F5C97-C47D-4FE4-8EED-27E9E5C666C9}"/>
-              </a:ext>
-            </a:extLst>
-          </p:cNvPr>
-          <p:cNvSpPr txBox="1"/>
+          <p:cNvPr id="46" name="TextBox 5"/>
+          <p:cNvSpPr/>
           <p:nvPr/>
         </p:nvSpPr>
         <p:spPr>
           <a:xfrm>
-            <a:off x="7437865" y="1871546"/>
-            <a:ext cx="4425174" cy="3108543"/>
+            <a:off x="7437960" y="1871640"/>
+            <a:ext cx="4424760" cy="3502080"/>
           </a:xfrm>
           <a:prstGeom prst="rect">
             <a:avLst/>
           </a:prstGeom>
           <a:noFill/>
+          <a:ln w="0">
+            <a:noFill/>
+          </a:ln>
         </p:spPr>
+        <p:style>
+          <a:lnRef idx="0"/>
+          <a:fillRef idx="0"/>
+          <a:effectRef idx="0"/>
+          <a:fontRef idx="minor"/>
+        </p:style>
         <p:txBody>
-          <a:bodyPr rot="0" spcFirstLastPara="0" vertOverflow="overflow" horzOverflow="overflow" vert="horz" wrap="square" lIns="91440" tIns="45720" rIns="91440" bIns="45720" numCol="1" spcCol="0" rtlCol="0" fromWordArt="0" anchor="t" anchorCtr="0" forceAA="0" compatLnSpc="1">
-            <a:prstTxWarp prst="textNoShape">
-              <a:avLst/>
-            </a:prstTxWarp>
+          <a:bodyPr numCol="1" spcCol="0" horzOverflow="overflow" vertOverflow="overflow" anchor="t">
             <a:spAutoFit/>
           </a:bodyPr>
-          <a:lstStyle/>
           <a:p>
+            <a:pPr>
+              <a:lnSpc>
+                <a:spcPct val="100000"/>
+              </a:lnSpc>
+            </a:pPr>
             <a:r>
-              <a:rPr lang="en-US" sz="2800" dirty="0">
-                <a:ea typeface="+mn-lt"/>
-                <a:cs typeface="+mn-lt"/>
+              <a:rPr b="0" lang="en-US" sz="2800" spc="-1" strike="noStrike">
+                <a:solidFill>
+                  <a:srgbClr val="ffffff"/>
+                </a:solidFill>
+                <a:latin typeface="Calibri"/>
+                <a:ea typeface="Calibri"/>
               </a:rPr>
               <a:t>the networking capability that allows information to be sent to and received from objects and devices (such as fixtures and kitchen appliances) using the Internet</a:t>
             </a:r>
-            <a:endParaRPr lang="en-US" sz="2800">
-              <a:cs typeface="Calibri"/>
+            <a:endParaRPr b="0" lang="fr-FR" sz="2800" spc="-1" strike="noStrike">
+              <a:latin typeface="Arial"/>
             </a:endParaRPr>
           </a:p>
         </p:txBody>
       </p:sp>
     </p:spTree>
-    <p:extLst>
-      <p:ext uri="{BB962C8B-B14F-4D97-AF65-F5344CB8AC3E}">
-        <p14:creationId xmlns:p14="http://schemas.microsoft.com/office/powerpoint/2010/main" val="991355885"/>
-      </p:ext>
-    </p:extLst>
   </p:cSld>
-  <p:clrMapOvr>
-    <a:overrideClrMapping bg1="dk1" tx1="lt1" bg2="dk2" tx2="lt2" accent1="accent1" accent2="accent2" accent3="accent3" accent4="accent4" accent5="accent5" accent6="accent6" hlink="hlink" folHlink="folHlink"/>
-  </p:clrMapOvr>
   <p:transition spd="slow">
     <p:push dir="u"/>
   </p:transition>
   <p:timing>
     <p:tnLst>
       <p:par>
-        <p:cTn id="1" dur="indefinite" restart="never" nodeType="tmRoot">
+        <p:cTn id="8" dur="indefinite" restart="never" nodeType="tmRoot">
           <p:childTnLst>
-            <p:seq concurrent="1" nextAc="seek">
-              <p:cTn id="2" dur="indefinite" nodeType="mainSeq">
+            <p:seq>
+              <p:cTn id="9" dur="indefinite" nodeType="mainSeq">
                 <p:childTnLst>
                   <p:par>
-                    <p:cTn id="3" fill="hold">
+                    <p:cTn id="10" fill="hold">
                       <p:stCondLst>
                         <p:cond delay="indefinite"/>
                       </p:stCondLst>
                       <p:childTnLst>
                         <p:par>
-                          <p:cTn id="4" fill="hold">
+                          <p:cTn id="11" fill="hold">
                             <p:stCondLst>
                               <p:cond delay="0"/>
                             </p:stCondLst>
                             <p:childTnLst>
                               <p:par>
-                                <p:cTn id="5" presetID="2" presetClass="entr" presetSubtype="4" fill="hold" grpId="0" nodeType="clickEffect">
+                                <p:cTn id="12" nodeType="clickEffect" fill="hold" presetClass="entr" presetID="2" presetSubtype="4">
                                   <p:stCondLst>
                                     <p:cond delay="0"/>
                                   </p:stCondLst>
                                   <p:childTnLst>
                                     <p:set>
                                       <p:cBhvr>
-                                        <p:cTn id="6" dur="1" fill="hold">
+                                        <p:cTn id="13" dur="1" fill="hold">
                                           <p:stCondLst>
                                             <p:cond delay="0"/>
                                           </p:stCondLst>
                                         </p:cTn>
                                         <p:tgtEl>
-                                          <p:spTgt spid="6"/>
+                                          <p:spTgt spid="46"/>
                                         </p:tgtEl>
                                         <p:attrNameLst>
                                           <p:attrName>style.visibility</p:attrName>
@@ -6719,10 +5620,10 @@
                                       </p:to>
                                     </p:set>
                                     <p:anim calcmode="lin" valueType="num">
-                                      <p:cBhvr additive="base">
-                                        <p:cTn id="7" dur="500" fill="hold"/>
+                                      <p:cBhvr additive="repl">
+                                        <p:cTn id="14" dur="500" fill="hold"/>
                                         <p:tgtEl>
-                                          <p:spTgt spid="6"/>
+                                          <p:spTgt spid="46"/>
                                         </p:tgtEl>
                                         <p:attrNameLst>
                                           <p:attrName>ppt_x</p:attrName>
@@ -6742,10 +5643,10 @@
                                       </p:tavLst>
                                     </p:anim>
                                     <p:anim calcmode="lin" valueType="num">
-                                      <p:cBhvr additive="base">
-                                        <p:cTn id="8" dur="500" fill="hold"/>
+                                      <p:cBhvr additive="repl">
+                                        <p:cTn id="15" dur="500" fill="hold"/>
                                         <p:tgtEl>
-                                          <p:spTgt spid="6"/>
+                                          <p:spTgt spid="46"/>
                                         </p:tgtEl>
                                         <p:attrNameLst>
                                           <p:attrName>ppt_y</p:attrName>
@@ -6776,14 +5677,14 @@
                 </p:childTnLst>
               </p:cTn>
               <p:prevCondLst>
-                <p:cond evt="onPrev" delay="0">
+                <p:cond evt="onPrev">
                   <p:tgtEl>
                     <p:sldTgt/>
                   </p:tgtEl>
                 </p:cond>
               </p:prevCondLst>
               <p:nextCondLst>
-                <p:cond evt="onNext" delay="0">
+                <p:cond evt="onNext">
                   <p:tgtEl>
                     <p:sldTgt/>
                   </p:tgtEl>
@@ -6794,22 +5695,18 @@
         </p:cTn>
       </p:par>
     </p:tnLst>
-    <p:bldLst>
-      <p:bldP spid="6" grpId="0"/>
-    </p:bldLst>
   </p:timing>
 </p:sld>
 </file>
 
 <file path=ppt/slides/slide3.xml><?xml version="1.0" encoding="utf-8"?>
-<p:sld xmlns:a="http://schemas.openxmlformats.org/drawingml/2006/main" xmlns:r="http://schemas.openxmlformats.org/officeDocument/2006/relationships" xmlns:p="http://schemas.openxmlformats.org/presentationml/2006/main">
+<p:sld xmlns:a="http://schemas.openxmlformats.org/drawingml/2006/main" xmlns:p="http://schemas.openxmlformats.org/presentationml/2006/main" xmlns:r="http://schemas.openxmlformats.org/officeDocument/2006/relationships" xmlns:p14="http://schemas.microsoft.com/office/powerpoint/2010/main" xmlns:p15="http://schemas.microsoft.com/office/powerpoint/2012/main" xmlns:mc="http://schemas.openxmlformats.org/markup-compatibility/2006">
   <p:cSld>
     <p:bg>
       <p:bgPr>
         <a:solidFill>
-          <a:schemeClr val="bg1"/>
+          <a:srgbClr val="ffffff"/>
         </a:solidFill>
-        <a:effectLst/>
       </p:bgPr>
     </p:bg>
     <p:spTree>
@@ -6828,89 +5725,19 @@
       </p:grpSpPr>
       <p:sp>
         <p:nvSpPr>
-          <p:cNvPr id="33" name="Freeform: Shape 32">
-            <a:extLst>
-              <a:ext uri="{FF2B5EF4-FFF2-40B4-BE49-F238E27FC236}">
-                <a16:creationId xmlns:a16="http://schemas.microsoft.com/office/drawing/2014/main" id="{42285737-90EE-47DC-AC80-8AE156B11969}"/>
-              </a:ext>
-              <a:ext uri="{C183D7F6-B498-43B3-948B-1728B52AA6E4}">
-                <adec:decorative xmlns:adec="http://schemas.microsoft.com/office/drawing/2017/decorative" val="1"/>
-              </a:ext>
-            </a:extLst>
-          </p:cNvPr>
-          <p:cNvSpPr>
-            <a:spLocks noGrp="1" noRot="1" noChangeAspect="1" noMove="1" noResize="1" noEditPoints="1" noAdjustHandles="1" noChangeArrowheads="1" noChangeShapeType="1" noTextEdit="1"/>
-          </p:cNvSpPr>
-          <p:nvPr>
-            <p:extLst>
-              <p:ext uri="{386F3935-93C4-4BCD-93E2-E3B085C9AB24}">
-                <p16:designElem xmlns:p16="http://schemas.microsoft.com/office/powerpoint/2015/main" val="1"/>
-              </p:ext>
-            </p:extLst>
-          </p:nvPr>
+          <p:cNvPr id="47" name="Freeform: Shape 32"/>
+          <p:cNvSpPr/>
+          <p:nvPr/>
         </p:nvSpPr>
         <p:spPr>
           <a:xfrm flipV="1">
-            <a:off x="-1" y="-1"/>
-            <a:ext cx="4403709" cy="6858001"/>
+            <a:off x="0" y="-720"/>
+            <a:ext cx="4403520" cy="6857640"/>
           </a:xfrm>
           <a:custGeom>
             <a:avLst/>
-            <a:gdLst>
-              <a:gd name="connsiteX0" fmla="*/ 3223890 w 4403709"/>
-              <a:gd name="connsiteY0" fmla="*/ 6858001 h 6858001"/>
-              <a:gd name="connsiteX1" fmla="*/ 4101908 w 4403709"/>
-              <a:gd name="connsiteY1" fmla="*/ 6858001 h 6858001"/>
-              <a:gd name="connsiteX2" fmla="*/ 3254950 w 4403709"/>
-              <a:gd name="connsiteY2" fmla="*/ 1599356 h 6858001"/>
-              <a:gd name="connsiteX3" fmla="*/ 3254950 w 4403709"/>
-              <a:gd name="connsiteY3" fmla="*/ 1594062 h 6858001"/>
-              <a:gd name="connsiteX4" fmla="*/ 4403709 w 4403709"/>
-              <a:gd name="connsiteY4" fmla="*/ 0 h 6858001"/>
-              <a:gd name="connsiteX5" fmla="*/ 3254950 w 4403709"/>
-              <a:gd name="connsiteY5" fmla="*/ 0 h 6858001"/>
-              <a:gd name="connsiteX6" fmla="*/ 2903520 w 4403709"/>
-              <a:gd name="connsiteY6" fmla="*/ 0 h 6858001"/>
-              <a:gd name="connsiteX7" fmla="*/ 0 w 4403709"/>
-              <a:gd name="connsiteY7" fmla="*/ 0 h 6858001"/>
-              <a:gd name="connsiteX8" fmla="*/ 0 w 4403709"/>
-              <a:gd name="connsiteY8" fmla="*/ 6858000 h 6858001"/>
-              <a:gd name="connsiteX9" fmla="*/ 3223890 w 4403709"/>
-              <a:gd name="connsiteY9" fmla="*/ 6858000 h 6858001"/>
-            </a:gdLst>
+            <a:gdLst/>
             <a:ahLst/>
-            <a:cxnLst>
-              <a:cxn ang="0">
-                <a:pos x="connsiteX0" y="connsiteY0"/>
-              </a:cxn>
-              <a:cxn ang="0">
-                <a:pos x="connsiteX1" y="connsiteY1"/>
-              </a:cxn>
-              <a:cxn ang="0">
-                <a:pos x="connsiteX2" y="connsiteY2"/>
-              </a:cxn>
-              <a:cxn ang="0">
-                <a:pos x="connsiteX3" y="connsiteY3"/>
-              </a:cxn>
-              <a:cxn ang="0">
-                <a:pos x="connsiteX4" y="connsiteY4"/>
-              </a:cxn>
-              <a:cxn ang="0">
-                <a:pos x="connsiteX5" y="connsiteY5"/>
-              </a:cxn>
-              <a:cxn ang="0">
-                <a:pos x="connsiteX6" y="connsiteY6"/>
-              </a:cxn>
-              <a:cxn ang="0">
-                <a:pos x="connsiteX7" y="connsiteY7"/>
-              </a:cxn>
-              <a:cxn ang="0">
-                <a:pos x="connsiteX8" y="connsiteY8"/>
-              </a:cxn>
-              <a:cxn ang="0">
-                <a:pos x="connsiteX9" y="connsiteY9"/>
-              </a:cxn>
-            </a:cxnLst>
             <a:rect l="l" t="t" r="r" b="b"/>
             <a:pathLst>
               <a:path w="4403709" h="6858001">
@@ -6948,6 +5775,9 @@
               </a:path>
             </a:pathLst>
           </a:custGeom>
+          <a:solidFill>
+            <a:srgbClr val="454545"/>
+          </a:solidFill>
           <a:ln>
             <a:noFill/>
           </a:ln>
@@ -6964,111 +5794,39 @@
           <a:effectRef idx="0">
             <a:schemeClr val="accent1"/>
           </a:effectRef>
-          <a:fontRef idx="minor">
-            <a:schemeClr val="lt1"/>
-          </a:fontRef>
+          <a:fontRef idx="minor"/>
         </p:style>
-        <p:txBody>
-          <a:bodyPr rtlCol="0" anchor="ctr"/>
-          <a:lstStyle/>
-          <a:p>
-            <a:pPr marL="0" marR="0" lvl="0" indent="0" algn="ctr" defTabSz="457200" rtl="0" eaLnBrk="1" fontAlgn="auto" latinLnBrk="0" hangingPunct="1">
-              <a:lnSpc>
-                <a:spcPct val="100000"/>
-              </a:lnSpc>
-              <a:spcBef>
-                <a:spcPts val="0"/>
-              </a:spcBef>
-              <a:spcAft>
-                <a:spcPts val="0"/>
-              </a:spcAft>
-              <a:buClrTx/>
-              <a:buSzTx/>
-              <a:buFontTx/>
-              <a:buNone/>
-              <a:tabLst/>
-              <a:defRPr/>
-            </a:pPr>
-            <a:endParaRPr kumimoji="0" lang="en-US" sz="1800" b="0" i="0" u="none" strike="noStrike" kern="1200" cap="none" spc="0" normalizeH="0" baseline="0" noProof="0">
-              <a:ln>
-                <a:noFill/>
-              </a:ln>
-              <a:solidFill>
-                <a:prstClr val="black"/>
-              </a:solidFill>
-              <a:effectLst/>
-              <a:uLnTx/>
-              <a:uFillTx/>
-              <a:latin typeface="Calibri" panose="020F0502020204030204"/>
-              <a:ea typeface="+mn-ea"/>
-              <a:cs typeface="+mn-cs"/>
-            </a:endParaRPr>
-          </a:p>
-        </p:txBody>
       </p:sp>
       <p:grpSp>
         <p:nvGrpSpPr>
-          <p:cNvPr id="35" name="Group 34">
-            <a:extLst>
-              <a:ext uri="{FF2B5EF4-FFF2-40B4-BE49-F238E27FC236}">
-                <a16:creationId xmlns:a16="http://schemas.microsoft.com/office/drawing/2014/main" id="{B57BDC17-F1B3-455F-BBF1-680AA1F25C06}"/>
-              </a:ext>
-              <a:ext uri="{C183D7F6-B498-43B3-948B-1728B52AA6E4}">
-                <adec:decorative xmlns:adec="http://schemas.microsoft.com/office/drawing/2017/decorative" val="1"/>
-              </a:ext>
-            </a:extLst>
-          </p:cNvPr>
-          <p:cNvGrpSpPr>
-            <a:grpSpLocks noGrp="1" noUngrp="1" noRot="1" noChangeAspect="1" noMove="1" noResize="1"/>
-          </p:cNvGrpSpPr>
-          <p:nvPr>
-            <p:extLst>
-              <p:ext uri="{386F3935-93C4-4BCD-93E2-E3B085C9AB24}">
-                <p16:designElem xmlns:p16="http://schemas.microsoft.com/office/powerpoint/2015/main" val="1"/>
-              </p:ext>
-            </p:extLst>
-          </p:nvPr>
+          <p:cNvPr id="48" name="Group 34"/>
+          <p:cNvGrpSpPr/>
+          <p:nvPr/>
         </p:nvGrpSpPr>
         <p:grpSpPr>
           <a:xfrm>
-            <a:off x="3315292" y="0"/>
-            <a:ext cx="2436813" cy="6858001"/>
-            <a:chOff x="1320800" y="0"/>
-            <a:chExt cx="2436813" cy="6858001"/>
+            <a:off x="3315240" y="0"/>
+            <a:ext cx="2436480" cy="6857640"/>
+            <a:chOff x="3315240" y="0"/>
+            <a:chExt cx="2436480" cy="6857640"/>
           </a:xfrm>
         </p:grpSpPr>
         <p:sp>
           <p:nvSpPr>
-            <p:cNvPr id="36" name="Freeform 6">
-              <a:extLst>
-                <a:ext uri="{FF2B5EF4-FFF2-40B4-BE49-F238E27FC236}">
-                  <a16:creationId xmlns:a16="http://schemas.microsoft.com/office/drawing/2014/main" id="{64E2FA9A-FEF7-4501-B0EB-5E45EDD2177A}"/>
-                </a:ext>
-                <a:ext uri="{C183D7F6-B498-43B3-948B-1728B52AA6E4}">
-                  <adec:decorative xmlns:adec="http://schemas.microsoft.com/office/drawing/2017/decorative" val="1"/>
-                </a:ext>
-              </a:extLst>
-            </p:cNvPr>
+            <p:cNvPr id="49" name="Freeform 6"/>
             <p:cNvSpPr/>
-            <p:nvPr>
-              <p:extLst>
-                <p:ext uri="{386F3935-93C4-4BCD-93E2-E3B085C9AB24}">
-                  <p16:designElem xmlns:p16="http://schemas.microsoft.com/office/powerpoint/2015/main" val="1"/>
-                </p:ext>
-              </p:extLst>
-            </p:nvPr>
+            <p:nvPr/>
           </p:nvSpPr>
-          <p:spPr bwMode="auto">
+          <p:spPr>
             <a:xfrm>
-              <a:off x="1627188" y="0"/>
-              <a:ext cx="1122363" cy="5329238"/>
+              <a:off x="3621600" y="0"/>
+              <a:ext cx="1122120" cy="5328720"/>
             </a:xfrm>
             <a:custGeom>
               <a:avLst/>
               <a:gdLst/>
               <a:ahLst/>
-              <a:cxnLst/>
-              <a:rect l="0" t="0" r="r" b="b"/>
+              <a:rect l="l" t="t" r="r" b="b"/>
               <a:pathLst>
                 <a:path w="707" h="3357">
                   <a:moveTo>
@@ -7093,43 +5851,33 @@
             <a:solidFill>
               <a:schemeClr val="accent1"/>
             </a:solidFill>
-            <a:ln>
+            <a:ln w="0">
               <a:noFill/>
             </a:ln>
           </p:spPr>
+          <p:style>
+            <a:lnRef idx="0"/>
+            <a:fillRef idx="0"/>
+            <a:effectRef idx="0"/>
+            <a:fontRef idx="minor"/>
+          </p:style>
         </p:sp>
         <p:sp>
           <p:nvSpPr>
-            <p:cNvPr id="37" name="Freeform 7">
-              <a:extLst>
-                <a:ext uri="{FF2B5EF4-FFF2-40B4-BE49-F238E27FC236}">
-                  <a16:creationId xmlns:a16="http://schemas.microsoft.com/office/drawing/2014/main" id="{BC38192B-B4CB-47D4-A3B1-10010247F158}"/>
-                </a:ext>
-                <a:ext uri="{C183D7F6-B498-43B3-948B-1728B52AA6E4}">
-                  <adec:decorative xmlns:adec="http://schemas.microsoft.com/office/drawing/2017/decorative" val="1"/>
-                </a:ext>
-              </a:extLst>
-            </p:cNvPr>
+            <p:cNvPr id="50" name="Freeform 7"/>
             <p:cNvSpPr/>
-            <p:nvPr>
-              <p:extLst>
-                <p:ext uri="{386F3935-93C4-4BCD-93E2-E3B085C9AB24}">
-                  <p16:designElem xmlns:p16="http://schemas.microsoft.com/office/powerpoint/2015/main" val="1"/>
-                </p:ext>
-              </p:extLst>
-            </p:nvPr>
+            <p:nvPr/>
           </p:nvSpPr>
-          <p:spPr bwMode="auto">
+          <p:spPr>
             <a:xfrm>
-              <a:off x="1320800" y="0"/>
-              <a:ext cx="1117600" cy="5276850"/>
+              <a:off x="3315240" y="0"/>
+              <a:ext cx="1117080" cy="5276520"/>
             </a:xfrm>
             <a:custGeom>
               <a:avLst/>
               <a:gdLst/>
               <a:ahLst/>
-              <a:cxnLst/>
-              <a:rect l="0" t="0" r="r" b="b"/>
+              <a:rect l="l" t="t" r="r" b="b"/>
               <a:pathLst>
                 <a:path w="704" h="3324">
                   <a:moveTo>
@@ -7154,43 +5902,33 @@
             <a:solidFill>
               <a:srgbClr val="595959"/>
             </a:solidFill>
-            <a:ln>
+            <a:ln w="0">
               <a:noFill/>
             </a:ln>
           </p:spPr>
+          <p:style>
+            <a:lnRef idx="0"/>
+            <a:fillRef idx="0"/>
+            <a:effectRef idx="0"/>
+            <a:fontRef idx="minor"/>
+          </p:style>
         </p:sp>
         <p:sp>
           <p:nvSpPr>
-            <p:cNvPr id="38" name="Freeform 8">
-              <a:extLst>
-                <a:ext uri="{FF2B5EF4-FFF2-40B4-BE49-F238E27FC236}">
-                  <a16:creationId xmlns:a16="http://schemas.microsoft.com/office/drawing/2014/main" id="{96330E33-E171-4B0F-82B5-AF7230399B5C}"/>
-                </a:ext>
-                <a:ext uri="{C183D7F6-B498-43B3-948B-1728B52AA6E4}">
-                  <adec:decorative xmlns:adec="http://schemas.microsoft.com/office/drawing/2017/decorative" val="1"/>
-                </a:ext>
-              </a:extLst>
-            </p:cNvPr>
+            <p:cNvPr id="51" name="Freeform 8"/>
             <p:cNvSpPr/>
-            <p:nvPr>
-              <p:extLst>
-                <p:ext uri="{386F3935-93C4-4BCD-93E2-E3B085C9AB24}">
-                  <p16:designElem xmlns:p16="http://schemas.microsoft.com/office/powerpoint/2015/main" val="1"/>
-                </p:ext>
-              </p:extLst>
-            </p:nvPr>
+            <p:nvPr/>
           </p:nvSpPr>
-          <p:spPr bwMode="auto">
+          <p:spPr>
             <a:xfrm>
-              <a:off x="1320800" y="5238750"/>
-              <a:ext cx="1228725" cy="1619250"/>
+              <a:off x="3315240" y="5238720"/>
+              <a:ext cx="1228320" cy="1618920"/>
             </a:xfrm>
             <a:custGeom>
               <a:avLst/>
               <a:gdLst/>
               <a:ahLst/>
-              <a:cxnLst/>
-              <a:rect l="0" t="0" r="r" b="b"/>
+              <a:rect l="l" t="t" r="r" b="b"/>
               <a:pathLst>
                 <a:path w="774" h="1020">
                   <a:moveTo>
@@ -7212,43 +5950,33 @@
             <a:solidFill>
               <a:srgbClr val="262626"/>
             </a:solidFill>
-            <a:ln>
+            <a:ln w="0">
               <a:noFill/>
             </a:ln>
           </p:spPr>
+          <p:style>
+            <a:lnRef idx="0"/>
+            <a:fillRef idx="0"/>
+            <a:effectRef idx="0"/>
+            <a:fontRef idx="minor"/>
+          </p:style>
         </p:sp>
         <p:sp>
           <p:nvSpPr>
-            <p:cNvPr id="39" name="Freeform 9">
-              <a:extLst>
-                <a:ext uri="{FF2B5EF4-FFF2-40B4-BE49-F238E27FC236}">
-                  <a16:creationId xmlns:a16="http://schemas.microsoft.com/office/drawing/2014/main" id="{332B1723-69BF-42D7-B757-0FA059E15256}"/>
-                </a:ext>
-                <a:ext uri="{C183D7F6-B498-43B3-948B-1728B52AA6E4}">
-                  <adec:decorative xmlns:adec="http://schemas.microsoft.com/office/drawing/2017/decorative" val="1"/>
-                </a:ext>
-              </a:extLst>
-            </p:cNvPr>
+            <p:cNvPr id="52" name="Freeform 9"/>
             <p:cNvSpPr/>
-            <p:nvPr>
-              <p:extLst>
-                <p:ext uri="{386F3935-93C4-4BCD-93E2-E3B085C9AB24}">
-                  <p16:designElem xmlns:p16="http://schemas.microsoft.com/office/powerpoint/2015/main" val="1"/>
-                </p:ext>
-              </p:extLst>
-            </p:nvPr>
+            <p:nvPr/>
           </p:nvSpPr>
-          <p:spPr bwMode="auto">
+          <p:spPr>
             <a:xfrm>
-              <a:off x="1627188" y="5291138"/>
-              <a:ext cx="1495425" cy="1566863"/>
+              <a:off x="3621600" y="5291280"/>
+              <a:ext cx="1495080" cy="1566360"/>
             </a:xfrm>
             <a:custGeom>
               <a:avLst/>
               <a:gdLst/>
               <a:ahLst/>
-              <a:cxnLst/>
-              <a:rect l="0" t="0" r="r" b="b"/>
+              <a:rect l="l" t="t" r="r" b="b"/>
               <a:pathLst>
                 <a:path w="942" h="987">
                   <a:moveTo>
@@ -7272,43 +6000,33 @@
                 <a:lumMod val="50000"/>
               </a:schemeClr>
             </a:solidFill>
-            <a:ln>
+            <a:ln w="0">
               <a:noFill/>
             </a:ln>
           </p:spPr>
+          <p:style>
+            <a:lnRef idx="0"/>
+            <a:fillRef idx="0"/>
+            <a:effectRef idx="0"/>
+            <a:fontRef idx="minor"/>
+          </p:style>
         </p:sp>
         <p:sp>
           <p:nvSpPr>
-            <p:cNvPr id="40" name="Freeform 10">
-              <a:extLst>
-                <a:ext uri="{FF2B5EF4-FFF2-40B4-BE49-F238E27FC236}">
-                  <a16:creationId xmlns:a16="http://schemas.microsoft.com/office/drawing/2014/main" id="{F115D62D-1E96-48D1-A78D-D370A0BFB9B5}"/>
-                </a:ext>
-                <a:ext uri="{C183D7F6-B498-43B3-948B-1728B52AA6E4}">
-                  <adec:decorative xmlns:adec="http://schemas.microsoft.com/office/drawing/2017/decorative" val="1"/>
-                </a:ext>
-              </a:extLst>
-            </p:cNvPr>
+            <p:cNvPr id="53" name="Freeform 10"/>
             <p:cNvSpPr/>
-            <p:nvPr>
-              <p:extLst>
-                <p:ext uri="{386F3935-93C4-4BCD-93E2-E3B085C9AB24}">
-                  <p16:designElem xmlns:p16="http://schemas.microsoft.com/office/powerpoint/2015/main" val="1"/>
-                </p:ext>
-              </p:extLst>
-            </p:nvPr>
+            <p:nvPr/>
           </p:nvSpPr>
-          <p:spPr bwMode="auto">
+          <p:spPr>
             <a:xfrm>
-              <a:off x="1627188" y="5286375"/>
-              <a:ext cx="2130425" cy="1571625"/>
+              <a:off x="3621600" y="5286240"/>
+              <a:ext cx="2130120" cy="1571400"/>
             </a:xfrm>
             <a:custGeom>
               <a:avLst/>
               <a:gdLst/>
               <a:ahLst/>
-              <a:cxnLst/>
-              <a:rect l="0" t="0" r="r" b="b"/>
+              <a:rect l="l" t="t" r="r" b="b"/>
               <a:pathLst>
                 <a:path w="1342" h="990">
                   <a:moveTo>
@@ -7338,43 +6056,33 @@
                 <a:lumMod val="75000"/>
               </a:schemeClr>
             </a:solidFill>
-            <a:ln>
+            <a:ln w="0">
               <a:noFill/>
             </a:ln>
           </p:spPr>
+          <p:style>
+            <a:lnRef idx="0"/>
+            <a:fillRef idx="0"/>
+            <a:effectRef idx="0"/>
+            <a:fontRef idx="minor"/>
+          </p:style>
         </p:sp>
         <p:sp>
           <p:nvSpPr>
-            <p:cNvPr id="41" name="Freeform 11">
-              <a:extLst>
-                <a:ext uri="{FF2B5EF4-FFF2-40B4-BE49-F238E27FC236}">
-                  <a16:creationId xmlns:a16="http://schemas.microsoft.com/office/drawing/2014/main" id="{91C2876A-169D-4822-A766-C00578C88B4B}"/>
-                </a:ext>
-                <a:ext uri="{C183D7F6-B498-43B3-948B-1728B52AA6E4}">
-                  <adec:decorative xmlns:adec="http://schemas.microsoft.com/office/drawing/2017/decorative" val="1"/>
-                </a:ext>
-              </a:extLst>
-            </p:cNvPr>
+            <p:cNvPr id="54" name="Freeform 11"/>
             <p:cNvSpPr/>
-            <p:nvPr>
-              <p:extLst>
-                <p:ext uri="{386F3935-93C4-4BCD-93E2-E3B085C9AB24}">
-                  <p16:designElem xmlns:p16="http://schemas.microsoft.com/office/powerpoint/2015/main" val="1"/>
-                </p:ext>
-              </p:extLst>
-            </p:nvPr>
+            <p:nvPr/>
           </p:nvSpPr>
-          <p:spPr bwMode="auto">
+          <p:spPr>
             <a:xfrm>
-              <a:off x="1320800" y="5238750"/>
-              <a:ext cx="1695450" cy="1619250"/>
+              <a:off x="3315240" y="5238720"/>
+              <a:ext cx="1695240" cy="1618920"/>
             </a:xfrm>
             <a:custGeom>
               <a:avLst/>
               <a:gdLst/>
               <a:ahLst/>
-              <a:cxnLst/>
-              <a:rect l="0" t="0" r="r" b="b"/>
+              <a:rect l="l" t="t" r="r" b="b"/>
               <a:pathLst>
                 <a:path w="1068" h="1020">
                   <a:moveTo>
@@ -7414,92 +6122,80 @@
             <a:solidFill>
               <a:srgbClr val="404040"/>
             </a:solidFill>
-            <a:ln>
+            <a:ln w="0">
               <a:noFill/>
             </a:ln>
           </p:spPr>
+          <p:style>
+            <a:lnRef idx="0"/>
+            <a:fillRef idx="0"/>
+            <a:effectRef idx="0"/>
+            <a:fontRef idx="minor"/>
+          </p:style>
         </p:sp>
       </p:grpSp>
       <p:graphicFrame>
         <p:nvGraphicFramePr>
-          <p:cNvPr id="7" name="TextBox 1">
-            <a:extLst>
-              <a:ext uri="{FF2B5EF4-FFF2-40B4-BE49-F238E27FC236}">
-                <a16:creationId xmlns:a16="http://schemas.microsoft.com/office/drawing/2014/main" id="{4AD84564-0697-4944-B319-D9B52BDA7521}"/>
-              </a:ext>
-            </a:extLst>
-          </p:cNvPr>
+          <p:cNvPr id="1" name="Diagram1"/>
           <p:cNvGraphicFramePr/>
           <p:nvPr>
             <p:extLst>
               <p:ext uri="{D42A27DB-BD31-4B8C-83A1-F6EECF244321}">
-                <p14:modId xmlns:p14="http://schemas.microsoft.com/office/powerpoint/2010/main" val="2569203237"/>
+                <p14:modId xmlns:p14="http://schemas.microsoft.com/office/powerpoint/2010/main" val="2504144963"/>
               </p:ext>
             </p:extLst>
           </p:nvPr>
         </p:nvGraphicFramePr>
         <p:xfrm>
-          <a:off x="5010150" y="685800"/>
-          <a:ext cx="6492875" cy="5105400"/>
+          <a:off x="5010120" y="685800"/>
+          <a:ext cx="6492600" cy="5105160"/>
         </p:xfrm>
         <a:graphic>
           <a:graphicData uri="http://schemas.openxmlformats.org/drawingml/2006/diagram">
-            <dgm:relIds xmlns:dgm="http://schemas.openxmlformats.org/drawingml/2006/diagram" xmlns:r="http://schemas.openxmlformats.org/officeDocument/2006/relationships" r:dm="rId2" r:lo="rId3" r:qs="rId4" r:cs="rId5"/>
+            <dgm:relIds xmlns:dgm="http://schemas.openxmlformats.org/drawingml/2006/diagram" xmlns:r="http://schemas.openxmlformats.org/officeDocument/2006/relationships" r:dm="rId1" r:lo="rId2" r:qs="rId3" r:cs="rId4"/>
           </a:graphicData>
         </a:graphic>
       </p:graphicFrame>
     </p:spTree>
-    <p:extLst>
-      <p:ext uri="{BB962C8B-B14F-4D97-AF65-F5344CB8AC3E}">
-        <p14:creationId xmlns:p14="http://schemas.microsoft.com/office/powerpoint/2010/main" val="1970604012"/>
-      </p:ext>
-    </p:extLst>
   </p:cSld>
-  <p:clrMapOvr>
-    <a:masterClrMapping/>
-  </p:clrMapOvr>
   <p:transition spd="slow">
     <p:push dir="u"/>
   </p:transition>
   <p:timing>
     <p:tnLst>
       <p:par>
-        <p:cTn id="1" dur="indefinite" restart="never" nodeType="tmRoot">
+        <p:cTn id="16" dur="indefinite" restart="never" nodeType="tmRoot">
           <p:childTnLst>
-            <p:seq concurrent="1" nextAc="seek">
-              <p:cTn id="2" dur="indefinite" nodeType="mainSeq">
+            <p:seq>
+              <p:cTn id="17" dur="indefinite" nodeType="mainSeq">
                 <p:childTnLst>
                   <p:par>
-                    <p:cTn id="3" fill="hold">
+                    <p:cTn id="18" fill="hold">
                       <p:stCondLst>
                         <p:cond delay="indefinite"/>
                       </p:stCondLst>
                       <p:childTnLst>
                         <p:par>
-                          <p:cTn id="4" fill="hold">
+                          <p:cTn id="19" fill="hold">
                             <p:stCondLst>
                               <p:cond delay="0"/>
                             </p:stCondLst>
                             <p:childTnLst>
                               <p:par>
-                                <p:cTn id="5" presetID="10" presetClass="entr" presetSubtype="0" fill="hold" grpId="0" nodeType="clickEffect">
+                                <p:cTn id="20" nodeType="clickEffect" fill="hold" presetClass="entr" presetID="10">
                                   <p:stCondLst>
                                     <p:cond delay="0"/>
                                   </p:stCondLst>
                                   <p:childTnLst>
                                     <p:set>
                                       <p:cBhvr>
-                                        <p:cTn id="6" dur="1" fill="hold">
+                                        <p:cTn id="21" dur="1" fill="hold">
                                           <p:stCondLst>
                                             <p:cond delay="0"/>
                                           </p:stCondLst>
                                         </p:cTn>
                                         <p:tgtEl>
-                                          <p:spTgt spid="7">
-                                            <p:graphicEl>
-                                              <a:dgm id="{739BF299-70B1-4CCC-9654-C83ADBC1670A}"/>
-                                            </p:graphicEl>
-                                          </p:spTgt>
+                                          <p:spTgt spid="-1"/>
                                         </p:tgtEl>
                                         <p:attrNameLst>
                                           <p:attrName>style.visibility</p:attrName>
@@ -7509,370 +6205,11 @@
                                         <p:strVal val="visible"/>
                                       </p:to>
                                     </p:set>
-                                    <p:animEffect transition="in" filter="fade">
-                                      <p:cBhvr>
-                                        <p:cTn id="7" dur="500"/>
+                                    <p:animEffect filter="fade" transition="in">
+                                      <p:cBhvr additive="repl">
+                                        <p:cTn id="22" dur="500"/>
                                         <p:tgtEl>
-                                          <p:spTgt spid="7">
-                                            <p:graphicEl>
-                                              <a:dgm id="{739BF299-70B1-4CCC-9654-C83ADBC1670A}"/>
-                                            </p:graphicEl>
-                                          </p:spTgt>
-                                        </p:tgtEl>
-                                      </p:cBhvr>
-                                    </p:animEffect>
-                                  </p:childTnLst>
-                                </p:cTn>
-                              </p:par>
-                              <p:par>
-                                <p:cTn id="8" presetID="10" presetClass="entr" presetSubtype="0" fill="hold" grpId="0" nodeType="withEffect">
-                                  <p:stCondLst>
-                                    <p:cond delay="0"/>
-                                  </p:stCondLst>
-                                  <p:childTnLst>
-                                    <p:set>
-                                      <p:cBhvr>
-                                        <p:cTn id="9" dur="1" fill="hold">
-                                          <p:stCondLst>
-                                            <p:cond delay="0"/>
-                                          </p:stCondLst>
-                                        </p:cTn>
-                                        <p:tgtEl>
-                                          <p:spTgt spid="7">
-                                            <p:graphicEl>
-                                              <a:dgm id="{5885498B-7F38-49E2-B4D9-491BE3045607}"/>
-                                            </p:graphicEl>
-                                          </p:spTgt>
-                                        </p:tgtEl>
-                                        <p:attrNameLst>
-                                          <p:attrName>style.visibility</p:attrName>
-                                        </p:attrNameLst>
-                                      </p:cBhvr>
-                                      <p:to>
-                                        <p:strVal val="visible"/>
-                                      </p:to>
-                                    </p:set>
-                                    <p:animEffect transition="in" filter="fade">
-                                      <p:cBhvr>
-                                        <p:cTn id="10" dur="500"/>
-                                        <p:tgtEl>
-                                          <p:spTgt spid="7">
-                                            <p:graphicEl>
-                                              <a:dgm id="{5885498B-7F38-49E2-B4D9-491BE3045607}"/>
-                                            </p:graphicEl>
-                                          </p:spTgt>
-                                        </p:tgtEl>
-                                      </p:cBhvr>
-                                    </p:animEffect>
-                                  </p:childTnLst>
-                                </p:cTn>
-                              </p:par>
-                            </p:childTnLst>
-                          </p:cTn>
-                        </p:par>
-                      </p:childTnLst>
-                    </p:cTn>
-                  </p:par>
-                  <p:par>
-                    <p:cTn id="11" fill="hold">
-                      <p:stCondLst>
-                        <p:cond delay="indefinite"/>
-                      </p:stCondLst>
-                      <p:childTnLst>
-                        <p:par>
-                          <p:cTn id="12" fill="hold">
-                            <p:stCondLst>
-                              <p:cond delay="0"/>
-                            </p:stCondLst>
-                            <p:childTnLst>
-                              <p:par>
-                                <p:cTn id="13" presetID="10" presetClass="entr" presetSubtype="0" fill="hold" grpId="0" nodeType="clickEffect">
-                                  <p:stCondLst>
-                                    <p:cond delay="0"/>
-                                  </p:stCondLst>
-                                  <p:childTnLst>
-                                    <p:set>
-                                      <p:cBhvr>
-                                        <p:cTn id="14" dur="1" fill="hold">
-                                          <p:stCondLst>
-                                            <p:cond delay="0"/>
-                                          </p:stCondLst>
-                                        </p:cTn>
-                                        <p:tgtEl>
-                                          <p:spTgt spid="7">
-                                            <p:graphicEl>
-                                              <a:dgm id="{F40D2D44-0519-4055-B396-02B670713440}"/>
-                                            </p:graphicEl>
-                                          </p:spTgt>
-                                        </p:tgtEl>
-                                        <p:attrNameLst>
-                                          <p:attrName>style.visibility</p:attrName>
-                                        </p:attrNameLst>
-                                      </p:cBhvr>
-                                      <p:to>
-                                        <p:strVal val="visible"/>
-                                      </p:to>
-                                    </p:set>
-                                    <p:animEffect transition="in" filter="fade">
-                                      <p:cBhvr>
-                                        <p:cTn id="15" dur="500"/>
-                                        <p:tgtEl>
-                                          <p:spTgt spid="7">
-                                            <p:graphicEl>
-                                              <a:dgm id="{F40D2D44-0519-4055-B396-02B670713440}"/>
-                                            </p:graphicEl>
-                                          </p:spTgt>
-                                        </p:tgtEl>
-                                      </p:cBhvr>
-                                    </p:animEffect>
-                                  </p:childTnLst>
-                                </p:cTn>
-                              </p:par>
-                              <p:par>
-                                <p:cTn id="16" presetID="10" presetClass="entr" presetSubtype="0" fill="hold" grpId="0" nodeType="withEffect">
-                                  <p:stCondLst>
-                                    <p:cond delay="0"/>
-                                  </p:stCondLst>
-                                  <p:childTnLst>
-                                    <p:set>
-                                      <p:cBhvr>
-                                        <p:cTn id="17" dur="1" fill="hold">
-                                          <p:stCondLst>
-                                            <p:cond delay="0"/>
-                                          </p:stCondLst>
-                                        </p:cTn>
-                                        <p:tgtEl>
-                                          <p:spTgt spid="7">
-                                            <p:graphicEl>
-                                              <a:dgm id="{75FE6BC1-467D-48EB-92C4-2F1E8FC1EC3B}"/>
-                                            </p:graphicEl>
-                                          </p:spTgt>
-                                        </p:tgtEl>
-                                        <p:attrNameLst>
-                                          <p:attrName>style.visibility</p:attrName>
-                                        </p:attrNameLst>
-                                      </p:cBhvr>
-                                      <p:to>
-                                        <p:strVal val="visible"/>
-                                      </p:to>
-                                    </p:set>
-                                    <p:animEffect transition="in" filter="fade">
-                                      <p:cBhvr>
-                                        <p:cTn id="18" dur="500"/>
-                                        <p:tgtEl>
-                                          <p:spTgt spid="7">
-                                            <p:graphicEl>
-                                              <a:dgm id="{75FE6BC1-467D-48EB-92C4-2F1E8FC1EC3B}"/>
-                                            </p:graphicEl>
-                                          </p:spTgt>
-                                        </p:tgtEl>
-                                      </p:cBhvr>
-                                    </p:animEffect>
-                                  </p:childTnLst>
-                                </p:cTn>
-                              </p:par>
-                            </p:childTnLst>
-                          </p:cTn>
-                        </p:par>
-                      </p:childTnLst>
-                    </p:cTn>
-                  </p:par>
-                  <p:par>
-                    <p:cTn id="19" fill="hold">
-                      <p:stCondLst>
-                        <p:cond delay="indefinite"/>
-                      </p:stCondLst>
-                      <p:childTnLst>
-                        <p:par>
-                          <p:cTn id="20" fill="hold">
-                            <p:stCondLst>
-                              <p:cond delay="0"/>
-                            </p:stCondLst>
-                            <p:childTnLst>
-                              <p:par>
-                                <p:cTn id="21" presetID="10" presetClass="entr" presetSubtype="0" fill="hold" grpId="0" nodeType="clickEffect">
-                                  <p:stCondLst>
-                                    <p:cond delay="0"/>
-                                  </p:stCondLst>
-                                  <p:childTnLst>
-                                    <p:set>
-                                      <p:cBhvr>
-                                        <p:cTn id="22" dur="1" fill="hold">
-                                          <p:stCondLst>
-                                            <p:cond delay="0"/>
-                                          </p:stCondLst>
-                                        </p:cTn>
-                                        <p:tgtEl>
-                                          <p:spTgt spid="7">
-                                            <p:graphicEl>
-                                              <a:dgm id="{890D216F-EDE3-4383-8549-75D4851667DB}"/>
-                                            </p:graphicEl>
-                                          </p:spTgt>
-                                        </p:tgtEl>
-                                        <p:attrNameLst>
-                                          <p:attrName>style.visibility</p:attrName>
-                                        </p:attrNameLst>
-                                      </p:cBhvr>
-                                      <p:to>
-                                        <p:strVal val="visible"/>
-                                      </p:to>
-                                    </p:set>
-                                    <p:animEffect transition="in" filter="fade">
-                                      <p:cBhvr>
-                                        <p:cTn id="23" dur="500"/>
-                                        <p:tgtEl>
-                                          <p:spTgt spid="7">
-                                            <p:graphicEl>
-                                              <a:dgm id="{890D216F-EDE3-4383-8549-75D4851667DB}"/>
-                                            </p:graphicEl>
-                                          </p:spTgt>
-                                        </p:tgtEl>
-                                      </p:cBhvr>
-                                    </p:animEffect>
-                                  </p:childTnLst>
-                                </p:cTn>
-                              </p:par>
-                              <p:par>
-                                <p:cTn id="24" presetID="10" presetClass="entr" presetSubtype="0" fill="hold" grpId="0" nodeType="withEffect">
-                                  <p:stCondLst>
-                                    <p:cond delay="0"/>
-                                  </p:stCondLst>
-                                  <p:childTnLst>
-                                    <p:set>
-                                      <p:cBhvr>
-                                        <p:cTn id="25" dur="1" fill="hold">
-                                          <p:stCondLst>
-                                            <p:cond delay="0"/>
-                                          </p:stCondLst>
-                                        </p:cTn>
-                                        <p:tgtEl>
-                                          <p:spTgt spid="7">
-                                            <p:graphicEl>
-                                              <a:dgm id="{B4F2EDAC-84E2-4D77-81AC-58DBBD5796B9}"/>
-                                            </p:graphicEl>
-                                          </p:spTgt>
-                                        </p:tgtEl>
-                                        <p:attrNameLst>
-                                          <p:attrName>style.visibility</p:attrName>
-                                        </p:attrNameLst>
-                                      </p:cBhvr>
-                                      <p:to>
-                                        <p:strVal val="visible"/>
-                                      </p:to>
-                                    </p:set>
-                                    <p:animEffect transition="in" filter="fade">
-                                      <p:cBhvr>
-                                        <p:cTn id="26" dur="500"/>
-                                        <p:tgtEl>
-                                          <p:spTgt spid="7">
-                                            <p:graphicEl>
-                                              <a:dgm id="{B4F2EDAC-84E2-4D77-81AC-58DBBD5796B9}"/>
-                                            </p:graphicEl>
-                                          </p:spTgt>
-                                        </p:tgtEl>
-                                      </p:cBhvr>
-                                    </p:animEffect>
-                                  </p:childTnLst>
-                                </p:cTn>
-                              </p:par>
-                            </p:childTnLst>
-                          </p:cTn>
-                        </p:par>
-                      </p:childTnLst>
-                    </p:cTn>
-                  </p:par>
-                  <p:par>
-                    <p:cTn id="27" fill="hold">
-                      <p:stCondLst>
-                        <p:cond delay="indefinite"/>
-                      </p:stCondLst>
-                      <p:childTnLst>
-                        <p:par>
-                          <p:cTn id="28" fill="hold">
-                            <p:stCondLst>
-                              <p:cond delay="0"/>
-                            </p:stCondLst>
-                            <p:childTnLst>
-                              <p:par>
-                                <p:cTn id="29" presetID="10" presetClass="entr" presetSubtype="0" fill="hold" grpId="0" nodeType="clickEffect">
-                                  <p:stCondLst>
-                                    <p:cond delay="0"/>
-                                  </p:stCondLst>
-                                  <p:childTnLst>
-                                    <p:set>
-                                      <p:cBhvr>
-                                        <p:cTn id="30" dur="1" fill="hold">
-                                          <p:stCondLst>
-                                            <p:cond delay="0"/>
-                                          </p:stCondLst>
-                                        </p:cTn>
-                                        <p:tgtEl>
-                                          <p:spTgt spid="7">
-                                            <p:graphicEl>
-                                              <a:dgm id="{0B6A9E01-680F-488D-B232-1931DCEEE7DE}"/>
-                                            </p:graphicEl>
-                                          </p:spTgt>
-                                        </p:tgtEl>
-                                        <p:attrNameLst>
-                                          <p:attrName>style.visibility</p:attrName>
-                                        </p:attrNameLst>
-                                      </p:cBhvr>
-                                      <p:to>
-                                        <p:strVal val="visible"/>
-                                      </p:to>
-                                    </p:set>
-                                    <p:animEffect transition="in" filter="fade">
-                                      <p:cBhvr>
-                                        <p:cTn id="31" dur="500"/>
-                                        <p:tgtEl>
-                                          <p:spTgt spid="7">
-                                            <p:graphicEl>
-                                              <a:dgm id="{0B6A9E01-680F-488D-B232-1931DCEEE7DE}"/>
-                                            </p:graphicEl>
-                                          </p:spTgt>
-                                        </p:tgtEl>
-                                      </p:cBhvr>
-                                    </p:animEffect>
-                                  </p:childTnLst>
-                                </p:cTn>
-                              </p:par>
-                              <p:par>
-                                <p:cTn id="32" presetID="10" presetClass="entr" presetSubtype="0" fill="hold" grpId="0" nodeType="withEffect">
-                                  <p:stCondLst>
-                                    <p:cond delay="0"/>
-                                  </p:stCondLst>
-                                  <p:childTnLst>
-                                    <p:set>
-                                      <p:cBhvr>
-                                        <p:cTn id="33" dur="1" fill="hold">
-                                          <p:stCondLst>
-                                            <p:cond delay="0"/>
-                                          </p:stCondLst>
-                                        </p:cTn>
-                                        <p:tgtEl>
-                                          <p:spTgt spid="7">
-                                            <p:graphicEl>
-                                              <a:dgm id="{806510E0-BD1D-4417-B2CD-FF0E67794CE3}"/>
-                                            </p:graphicEl>
-                                          </p:spTgt>
-                                        </p:tgtEl>
-                                        <p:attrNameLst>
-                                          <p:attrName>style.visibility</p:attrName>
-                                        </p:attrNameLst>
-                                      </p:cBhvr>
-                                      <p:to>
-                                        <p:strVal val="visible"/>
-                                      </p:to>
-                                    </p:set>
-                                    <p:animEffect transition="in" filter="fade">
-                                      <p:cBhvr>
-                                        <p:cTn id="34" dur="500"/>
-                                        <p:tgtEl>
-                                          <p:spTgt spid="7">
-                                            <p:graphicEl>
-                                              <a:dgm id="{806510E0-BD1D-4417-B2CD-FF0E67794CE3}"/>
-                                            </p:graphicEl>
-                                          </p:spTgt>
+                                          <p:spTgt spid="-1"/>
                                         </p:tgtEl>
                                       </p:cBhvr>
                                     </p:animEffect>
@@ -7888,14 +6225,14 @@
                 </p:childTnLst>
               </p:cTn>
               <p:prevCondLst>
-                <p:cond evt="onPrev" delay="0">
+                <p:cond evt="onPrev">
                   <p:tgtEl>
                     <p:sldTgt/>
                   </p:tgtEl>
                 </p:cond>
               </p:prevCondLst>
               <p:nextCondLst>
-                <p:cond evt="onNext" delay="0">
+                <p:cond evt="onNext">
                   <p:tgtEl>
                     <p:sldTgt/>
                   </p:tgtEl>
@@ -7906,26 +6243,18 @@
         </p:cTn>
       </p:par>
     </p:tnLst>
-    <p:bldLst>
-      <p:bldGraphic spid="7" grpId="0">
-        <p:bldSub>
-          <a:bldDgm bld="one"/>
-        </p:bldSub>
-      </p:bldGraphic>
-    </p:bldLst>
   </p:timing>
 </p:sld>
 </file>
 
 <file path=ppt/slides/slide4.xml><?xml version="1.0" encoding="utf-8"?>
-<p:sld xmlns:a="http://schemas.openxmlformats.org/drawingml/2006/main" xmlns:r="http://schemas.openxmlformats.org/officeDocument/2006/relationships" xmlns:p="http://schemas.openxmlformats.org/presentationml/2006/main">
+<p:sld xmlns:a="http://schemas.openxmlformats.org/drawingml/2006/main" xmlns:p="http://schemas.openxmlformats.org/presentationml/2006/main" xmlns:r="http://schemas.openxmlformats.org/officeDocument/2006/relationships" xmlns:p14="http://schemas.microsoft.com/office/powerpoint/2010/main" xmlns:p15="http://schemas.microsoft.com/office/powerpoint/2012/main" xmlns:mc="http://schemas.openxmlformats.org/markup-compatibility/2006">
   <p:cSld>
     <p:bg>
       <p:bgPr>
         <a:solidFill>
-          <a:schemeClr val="bg1"/>
+          <a:srgbClr val="ffffff"/>
         </a:solidFill>
-        <a:effectLst/>
       </p:bgPr>
     </p:bg>
     <p:spTree>
@@ -7944,37 +6273,20 @@
       </p:grpSpPr>
       <p:sp>
         <p:nvSpPr>
-          <p:cNvPr id="46" name="Rectangle 45">
-            <a:extLst>
-              <a:ext uri="{FF2B5EF4-FFF2-40B4-BE49-F238E27FC236}">
-                <a16:creationId xmlns:a16="http://schemas.microsoft.com/office/drawing/2014/main" id="{9E90EB45-EEE9-4563-8179-65EF62AE0978}"/>
-              </a:ext>
-              <a:ext uri="{C183D7F6-B498-43B3-948B-1728B52AA6E4}">
-                <adec:decorative xmlns:adec="http://schemas.microsoft.com/office/drawing/2017/decorative" val="1"/>
-              </a:ext>
-            </a:extLst>
-          </p:cNvPr>
-          <p:cNvSpPr>
-            <a:spLocks noGrp="1" noRot="1" noChangeAspect="1" noMove="1" noResize="1" noEditPoints="1" noAdjustHandles="1" noChangeArrowheads="1" noChangeShapeType="1" noTextEdit="1"/>
-          </p:cNvSpPr>
-          <p:nvPr>
-            <p:extLst>
-              <p:ext uri="{386F3935-93C4-4BCD-93E2-E3B085C9AB24}">
-                <p16:designElem xmlns:p16="http://schemas.microsoft.com/office/powerpoint/2015/main" val="1"/>
-              </p:ext>
-            </p:extLst>
-          </p:nvPr>
+          <p:cNvPr id="55" name="Rectangle 45"/>
+          <p:cNvSpPr/>
+          <p:nvPr/>
         </p:nvSpPr>
         <p:spPr>
           <a:xfrm>
             <a:off x="0" y="0"/>
-            <a:ext cx="12192000" cy="6858000"/>
+            <a:ext cx="12191760" cy="6857640"/>
           </a:xfrm>
           <a:prstGeom prst="rect">
             <a:avLst/>
           </a:prstGeom>
           <a:solidFill>
-            <a:srgbClr val="4E4E4E"/>
+            <a:srgbClr val="4e4e4e"/>
           </a:solidFill>
           <a:ln>
             <a:noFill/>
@@ -7992,82 +6304,42 @@
           <a:effectRef idx="0">
             <a:schemeClr val="accent1"/>
           </a:effectRef>
-          <a:fontRef idx="minor">
-            <a:schemeClr val="lt1"/>
-          </a:fontRef>
+          <a:fontRef idx="minor"/>
         </p:style>
-        <p:txBody>
-          <a:bodyPr rtlCol="0" anchor="ctr"/>
-          <a:lstStyle/>
-          <a:p>
-            <a:pPr algn="ctr"/>
-            <a:endParaRPr lang="en-US"/>
-          </a:p>
-        </p:txBody>
       </p:sp>
       <p:pic>
         <p:nvPicPr>
-          <p:cNvPr id="13" name="Graphic 13">
-            <a:extLst>
-              <a:ext uri="{FF2B5EF4-FFF2-40B4-BE49-F238E27FC236}">
-                <a16:creationId xmlns:a16="http://schemas.microsoft.com/office/drawing/2014/main" id="{AFDE814A-7A57-4F31-BE45-0CE4EFFED5F5}"/>
-              </a:ext>
-            </a:extLst>
-          </p:cNvPr>
-          <p:cNvPicPr>
-            <a:picLocks noChangeAspect="1"/>
-          </p:cNvPicPr>
+          <p:cNvPr id="56" name="Graphic 13" descr=""/>
+          <p:cNvPicPr/>
           <p:nvPr/>
         </p:nvPicPr>
         <p:blipFill>
-          <a:blip r:embed="rId2">
-            <a:extLst>
-              <a:ext uri="{96DAC541-7B7A-43D3-8B79-37D633B846F1}">
-                <asvg:svgBlip xmlns:asvg="http://schemas.microsoft.com/office/drawing/2016/SVG/main" r:embed="rId3"/>
-              </a:ext>
-            </a:extLst>
-          </a:blip>
-          <a:stretch>
-            <a:fillRect/>
-          </a:stretch>
+          <a:blip r:embed="rId1"/>
+          <a:stretch/>
         </p:blipFill>
         <p:spPr>
           <a:xfrm>
-            <a:off x="6176433" y="742950"/>
-            <a:ext cx="5372100" cy="5372100"/>
+            <a:off x="6176520" y="743040"/>
+            <a:ext cx="5371920" cy="5371920"/>
           </a:xfrm>
           <a:prstGeom prst="rect">
             <a:avLst/>
           </a:prstGeom>
+          <a:ln w="0">
+            <a:noFill/>
+          </a:ln>
         </p:spPr>
       </p:pic>
       <p:sp>
         <p:nvSpPr>
-          <p:cNvPr id="48" name="Rectangle 47">
-            <a:extLst>
-              <a:ext uri="{FF2B5EF4-FFF2-40B4-BE49-F238E27FC236}">
-                <a16:creationId xmlns:a16="http://schemas.microsoft.com/office/drawing/2014/main" id="{23D0EF74-AD1E-4FD9-914D-8EC9058EBBA3}"/>
-              </a:ext>
-              <a:ext uri="{C183D7F6-B498-43B3-948B-1728B52AA6E4}">
-                <adec:decorative xmlns:adec="http://schemas.microsoft.com/office/drawing/2017/decorative" val="1"/>
-              </a:ext>
-            </a:extLst>
-          </p:cNvPr>
-          <p:cNvSpPr>
-            <a:spLocks noGrp="1" noRot="1" noChangeAspect="1" noMove="1" noResize="1" noEditPoints="1" noAdjustHandles="1" noChangeArrowheads="1" noChangeShapeType="1" noTextEdit="1"/>
-          </p:cNvSpPr>
-          <p:nvPr>
-            <p:extLst>
-              <p:ext uri="{386F3935-93C4-4BCD-93E2-E3B085C9AB24}">
-                <p16:designElem xmlns:p16="http://schemas.microsoft.com/office/powerpoint/2015/main" val="1"/>
-              </p:ext>
-            </p:extLst>
-          </p:nvPr>
+          <p:cNvPr id="57" name="Rectangle 47"/>
+          <p:cNvSpPr/>
+          <p:nvPr/>
         </p:nvSpPr>
         <p:spPr>
           <a:xfrm>
-            <a:off x="477012" y="480060"/>
-            <a:ext cx="11237976" cy="5897880"/>
+            <a:off x="477000" y="480240"/>
+            <a:ext cx="11237760" cy="5897520"/>
           </a:xfrm>
           <a:prstGeom prst="rect">
             <a:avLst/>
@@ -8075,7 +6347,7 @@
           <a:noFill/>
           <a:ln>
             <a:solidFill>
-              <a:srgbClr val="FFFFFF"/>
+              <a:srgbClr val="ffffff"/>
             </a:solidFill>
           </a:ln>
         </p:spPr>
@@ -8091,103 +6363,72 @@
           <a:effectRef idx="0">
             <a:schemeClr val="accent1"/>
           </a:effectRef>
-          <a:fontRef idx="minor">
-            <a:schemeClr val="lt1"/>
-          </a:fontRef>
+          <a:fontRef idx="minor"/>
         </p:style>
-        <p:txBody>
-          <a:bodyPr rtlCol="0" anchor="ctr"/>
-          <a:lstStyle/>
-          <a:p>
-            <a:pPr algn="ctr"/>
-            <a:endParaRPr lang="en-US"/>
-          </a:p>
-        </p:txBody>
       </p:sp>
       <p:pic>
         <p:nvPicPr>
-          <p:cNvPr id="12" name="Graphic 12">
-            <a:extLst>
-              <a:ext uri="{FF2B5EF4-FFF2-40B4-BE49-F238E27FC236}">
-                <a16:creationId xmlns:a16="http://schemas.microsoft.com/office/drawing/2014/main" id="{282EC692-0042-49EA-ADCD-49257082B5EB}"/>
-              </a:ext>
-            </a:extLst>
-          </p:cNvPr>
-          <p:cNvPicPr>
-            <a:picLocks noChangeAspect="1"/>
-          </p:cNvPicPr>
+          <p:cNvPr id="58" name="Graphic 12" descr=""/>
+          <p:cNvPicPr/>
           <p:nvPr/>
         </p:nvPicPr>
         <p:blipFill>
-          <a:blip r:embed="rId4">
-            <a:extLst>
-              <a:ext uri="{96DAC541-7B7A-43D3-8B79-37D633B846F1}">
-                <asvg:svgBlip xmlns:asvg="http://schemas.microsoft.com/office/drawing/2016/SVG/main" r:embed="rId5"/>
-              </a:ext>
-            </a:extLst>
-          </a:blip>
-          <a:stretch>
-            <a:fillRect/>
-          </a:stretch>
+          <a:blip r:embed="rId2"/>
+          <a:stretch/>
         </p:blipFill>
         <p:spPr>
           <a:xfrm>
-            <a:off x="643466" y="742950"/>
-            <a:ext cx="5372099" cy="5372099"/>
+            <a:off x="643320" y="743040"/>
+            <a:ext cx="5371560" cy="5371560"/>
           </a:xfrm>
           <a:prstGeom prst="rect">
             <a:avLst/>
           </a:prstGeom>
+          <a:ln w="0">
+            <a:noFill/>
+          </a:ln>
         </p:spPr>
       </p:pic>
     </p:spTree>
-    <p:extLst>
-      <p:ext uri="{BB962C8B-B14F-4D97-AF65-F5344CB8AC3E}">
-        <p14:creationId xmlns:p14="http://schemas.microsoft.com/office/powerpoint/2010/main" val="3966601738"/>
-      </p:ext>
-    </p:extLst>
   </p:cSld>
-  <p:clrMapOvr>
-    <a:masterClrMapping/>
-  </p:clrMapOvr>
   <p:transition spd="slow">
     <p:push dir="u"/>
   </p:transition>
   <p:timing>
     <p:tnLst>
       <p:par>
-        <p:cTn id="1" dur="indefinite" restart="never" nodeType="tmRoot">
+        <p:cTn id="23" dur="indefinite" restart="never" nodeType="tmRoot">
           <p:childTnLst>
-            <p:seq concurrent="1" nextAc="seek">
-              <p:cTn id="2" dur="indefinite" nodeType="mainSeq">
+            <p:seq>
+              <p:cTn id="24" dur="indefinite" nodeType="mainSeq">
                 <p:childTnLst>
                   <p:par>
-                    <p:cTn id="3" fill="hold">
+                    <p:cTn id="25" fill="hold">
                       <p:stCondLst>
                         <p:cond delay="indefinite"/>
                       </p:stCondLst>
                       <p:childTnLst>
                         <p:par>
-                          <p:cTn id="4" fill="hold">
+                          <p:cTn id="26" fill="hold">
                             <p:stCondLst>
                               <p:cond delay="0"/>
                             </p:stCondLst>
                             <p:childTnLst>
                               <p:par>
-                                <p:cTn id="5" presetID="2" presetClass="entr" presetSubtype="1" fill="hold" nodeType="clickEffect">
+                                <p:cTn id="27" nodeType="clickEffect" fill="hold" presetClass="entr" presetID="2" presetSubtype="1">
                                   <p:stCondLst>
                                     <p:cond delay="0"/>
                                   </p:stCondLst>
                                   <p:childTnLst>
                                     <p:set>
                                       <p:cBhvr>
-                                        <p:cTn id="6" dur="1" fill="hold">
+                                        <p:cTn id="28" dur="1" fill="hold">
                                           <p:stCondLst>
                                             <p:cond delay="0"/>
                                           </p:stCondLst>
                                         </p:cTn>
                                         <p:tgtEl>
-                                          <p:spTgt spid="12"/>
+                                          <p:spTgt spid="58"/>
                                         </p:tgtEl>
                                         <p:attrNameLst>
                                           <p:attrName>style.visibility</p:attrName>
@@ -8198,10 +6439,10 @@
                                       </p:to>
                                     </p:set>
                                     <p:anim calcmode="lin" valueType="num">
-                                      <p:cBhvr additive="base">
-                                        <p:cTn id="7" dur="500" fill="hold"/>
+                                      <p:cBhvr additive="repl">
+                                        <p:cTn id="29" dur="500" fill="hold"/>
                                         <p:tgtEl>
-                                          <p:spTgt spid="12"/>
+                                          <p:spTgt spid="58"/>
                                         </p:tgtEl>
                                         <p:attrNameLst>
                                           <p:attrName>ppt_x</p:attrName>
@@ -8221,10 +6462,10 @@
                                       </p:tavLst>
                                     </p:anim>
                                     <p:anim calcmode="lin" valueType="num">
-                                      <p:cBhvr additive="base">
-                                        <p:cTn id="8" dur="500" fill="hold"/>
+                                      <p:cBhvr additive="repl">
+                                        <p:cTn id="30" dur="500" fill="hold"/>
                                         <p:tgtEl>
-                                          <p:spTgt spid="12"/>
+                                          <p:spTgt spid="58"/>
                                         </p:tgtEl>
                                         <p:attrNameLst>
                                           <p:attrName>ppt_y</p:attrName>
@@ -8253,32 +6494,32 @@
                     </p:cTn>
                   </p:par>
                   <p:par>
-                    <p:cTn id="9" fill="hold">
+                    <p:cTn id="31" fill="hold">
                       <p:stCondLst>
                         <p:cond delay="indefinite"/>
                       </p:stCondLst>
                       <p:childTnLst>
                         <p:par>
-                          <p:cTn id="10" fill="hold">
+                          <p:cTn id="32" fill="hold">
                             <p:stCondLst>
                               <p:cond delay="0"/>
                             </p:stCondLst>
                             <p:childTnLst>
                               <p:par>
-                                <p:cTn id="11" presetID="2" presetClass="entr" presetSubtype="1" fill="hold" nodeType="clickEffect">
+                                <p:cTn id="33" nodeType="clickEffect" fill="hold" presetClass="entr" presetID="2" presetSubtype="1">
                                   <p:stCondLst>
                                     <p:cond delay="0"/>
                                   </p:stCondLst>
                                   <p:childTnLst>
                                     <p:set>
                                       <p:cBhvr>
-                                        <p:cTn id="12" dur="1" fill="hold">
+                                        <p:cTn id="34" dur="1" fill="hold">
                                           <p:stCondLst>
                                             <p:cond delay="0"/>
                                           </p:stCondLst>
                                         </p:cTn>
                                         <p:tgtEl>
-                                          <p:spTgt spid="13"/>
+                                          <p:spTgt spid="56"/>
                                         </p:tgtEl>
                                         <p:attrNameLst>
                                           <p:attrName>style.visibility</p:attrName>
@@ -8289,10 +6530,10 @@
                                       </p:to>
                                     </p:set>
                                     <p:anim calcmode="lin" valueType="num">
-                                      <p:cBhvr additive="base">
-                                        <p:cTn id="13" dur="500" fill="hold"/>
+                                      <p:cBhvr additive="repl">
+                                        <p:cTn id="35" dur="500" fill="hold"/>
                                         <p:tgtEl>
-                                          <p:spTgt spid="13"/>
+                                          <p:spTgt spid="56"/>
                                         </p:tgtEl>
                                         <p:attrNameLst>
                                           <p:attrName>ppt_x</p:attrName>
@@ -8312,10 +6553,10 @@
                                       </p:tavLst>
                                     </p:anim>
                                     <p:anim calcmode="lin" valueType="num">
-                                      <p:cBhvr additive="base">
-                                        <p:cTn id="14" dur="500" fill="hold"/>
+                                      <p:cBhvr additive="repl">
+                                        <p:cTn id="36" dur="500" fill="hold"/>
                                         <p:tgtEl>
-                                          <p:spTgt spid="13"/>
+                                          <p:spTgt spid="56"/>
                                         </p:tgtEl>
                                         <p:attrNameLst>
                                           <p:attrName>ppt_y</p:attrName>
@@ -8346,14 +6587,14 @@
                 </p:childTnLst>
               </p:cTn>
               <p:prevCondLst>
-                <p:cond evt="onPrev" delay="0">
+                <p:cond evt="onPrev">
                   <p:tgtEl>
                     <p:sldTgt/>
                   </p:tgtEl>
                 </p:cond>
               </p:prevCondLst>
               <p:nextCondLst>
-                <p:cond evt="onNext" delay="0">
+                <p:cond evt="onNext">
                   <p:tgtEl>
                     <p:sldTgt/>
                   </p:tgtEl>
@@ -8369,14 +6610,13 @@
 </file>
 
 <file path=ppt/slides/slide5.xml><?xml version="1.0" encoding="utf-8"?>
-<p:sld xmlns:a="http://schemas.openxmlformats.org/drawingml/2006/main" xmlns:r="http://schemas.openxmlformats.org/officeDocument/2006/relationships" xmlns:p="http://schemas.openxmlformats.org/presentationml/2006/main">
+<p:sld xmlns:a="http://schemas.openxmlformats.org/drawingml/2006/main" xmlns:p="http://schemas.openxmlformats.org/presentationml/2006/main" xmlns:r="http://schemas.openxmlformats.org/officeDocument/2006/relationships" xmlns:p14="http://schemas.microsoft.com/office/powerpoint/2010/main" xmlns:p15="http://schemas.microsoft.com/office/powerpoint/2012/main" xmlns:mc="http://schemas.openxmlformats.org/markup-compatibility/2006">
   <p:cSld>
     <p:bg>
       <p:bgPr>
         <a:solidFill>
-          <a:schemeClr val="bg1"/>
+          <a:srgbClr val="ffffff"/>
         </a:solidFill>
-        <a:effectLst/>
       </p:bgPr>
     </p:bg>
     <p:spTree>
@@ -8395,37 +6635,20 @@
       </p:grpSpPr>
       <p:sp>
         <p:nvSpPr>
-          <p:cNvPr id="46" name="Rectangle 45">
-            <a:extLst>
-              <a:ext uri="{FF2B5EF4-FFF2-40B4-BE49-F238E27FC236}">
-                <a16:creationId xmlns:a16="http://schemas.microsoft.com/office/drawing/2014/main" id="{9E90EB45-EEE9-4563-8179-65EF62AE0978}"/>
-              </a:ext>
-              <a:ext uri="{C183D7F6-B498-43B3-948B-1728B52AA6E4}">
-                <adec:decorative xmlns:adec="http://schemas.microsoft.com/office/drawing/2017/decorative" val="1"/>
-              </a:ext>
-            </a:extLst>
-          </p:cNvPr>
-          <p:cNvSpPr>
-            <a:spLocks noGrp="1" noRot="1" noChangeAspect="1" noMove="1" noResize="1" noEditPoints="1" noAdjustHandles="1" noChangeArrowheads="1" noChangeShapeType="1" noTextEdit="1"/>
-          </p:cNvSpPr>
-          <p:nvPr>
-            <p:extLst>
-              <p:ext uri="{386F3935-93C4-4BCD-93E2-E3B085C9AB24}">
-                <p16:designElem xmlns:p16="http://schemas.microsoft.com/office/powerpoint/2015/main" val="1"/>
-              </p:ext>
-            </p:extLst>
-          </p:nvPr>
+          <p:cNvPr id="59" name="Rectangle 45"/>
+          <p:cNvSpPr/>
+          <p:nvPr/>
         </p:nvSpPr>
         <p:spPr>
           <a:xfrm>
             <a:off x="0" y="0"/>
-            <a:ext cx="12192000" cy="6858000"/>
+            <a:ext cx="12191760" cy="6857640"/>
           </a:xfrm>
           <a:prstGeom prst="rect">
             <a:avLst/>
           </a:prstGeom>
           <a:solidFill>
-            <a:srgbClr val="4E4E4E"/>
+            <a:srgbClr val="4e4e4e"/>
           </a:solidFill>
           <a:ln>
             <a:noFill/>
@@ -8443,46 +6666,19 @@
           <a:effectRef idx="0">
             <a:schemeClr val="accent1"/>
           </a:effectRef>
-          <a:fontRef idx="minor">
-            <a:schemeClr val="lt1"/>
-          </a:fontRef>
+          <a:fontRef idx="minor"/>
         </p:style>
-        <p:txBody>
-          <a:bodyPr rtlCol="0" anchor="ctr"/>
-          <a:lstStyle/>
-          <a:p>
-            <a:pPr algn="ctr"/>
-            <a:endParaRPr lang="en-US"/>
-          </a:p>
-        </p:txBody>
       </p:sp>
       <p:sp>
         <p:nvSpPr>
-          <p:cNvPr id="48" name="Rectangle 47">
-            <a:extLst>
-              <a:ext uri="{FF2B5EF4-FFF2-40B4-BE49-F238E27FC236}">
-                <a16:creationId xmlns:a16="http://schemas.microsoft.com/office/drawing/2014/main" id="{23D0EF74-AD1E-4FD9-914D-8EC9058EBBA3}"/>
-              </a:ext>
-              <a:ext uri="{C183D7F6-B498-43B3-948B-1728B52AA6E4}">
-                <adec:decorative xmlns:adec="http://schemas.microsoft.com/office/drawing/2017/decorative" val="1"/>
-              </a:ext>
-            </a:extLst>
-          </p:cNvPr>
-          <p:cNvSpPr>
-            <a:spLocks noGrp="1" noRot="1" noChangeAspect="1" noMove="1" noResize="1" noEditPoints="1" noAdjustHandles="1" noChangeArrowheads="1" noChangeShapeType="1" noTextEdit="1"/>
-          </p:cNvSpPr>
-          <p:nvPr>
-            <p:extLst>
-              <p:ext uri="{386F3935-93C4-4BCD-93E2-E3B085C9AB24}">
-                <p16:designElem xmlns:p16="http://schemas.microsoft.com/office/powerpoint/2015/main" val="1"/>
-              </p:ext>
-            </p:extLst>
-          </p:nvPr>
+          <p:cNvPr id="60" name="Rectangle 47"/>
+          <p:cNvSpPr/>
+          <p:nvPr/>
         </p:nvSpPr>
         <p:spPr>
           <a:xfrm>
-            <a:off x="477012" y="480060"/>
-            <a:ext cx="11237976" cy="5897880"/>
+            <a:off x="477000" y="480240"/>
+            <a:ext cx="11237760" cy="5897520"/>
           </a:xfrm>
           <a:prstGeom prst="rect">
             <a:avLst/>
@@ -8490,7 +6686,7 @@
           <a:noFill/>
           <a:ln>
             <a:solidFill>
-              <a:srgbClr val="FFFFFF"/>
+              <a:srgbClr val="ffffff"/>
             </a:solidFill>
           </a:ln>
         </p:spPr>
@@ -8506,78 +6702,61 @@
           <a:effectRef idx="0">
             <a:schemeClr val="accent1"/>
           </a:effectRef>
-          <a:fontRef idx="minor">
-            <a:schemeClr val="lt1"/>
-          </a:fontRef>
+          <a:fontRef idx="minor"/>
         </p:style>
-        <p:txBody>
-          <a:bodyPr rtlCol="0" anchor="ctr"/>
-          <a:lstStyle/>
-          <a:p>
-            <a:pPr algn="ctr"/>
-            <a:endParaRPr lang="en-US"/>
-          </a:p>
-        </p:txBody>
       </p:sp>
       <p:sp>
         <p:nvSpPr>
-          <p:cNvPr id="5" name="TextBox 4">
-            <a:extLst>
-              <a:ext uri="{FF2B5EF4-FFF2-40B4-BE49-F238E27FC236}">
-                <a16:creationId xmlns:a16="http://schemas.microsoft.com/office/drawing/2014/main" id="{B98EDECE-049A-474A-B58F-194508FF1BC2}"/>
-              </a:ext>
-            </a:extLst>
-          </p:cNvPr>
-          <p:cNvSpPr txBox="1"/>
+          <p:cNvPr id="61" name="TextBox 4"/>
+          <p:cNvSpPr/>
           <p:nvPr/>
         </p:nvSpPr>
         <p:spPr>
           <a:xfrm>
-            <a:off x="3928714" y="2646323"/>
-            <a:ext cx="4341541" cy="1569660"/>
+            <a:off x="3928680" y="1922760"/>
+            <a:ext cx="4341240" cy="3016800"/>
           </a:xfrm>
           <a:prstGeom prst="rect">
             <a:avLst/>
           </a:prstGeom>
           <a:noFill/>
+          <a:ln w="0">
+            <a:noFill/>
+          </a:ln>
         </p:spPr>
+        <p:style>
+          <a:lnRef idx="0"/>
+          <a:fillRef idx="0"/>
+          <a:effectRef idx="0"/>
+          <a:fontRef idx="minor"/>
+        </p:style>
         <p:txBody>
-          <a:bodyPr rot="0" spcFirstLastPara="0" vertOverflow="overflow" horzOverflow="overflow" vert="horz" wrap="square" lIns="91440" tIns="45720" rIns="91440" bIns="45720" numCol="1" spcCol="0" rtlCol="0" fromWordArt="0" anchor="ctr" anchorCtr="0" forceAA="0" compatLnSpc="1">
-            <a:prstTxWarp prst="textNoShape">
-              <a:avLst/>
-            </a:prstTxWarp>
+          <a:bodyPr numCol="1" spcCol="0" horzOverflow="overflow" vertOverflow="overflow" anchor="ctr">
             <a:spAutoFit/>
           </a:bodyPr>
-          <a:lstStyle/>
           <a:p>
-            <a:pPr algn="ctr"/>
+            <a:pPr algn="ctr">
+              <a:lnSpc>
+                <a:spcPct val="100000"/>
+              </a:lnSpc>
+            </a:pPr>
             <a:r>
-              <a:rPr lang="en-US" sz="9600" b="1" dirty="0">
+              <a:rPr b="1" lang="en-US" sz="9600" spc="-1" strike="noStrike">
                 <a:solidFill>
-                  <a:schemeClr val="bg2"/>
+                  <a:srgbClr val="e7e6e6"/>
                 </a:solidFill>
+                <a:latin typeface="Calibri"/>
               </a:rPr>
               <a:t>The End</a:t>
             </a:r>
-            <a:endParaRPr lang="en-US" sz="9600" b="1">
-              <a:solidFill>
-                <a:schemeClr val="bg2"/>
-              </a:solidFill>
-              <a:cs typeface="Calibri"/>
+            <a:endParaRPr b="0" lang="fr-FR" sz="9600" spc="-1" strike="noStrike">
+              <a:latin typeface="Arial"/>
             </a:endParaRPr>
           </a:p>
         </p:txBody>
       </p:sp>
     </p:spTree>
-    <p:extLst>
-      <p:ext uri="{BB962C8B-B14F-4D97-AF65-F5344CB8AC3E}">
-        <p14:creationId xmlns:p14="http://schemas.microsoft.com/office/powerpoint/2010/main" val="3384067334"/>
-      </p:ext>
-    </p:extLst>
   </p:cSld>
-  <p:clrMapOvr>
-    <a:masterClrMapping/>
-  </p:clrMapOvr>
   <p:transition spd="slow">
     <p:push dir="u"/>
   </p:transition>
@@ -8587,7 +6766,7 @@
 <file path=ppt/theme/theme1.xml><?xml version="1.0" encoding="utf-8"?>
 <a:theme xmlns:a="http://schemas.openxmlformats.org/drawingml/2006/main" name="Office Theme">
   <a:themeElements>
-    <a:clrScheme name="Office Theme">
+    <a:clrScheme name="Office">
       <a:dk1>
         <a:sysClr val="windowText" lastClr="000000"/>
       </a:dk1>
@@ -8595,109 +6774,49 @@
         <a:sysClr val="window" lastClr="FFFFFF"/>
       </a:lt1>
       <a:dk2>
-        <a:srgbClr val="44546A"/>
+        <a:srgbClr val="44546a"/>
       </a:dk2>
       <a:lt2>
-        <a:srgbClr val="E7E6E6"/>
+        <a:srgbClr val="e7e6e6"/>
       </a:lt2>
       <a:accent1>
-        <a:srgbClr val="4472C4"/>
+        <a:srgbClr val="4472c4"/>
       </a:accent1>
       <a:accent2>
-        <a:srgbClr val="ED7D31"/>
+        <a:srgbClr val="ed7d31"/>
       </a:accent2>
       <a:accent3>
-        <a:srgbClr val="A5A5A5"/>
+        <a:srgbClr val="a5a5a5"/>
       </a:accent3>
       <a:accent4>
-        <a:srgbClr val="FFC000"/>
+        <a:srgbClr val="ffc000"/>
       </a:accent4>
       <a:accent5>
-        <a:srgbClr val="5B9BD5"/>
+        <a:srgbClr val="5b9bd5"/>
       </a:accent5>
       <a:accent6>
-        <a:srgbClr val="70AD47"/>
+        <a:srgbClr val="70ad47"/>
       </a:accent6>
       <a:hlink>
-        <a:srgbClr val="0563C1"/>
+        <a:srgbClr val="0563c1"/>
       </a:hlink>
       <a:folHlink>
-        <a:srgbClr val="954F72"/>
+        <a:srgbClr val="954f72"/>
       </a:folHlink>
     </a:clrScheme>
-    <a:fontScheme name="Office Theme">
+    <a:fontScheme name="Office">
       <a:majorFont>
-        <a:latin typeface="Calibri Light" panose="020F0302020204030204"/>
-        <a:ea typeface=""/>
-        <a:cs typeface=""/>
-        <a:font script="Jpan" typeface="游ゴシック Light"/>
-        <a:font script="Hang" typeface="맑은 고딕"/>
-        <a:font script="Hans" typeface="等线 Light"/>
-        <a:font script="Hant" typeface="新細明體"/>
-        <a:font script="Arab" typeface="Times New Roman"/>
-        <a:font script="Hebr" typeface="Times New Roman"/>
-        <a:font script="Thai" typeface="Angsana New"/>
-        <a:font script="Ethi" typeface="Nyala"/>
-        <a:font script="Beng" typeface="Vrinda"/>
-        <a:font script="Gujr" typeface="Shruti"/>
-        <a:font script="Khmr" typeface="MoolBoran"/>
-        <a:font script="Knda" typeface="Tunga"/>
-        <a:font script="Guru" typeface="Raavi"/>
-        <a:font script="Cans" typeface="Euphemia"/>
-        <a:font script="Cher" typeface="Plantagenet Cherokee"/>
-        <a:font script="Yiii" typeface="Microsoft Yi Baiti"/>
-        <a:font script="Tibt" typeface="Microsoft Himalaya"/>
-        <a:font script="Thaa" typeface="MV Boli"/>
-        <a:font script="Deva" typeface="Mangal"/>
-        <a:font script="Telu" typeface="Gautami"/>
-        <a:font script="Taml" typeface="Latha"/>
-        <a:font script="Syrc" typeface="Estrangelo Edessa"/>
-        <a:font script="Orya" typeface="Kalinga"/>
-        <a:font script="Mlym" typeface="Kartika"/>
-        <a:font script="Laoo" typeface="DokChampa"/>
-        <a:font script="Sinh" typeface="Iskoola Pota"/>
-        <a:font script="Mong" typeface="Mongolian Baiti"/>
-        <a:font script="Viet" typeface="Times New Roman"/>
-        <a:font script="Uigh" typeface="Microsoft Uighur"/>
-        <a:font script="Geor" typeface="Sylfaen"/>
+        <a:latin typeface="Arial"/>
+        <a:ea typeface="DejaVu Sans"/>
+        <a:cs typeface="DejaVu Sans"/>
       </a:majorFont>
       <a:minorFont>
-        <a:latin typeface="Calibri" panose="020F0502020204030204"/>
-        <a:ea typeface=""/>
-        <a:cs typeface=""/>
-        <a:font script="Jpan" typeface="游ゴシック"/>
-        <a:font script="Hang" typeface="맑은 고딕"/>
-        <a:font script="Hans" typeface="等线"/>
-        <a:font script="Hant" typeface="新細明體"/>
-        <a:font script="Arab" typeface="Arial"/>
-        <a:font script="Hebr" typeface="Arial"/>
-        <a:font script="Thai" typeface="Cordia New"/>
-        <a:font script="Ethi" typeface="Nyala"/>
-        <a:font script="Beng" typeface="Vrinda"/>
-        <a:font script="Gujr" typeface="Shruti"/>
-        <a:font script="Khmr" typeface="DaunPenh"/>
-        <a:font script="Knda" typeface="Tunga"/>
-        <a:font script="Guru" typeface="Raavi"/>
-        <a:font script="Cans" typeface="Euphemia"/>
-        <a:font script="Cher" typeface="Plantagenet Cherokee"/>
-        <a:font script="Yiii" typeface="Microsoft Yi Baiti"/>
-        <a:font script="Tibt" typeface="Microsoft Himalaya"/>
-        <a:font script="Thaa" typeface="MV Boli"/>
-        <a:font script="Deva" typeface="Mangal"/>
-        <a:font script="Telu" typeface="Gautami"/>
-        <a:font script="Taml" typeface="Latha"/>
-        <a:font script="Syrc" typeface="Estrangelo Edessa"/>
-        <a:font script="Orya" typeface="Kalinga"/>
-        <a:font script="Mlym" typeface="Kartika"/>
-        <a:font script="Laoo" typeface="DokChampa"/>
-        <a:font script="Sinh" typeface="Iskoola Pota"/>
-        <a:font script="Mong" typeface="Mongolian Baiti"/>
-        <a:font script="Viet" typeface="Arial"/>
-        <a:font script="Uigh" typeface="Microsoft Uighur"/>
-        <a:font script="Geor" typeface="Sylfaen"/>
+        <a:latin typeface="Arial"/>
+        <a:ea typeface="DejaVu Sans"/>
+        <a:cs typeface="DejaVu Sans"/>
       </a:minorFont>
     </a:fontScheme>
-    <a:fmtScheme name="Office Theme">
+    <a:fmtScheme name="Office">
       <a:fillStyleLst>
         <a:solidFill>
           <a:schemeClr val="phClr"/>
@@ -8706,142 +6825,167 @@
           <a:gsLst>
             <a:gs pos="0">
               <a:schemeClr val="phClr">
-                <a:lumMod val="110000"/>
-                <a:satMod val="105000"/>
-                <a:tint val="67000"/>
+                <a:tint val="50000"/>
+                <a:satMod val="300000"/>
               </a:schemeClr>
             </a:gs>
-            <a:gs pos="50000">
+            <a:gs pos="35000">
               <a:schemeClr val="phClr">
-                <a:lumMod val="105000"/>
-                <a:satMod val="103000"/>
-                <a:tint val="73000"/>
+                <a:tint val="37000"/>
+                <a:satMod val="300000"/>
               </a:schemeClr>
             </a:gs>
             <a:gs pos="100000">
               <a:schemeClr val="phClr">
-                <a:lumMod val="105000"/>
-                <a:satMod val="109000"/>
-                <a:tint val="81000"/>
+                <a:tint val="15000"/>
+                <a:satMod val="350000"/>
               </a:schemeClr>
             </a:gs>
           </a:gsLst>
-          <a:lin ang="5400000" scaled="0"/>
+          <a:lin ang="16200000" scaled="1"/>
         </a:gradFill>
         <a:gradFill rotWithShape="1">
           <a:gsLst>
             <a:gs pos="0">
               <a:schemeClr val="phClr">
-                <a:satMod val="103000"/>
-                <a:lumMod val="102000"/>
-                <a:tint val="94000"/>
+                <a:shade val="51000"/>
+                <a:satMod val="130000"/>
               </a:schemeClr>
             </a:gs>
-            <a:gs pos="50000">
+            <a:gs pos="80000">
               <a:schemeClr val="phClr">
-                <a:satMod val="110000"/>
-                <a:lumMod val="100000"/>
-                <a:shade val="100000"/>
+                <a:shade val="93000"/>
+                <a:satMod val="130000"/>
               </a:schemeClr>
             </a:gs>
             <a:gs pos="100000">
               <a:schemeClr val="phClr">
-                <a:lumMod val="99000"/>
-                <a:satMod val="120000"/>
-                <a:shade val="78000"/>
+                <a:shade val="94000"/>
+                <a:satMod val="135000"/>
               </a:schemeClr>
             </a:gs>
           </a:gsLst>
-          <a:lin ang="5400000" scaled="0"/>
+          <a:lin ang="16200000" scaled="0"/>
         </a:gradFill>
       </a:fillStyleLst>
       <a:lnStyleLst>
-        <a:ln w="6350" cap="flat" cmpd="sng" algn="ctr">
+        <a:ln w="9525" cap="flat" cmpd="sng" algn="ctr">
+          <a:solidFill>
+            <a:schemeClr val="phClr">
+              <a:shade val="95000"/>
+              <a:satMod val="105000"/>
+            </a:schemeClr>
+          </a:solidFill>
+          <a:prstDash val="solid"/>
+          <a:miter/>
+        </a:ln>
+        <a:ln w="25400" cap="flat" cmpd="sng" algn="ctr">
           <a:solidFill>
             <a:schemeClr val="phClr"/>
           </a:solidFill>
           <a:prstDash val="solid"/>
-          <a:miter lim="800000"/>
+          <a:miter/>
         </a:ln>
-        <a:ln w="12700" cap="flat" cmpd="sng" algn="ctr">
+        <a:ln w="38100" cap="flat" cmpd="sng" algn="ctr">
           <a:solidFill>
             <a:schemeClr val="phClr"/>
           </a:solidFill>
           <a:prstDash val="solid"/>
-          <a:miter lim="800000"/>
-        </a:ln>
-        <a:ln w="19050" cap="flat" cmpd="sng" algn="ctr">
-          <a:solidFill>
-            <a:schemeClr val="phClr"/>
-          </a:solidFill>
-          <a:prstDash val="solid"/>
-          <a:miter lim="800000"/>
+          <a:miter/>
         </a:ln>
       </a:lnStyleLst>
       <a:effectStyleLst>
         <a:effectStyle>
-          <a:effectLst/>
-        </a:effectStyle>
-        <a:effectStyle>
-          <a:effectLst/>
+          <a:effectLst>
+            <a:outerShdw blurRad="40000" dist="20000" dir="5400000" rotWithShape="0">
+              <a:srgbClr val="000000">
+                <a:alpha val="38000"/>
+              </a:srgbClr>
+            </a:outerShdw>
+          </a:effectLst>
         </a:effectStyle>
         <a:effectStyle>
           <a:effectLst>
-            <a:outerShdw blurRad="57150" dist="19050" dir="5400000" algn="ctr" rotWithShape="0">
+            <a:outerShdw blurRad="40000" dist="23000" dir="5400000" rotWithShape="0">
               <a:srgbClr val="000000">
-                <a:alpha val="63000"/>
+                <a:alpha val="35000"/>
               </a:srgbClr>
             </a:outerShdw>
           </a:effectLst>
+        </a:effectStyle>
+        <a:effectStyle>
+          <a:effectLst>
+            <a:outerShdw blurRad="40000" dist="23000" dir="5400000" rotWithShape="0">
+              <a:srgbClr val="000000">
+                <a:alpha val="35000"/>
+              </a:srgbClr>
+            </a:outerShdw>
+          </a:effectLst>
+          <a:scene3d>
+            <a:camera prst="orthographicFront">
+              <a:rot lat="0" lon="0" rev="0"/>
+            </a:camera>
+            <a:lightRig rig="threePt" dir="t">
+              <a:rot lat="0" lon="0" rev="1200000"/>
+            </a:lightRig>
+          </a:scene3d>
+          <a:sp3d>
+            <a:bevelT w="63500" h="25400"/>
+          </a:sp3d>
         </a:effectStyle>
       </a:effectStyleLst>
       <a:bgFillStyleLst>
         <a:solidFill>
           <a:schemeClr val="phClr"/>
         </a:solidFill>
-        <a:solidFill>
-          <a:schemeClr val="phClr">
-            <a:tint val="95000"/>
-            <a:satMod val="170000"/>
-          </a:schemeClr>
-        </a:solidFill>
         <a:gradFill rotWithShape="1">
           <a:gsLst>
             <a:gs pos="0">
               <a:schemeClr val="phClr">
-                <a:tint val="93000"/>
-                <a:satMod val="150000"/>
-                <a:shade val="98000"/>
-                <a:lumMod val="102000"/>
+                <a:tint val="40000"/>
+                <a:satMod val="350000"/>
               </a:schemeClr>
             </a:gs>
-            <a:gs pos="50000">
+            <a:gs pos="40000">
               <a:schemeClr val="phClr">
-                <a:tint val="98000"/>
-                <a:satMod val="130000"/>
-                <a:shade val="90000"/>
-                <a:lumMod val="103000"/>
+                <a:tint val="45000"/>
+                <a:shade val="99000"/>
+                <a:satMod val="350000"/>
               </a:schemeClr>
             </a:gs>
             <a:gs pos="100000">
               <a:schemeClr val="phClr">
-                <a:shade val="63000"/>
-                <a:satMod val="120000"/>
+                <a:shade val="20000"/>
+                <a:satMod val="255000"/>
               </a:schemeClr>
             </a:gs>
           </a:gsLst>
-          <a:lin ang="5400000" scaled="0"/>
+          <a:path path="circle">
+            <a:fillToRect l="50000" t="-80000" r="50000" b="180000"/>
+          </a:path>
+        </a:gradFill>
+        <a:gradFill rotWithShape="1">
+          <a:gsLst>
+            <a:gs pos="0">
+              <a:schemeClr val="phClr">
+                <a:tint val="80000"/>
+                <a:satMod val="300000"/>
+              </a:schemeClr>
+            </a:gs>
+            <a:gs pos="100000">
+              <a:schemeClr val="phClr">
+                <a:shade val="30000"/>
+                <a:satMod val="200000"/>
+              </a:schemeClr>
+            </a:gs>
+          </a:gsLst>
+          <a:path path="circle">
+            <a:fillToRect l="50000" t="50000" r="50000" b="50000"/>
+          </a:path>
         </a:gradFill>
       </a:bgFillStyleLst>
     </a:fmtScheme>
   </a:themeElements>
-  <a:objectDefaults/>
-  <a:extraClrSchemeLst/>
-  <a:extLst>
-    <a:ext uri="{05A4C25C-085E-4340-85A3-A5531E510DB2}">
-      <thm15:themeFamily xmlns:thm15="http://schemas.microsoft.com/office/thememl/2012/main" name="Office Theme" id="{62F939B6-93AF-4DB8-9C6B-D6C7DFDC589F}" vid="{4A3C46E8-61CC-4603-A589-7422A47A8E4A}"/>
-    </a:ext>
-  </a:extLst>
 </a:theme>
 </file>
 
